--- a/TG1/TG1_sync1.david.pptx
+++ b/TG1/TG1_sync1.david.pptx
@@ -6,7 +6,7 @@
     <p:sldMasterId id="2147483669" r:id="rId2"/>
   </p:sldMasterIdLst>
   <p:notesMasterIdLst>
-    <p:notesMasterId r:id="rId24"/>
+    <p:notesMasterId r:id="rId26"/>
   </p:notesMasterIdLst>
   <p:sldIdLst>
     <p:sldId id="256" r:id="rId3"/>
@@ -27,9 +27,11 @@
     <p:sldId id="358" r:id="rId18"/>
     <p:sldId id="359" r:id="rId19"/>
     <p:sldId id="352" r:id="rId20"/>
-    <p:sldId id="285" r:id="rId21"/>
-    <p:sldId id="294" r:id="rId22"/>
-    <p:sldId id="353" r:id="rId23"/>
+    <p:sldId id="360" r:id="rId21"/>
+    <p:sldId id="361" r:id="rId22"/>
+    <p:sldId id="362" r:id="rId23"/>
+    <p:sldId id="363" r:id="rId24"/>
+    <p:sldId id="353" r:id="rId25"/>
   </p:sldIdLst>
   <p:sldSz cx="9144000" cy="5143500" type="screen16x9"/>
   <p:notesSz cx="6858000" cy="9144000"/>
@@ -2208,6 +2210,3025 @@
 </file>
 
 <file path=ppt/slideLayouts/slideLayout10.xml><?xml version="1.0" encoding="utf-8"?>
+<p:sldLayout xmlns:a="http://schemas.openxmlformats.org/drawingml/2006/main" xmlns:r="http://schemas.openxmlformats.org/officeDocument/2006/relationships" xmlns:p="http://schemas.openxmlformats.org/presentationml/2006/main" type="titleOnly">
+  <p:cSld name="Title only">
+    <p:bg>
+      <p:bgPr>
+        <a:blipFill>
+          <a:blip r:embed="rId2">
+            <a:alphaModFix/>
+          </a:blip>
+          <a:stretch>
+            <a:fillRect/>
+          </a:stretch>
+        </a:blipFill>
+        <a:effectLst/>
+      </p:bgPr>
+    </p:bg>
+    <p:spTree>
+      <p:nvGrpSpPr>
+        <p:cNvPr id="1" name="Shape 43"/>
+        <p:cNvGrpSpPr/>
+        <p:nvPr/>
+      </p:nvGrpSpPr>
+      <p:grpSpPr>
+        <a:xfrm>
+          <a:off x="0" y="0"/>
+          <a:ext cx="0" cy="0"/>
+          <a:chOff x="0" y="0"/>
+          <a:chExt cx="0" cy="0"/>
+        </a:xfrm>
+      </p:grpSpPr>
+      <p:sp>
+        <p:nvSpPr>
+          <p:cNvPr id="44" name="Shape 44"/>
+          <p:cNvSpPr/>
+          <p:nvPr/>
+        </p:nvSpPr>
+        <p:spPr>
+          <a:xfrm>
+            <a:off x="0" y="0"/>
+            <a:ext cx="9144000" cy="5169000"/>
+          </a:xfrm>
+          <a:prstGeom prst="rect">
+            <a:avLst/>
+          </a:prstGeom>
+          <a:solidFill>
+            <a:schemeClr val="tx1">
+              <a:alpha val="26540"/>
+            </a:schemeClr>
+          </a:solidFill>
+          <a:ln>
+            <a:noFill/>
+          </a:ln>
+        </p:spPr>
+        <p:txBody>
+          <a:bodyPr lIns="91425" tIns="91425" rIns="91425" bIns="91425" anchor="ctr" anchorCtr="0">
+            <a:noAutofit/>
+          </a:bodyPr>
+          <a:lstStyle/>
+          <a:p>
+            <a:endParaRPr/>
+          </a:p>
+        </p:txBody>
+      </p:sp>
+      <p:sp>
+        <p:nvSpPr>
+          <p:cNvPr id="46" name="Shape 46"/>
+          <p:cNvSpPr txBox="1">
+            <a:spLocks noGrp="1"/>
+          </p:cNvSpPr>
+          <p:nvPr>
+            <p:ph type="title"/>
+          </p:nvPr>
+        </p:nvSpPr>
+        <p:spPr>
+          <a:xfrm>
+            <a:off x="1190100" y="302375"/>
+            <a:ext cx="6763800" cy="503099"/>
+          </a:xfrm>
+          <a:prstGeom prst="rect">
+            <a:avLst/>
+          </a:prstGeom>
+        </p:spPr>
+        <p:txBody>
+          <a:bodyPr lIns="91425" tIns="91425" rIns="91425" bIns="91425" anchor="t" anchorCtr="0"/>
+          <a:lstStyle>
+            <a:lvl1pPr lvl="0" algn="ctr" rtl="0">
+              <a:spcBef>
+                <a:spcPts val="0"/>
+              </a:spcBef>
+              <a:buNone/>
+              <a:defRPr sz="1800" b="1">
+                <a:solidFill>
+                  <a:srgbClr val="FFFFFF"/>
+                </a:solidFill>
+                <a:latin typeface="Muli"/>
+                <a:ea typeface="Muli"/>
+                <a:cs typeface="Muli"/>
+                <a:sym typeface="Muli"/>
+              </a:defRPr>
+            </a:lvl1pPr>
+            <a:lvl2pPr lvl="1" algn="ctr" rtl="0">
+              <a:spcBef>
+                <a:spcPts val="0"/>
+              </a:spcBef>
+              <a:buNone/>
+              <a:defRPr sz="1800" b="1">
+                <a:solidFill>
+                  <a:srgbClr val="FFFFFF"/>
+                </a:solidFill>
+                <a:latin typeface="Muli"/>
+                <a:ea typeface="Muli"/>
+                <a:cs typeface="Muli"/>
+                <a:sym typeface="Muli"/>
+              </a:defRPr>
+            </a:lvl2pPr>
+            <a:lvl3pPr lvl="2" algn="ctr" rtl="0">
+              <a:spcBef>
+                <a:spcPts val="0"/>
+              </a:spcBef>
+              <a:buNone/>
+              <a:defRPr sz="1800" b="1">
+                <a:solidFill>
+                  <a:srgbClr val="FFFFFF"/>
+                </a:solidFill>
+                <a:latin typeface="Muli"/>
+                <a:ea typeface="Muli"/>
+                <a:cs typeface="Muli"/>
+                <a:sym typeface="Muli"/>
+              </a:defRPr>
+            </a:lvl3pPr>
+            <a:lvl4pPr lvl="3" algn="ctr" rtl="0">
+              <a:spcBef>
+                <a:spcPts val="0"/>
+              </a:spcBef>
+              <a:buNone/>
+              <a:defRPr sz="1800" b="1">
+                <a:solidFill>
+                  <a:srgbClr val="FFFFFF"/>
+                </a:solidFill>
+                <a:latin typeface="Muli"/>
+                <a:ea typeface="Muli"/>
+                <a:cs typeface="Muli"/>
+                <a:sym typeface="Muli"/>
+              </a:defRPr>
+            </a:lvl4pPr>
+            <a:lvl5pPr lvl="4" algn="ctr" rtl="0">
+              <a:spcBef>
+                <a:spcPts val="0"/>
+              </a:spcBef>
+              <a:buNone/>
+              <a:defRPr sz="1800" b="1">
+                <a:solidFill>
+                  <a:srgbClr val="FFFFFF"/>
+                </a:solidFill>
+                <a:latin typeface="Muli"/>
+                <a:ea typeface="Muli"/>
+                <a:cs typeface="Muli"/>
+                <a:sym typeface="Muli"/>
+              </a:defRPr>
+            </a:lvl5pPr>
+            <a:lvl6pPr lvl="5" algn="ctr" rtl="0">
+              <a:spcBef>
+                <a:spcPts val="0"/>
+              </a:spcBef>
+              <a:buNone/>
+              <a:defRPr sz="1800" b="1">
+                <a:solidFill>
+                  <a:srgbClr val="FFFFFF"/>
+                </a:solidFill>
+                <a:latin typeface="Muli"/>
+                <a:ea typeface="Muli"/>
+                <a:cs typeface="Muli"/>
+                <a:sym typeface="Muli"/>
+              </a:defRPr>
+            </a:lvl6pPr>
+            <a:lvl7pPr lvl="6" algn="ctr" rtl="0">
+              <a:spcBef>
+                <a:spcPts val="0"/>
+              </a:spcBef>
+              <a:buNone/>
+              <a:defRPr sz="1800" b="1">
+                <a:solidFill>
+                  <a:srgbClr val="FFFFFF"/>
+                </a:solidFill>
+                <a:latin typeface="Muli"/>
+                <a:ea typeface="Muli"/>
+                <a:cs typeface="Muli"/>
+                <a:sym typeface="Muli"/>
+              </a:defRPr>
+            </a:lvl7pPr>
+            <a:lvl8pPr lvl="7" algn="ctr" rtl="0">
+              <a:spcBef>
+                <a:spcPts val="0"/>
+              </a:spcBef>
+              <a:buNone/>
+              <a:defRPr sz="1800" b="1">
+                <a:solidFill>
+                  <a:srgbClr val="FFFFFF"/>
+                </a:solidFill>
+                <a:latin typeface="Muli"/>
+                <a:ea typeface="Muli"/>
+                <a:cs typeface="Muli"/>
+                <a:sym typeface="Muli"/>
+              </a:defRPr>
+            </a:lvl8pPr>
+            <a:lvl9pPr lvl="8" algn="ctr" rtl="0">
+              <a:spcBef>
+                <a:spcPts val="0"/>
+              </a:spcBef>
+              <a:buNone/>
+              <a:defRPr sz="1800" b="1">
+                <a:solidFill>
+                  <a:srgbClr val="FFFFFF"/>
+                </a:solidFill>
+                <a:latin typeface="Muli"/>
+                <a:ea typeface="Muli"/>
+                <a:cs typeface="Muli"/>
+                <a:sym typeface="Muli"/>
+              </a:defRPr>
+            </a:lvl9pPr>
+          </a:lstStyle>
+          <a:p>
+            <a:endParaRPr/>
+          </a:p>
+        </p:txBody>
+      </p:sp>
+    </p:spTree>
+    <p:extLst>
+      <p:ext uri="{BB962C8B-B14F-4D97-AF65-F5344CB8AC3E}">
+        <p14:creationId xmlns:p14="http://schemas.microsoft.com/office/powerpoint/2010/main" val="101425889"/>
+      </p:ext>
+    </p:extLst>
+  </p:cSld>
+  <p:clrMapOvr>
+    <a:masterClrMapping/>
+  </p:clrMapOvr>
+</p:sldLayout>
+</file>
+
+<file path=ppt/slideLayouts/slideLayout11.xml><?xml version="1.0" encoding="utf-8"?>
+<p:sldLayout xmlns:a="http://schemas.openxmlformats.org/drawingml/2006/main" xmlns:r="http://schemas.openxmlformats.org/officeDocument/2006/relationships" xmlns:p="http://schemas.openxmlformats.org/presentationml/2006/main">
+  <p:cSld name="Caption">
+    <p:bg>
+      <p:bgPr>
+        <a:blipFill>
+          <a:blip r:embed="rId2">
+            <a:alphaModFix/>
+          </a:blip>
+          <a:stretch>
+            <a:fillRect/>
+          </a:stretch>
+        </a:blipFill>
+        <a:effectLst/>
+      </p:bgPr>
+    </p:bg>
+    <p:spTree>
+      <p:nvGrpSpPr>
+        <p:cNvPr id="1" name="Shape 47"/>
+        <p:cNvGrpSpPr/>
+        <p:nvPr/>
+      </p:nvGrpSpPr>
+      <p:grpSpPr>
+        <a:xfrm>
+          <a:off x="0" y="0"/>
+          <a:ext cx="0" cy="0"/>
+          <a:chOff x="0" y="0"/>
+          <a:chExt cx="0" cy="0"/>
+        </a:xfrm>
+      </p:grpSpPr>
+      <p:sp>
+        <p:nvSpPr>
+          <p:cNvPr id="48" name="Shape 48"/>
+          <p:cNvSpPr/>
+          <p:nvPr/>
+        </p:nvSpPr>
+        <p:spPr>
+          <a:xfrm>
+            <a:off x="0" y="0"/>
+            <a:ext cx="9144000" cy="5169000"/>
+          </a:xfrm>
+          <a:prstGeom prst="rect">
+            <a:avLst/>
+          </a:prstGeom>
+          <a:solidFill>
+            <a:schemeClr val="tx1">
+              <a:alpha val="26540"/>
+            </a:schemeClr>
+          </a:solidFill>
+          <a:ln>
+            <a:noFill/>
+          </a:ln>
+        </p:spPr>
+        <p:txBody>
+          <a:bodyPr lIns="91425" tIns="91425" rIns="91425" bIns="91425" anchor="ctr" anchorCtr="0">
+            <a:noAutofit/>
+          </a:bodyPr>
+          <a:lstStyle/>
+          <a:p>
+            <a:endParaRPr/>
+          </a:p>
+        </p:txBody>
+      </p:sp>
+      <p:sp>
+        <p:nvSpPr>
+          <p:cNvPr id="49" name="Shape 49"/>
+          <p:cNvSpPr/>
+          <p:nvPr/>
+        </p:nvSpPr>
+        <p:spPr>
+          <a:xfrm>
+            <a:off x="1190100" y="4470400"/>
+            <a:ext cx="6763800" cy="673199"/>
+          </a:xfrm>
+          <a:prstGeom prst="rect">
+            <a:avLst/>
+          </a:prstGeom>
+          <a:solidFill>
+            <a:srgbClr val="00B2FF">
+              <a:alpha val="73330"/>
+            </a:srgbClr>
+          </a:solidFill>
+          <a:ln>
+            <a:noFill/>
+          </a:ln>
+        </p:spPr>
+        <p:txBody>
+          <a:bodyPr lIns="91425" tIns="91425" rIns="91425" bIns="91425" anchor="ctr" anchorCtr="0">
+            <a:noAutofit/>
+          </a:bodyPr>
+          <a:lstStyle/>
+          <a:p>
+            <a:endParaRPr/>
+          </a:p>
+        </p:txBody>
+      </p:sp>
+      <p:sp>
+        <p:nvSpPr>
+          <p:cNvPr id="50" name="Shape 50"/>
+          <p:cNvSpPr txBox="1">
+            <a:spLocks noGrp="1"/>
+          </p:cNvSpPr>
+          <p:nvPr>
+            <p:ph type="body" idx="1"/>
+          </p:nvPr>
+        </p:nvSpPr>
+        <p:spPr>
+          <a:xfrm>
+            <a:off x="1190100" y="4470500"/>
+            <a:ext cx="6763800" cy="673199"/>
+          </a:xfrm>
+          <a:prstGeom prst="rect">
+            <a:avLst/>
+          </a:prstGeom>
+          <a:noFill/>
+          <a:ln>
+            <a:noFill/>
+          </a:ln>
+        </p:spPr>
+        <p:txBody>
+          <a:bodyPr lIns="91425" tIns="91425" rIns="91425" bIns="91425" anchor="ctr" anchorCtr="0"/>
+          <a:lstStyle>
+            <a:lvl1pPr lvl="0" algn="ctr">
+              <a:spcBef>
+                <a:spcPts val="360"/>
+              </a:spcBef>
+              <a:buClr>
+                <a:srgbClr val="FFFFFF"/>
+              </a:buClr>
+              <a:buFont typeface="Muli"/>
+              <a:buNone/>
+              <a:defRPr>
+                <a:solidFill>
+                  <a:srgbClr val="FFFFFF"/>
+                </a:solidFill>
+                <a:latin typeface="Muli"/>
+                <a:ea typeface="Muli"/>
+                <a:cs typeface="Muli"/>
+                <a:sym typeface="Muli"/>
+              </a:defRPr>
+            </a:lvl1pPr>
+          </a:lstStyle>
+          <a:p>
+            <a:endParaRPr/>
+          </a:p>
+        </p:txBody>
+      </p:sp>
+    </p:spTree>
+    <p:extLst>
+      <p:ext uri="{BB962C8B-B14F-4D97-AF65-F5344CB8AC3E}">
+        <p14:creationId xmlns:p14="http://schemas.microsoft.com/office/powerpoint/2010/main" val="1097823452"/>
+      </p:ext>
+    </p:extLst>
+  </p:cSld>
+  <p:clrMapOvr>
+    <a:masterClrMapping/>
+  </p:clrMapOvr>
+</p:sldLayout>
+</file>
+
+<file path=ppt/slideLayouts/slideLayout2.xml><?xml version="1.0" encoding="utf-8"?>
+<p:sldLayout xmlns:a="http://schemas.openxmlformats.org/drawingml/2006/main" xmlns:r="http://schemas.openxmlformats.org/officeDocument/2006/relationships" xmlns:p="http://schemas.openxmlformats.org/presentationml/2006/main" type="blank">
+  <p:cSld name="Blank">
+    <p:bg>
+      <p:bgPr>
+        <a:solidFill>
+          <a:srgbClr val="FFFFFF"/>
+        </a:solidFill>
+        <a:effectLst/>
+      </p:bgPr>
+    </p:bg>
+    <p:spTree>
+      <p:nvGrpSpPr>
+        <p:cNvPr id="1" name="Shape 51"/>
+        <p:cNvGrpSpPr/>
+        <p:nvPr/>
+      </p:nvGrpSpPr>
+      <p:grpSpPr>
+        <a:xfrm>
+          <a:off x="0" y="0"/>
+          <a:ext cx="0" cy="0"/>
+          <a:chOff x="0" y="0"/>
+          <a:chExt cx="0" cy="0"/>
+        </a:xfrm>
+      </p:grpSpPr>
+    </p:spTree>
+  </p:cSld>
+  <p:clrMapOvr>
+    <a:masterClrMapping/>
+  </p:clrMapOvr>
+</p:sldLayout>
+</file>
+
+<file path=ppt/slideLayouts/slideLayout3.xml><?xml version="1.0" encoding="utf-8"?>
+<p:sldLayout xmlns:a="http://schemas.openxmlformats.org/drawingml/2006/main" xmlns:r="http://schemas.openxmlformats.org/officeDocument/2006/relationships" xmlns:p="http://schemas.openxmlformats.org/presentationml/2006/main" type="tx">
+  <p:cSld name="Title + 1 column">
+    <p:bg>
+      <p:bgPr>
+        <a:blipFill>
+          <a:blip r:embed="rId2">
+            <a:alphaModFix/>
+          </a:blip>
+          <a:stretch>
+            <a:fillRect/>
+          </a:stretch>
+        </a:blipFill>
+        <a:effectLst/>
+      </p:bgPr>
+    </p:bg>
+    <p:spTree>
+      <p:nvGrpSpPr>
+        <p:cNvPr id="1" name="Shape 21"/>
+        <p:cNvGrpSpPr/>
+        <p:nvPr/>
+      </p:nvGrpSpPr>
+      <p:grpSpPr>
+        <a:xfrm>
+          <a:off x="0" y="0"/>
+          <a:ext cx="0" cy="0"/>
+          <a:chOff x="0" y="0"/>
+          <a:chExt cx="0" cy="0"/>
+        </a:xfrm>
+      </p:grpSpPr>
+      <p:sp>
+        <p:nvSpPr>
+          <p:cNvPr id="22" name="Shape 22"/>
+          <p:cNvSpPr/>
+          <p:nvPr/>
+        </p:nvSpPr>
+        <p:spPr>
+          <a:xfrm>
+            <a:off x="0" y="0"/>
+            <a:ext cx="9144000" cy="5169000"/>
+          </a:xfrm>
+          <a:prstGeom prst="rect">
+            <a:avLst/>
+          </a:prstGeom>
+          <a:solidFill>
+            <a:schemeClr val="tx1">
+              <a:alpha val="26540"/>
+            </a:schemeClr>
+          </a:solidFill>
+          <a:ln>
+            <a:noFill/>
+          </a:ln>
+        </p:spPr>
+        <p:txBody>
+          <a:bodyPr lIns="91425" tIns="91425" rIns="91425" bIns="91425" anchor="ctr" anchorCtr="0">
+            <a:noAutofit/>
+          </a:bodyPr>
+          <a:lstStyle/>
+          <a:p>
+            <a:pPr lvl="0">
+              <a:spcBef>
+                <a:spcPts val="0"/>
+              </a:spcBef>
+              <a:buNone/>
+            </a:pPr>
+            <a:endParaRPr/>
+          </a:p>
+        </p:txBody>
+      </p:sp>
+      <p:sp>
+        <p:nvSpPr>
+          <p:cNvPr id="23" name="Shape 23"/>
+          <p:cNvSpPr/>
+          <p:nvPr/>
+        </p:nvSpPr>
+        <p:spPr>
+          <a:xfrm>
+            <a:off x="2380350" y="0"/>
+            <a:ext cx="6763800" cy="5143499"/>
+          </a:xfrm>
+          <a:prstGeom prst="rect">
+            <a:avLst/>
+          </a:prstGeom>
+          <a:solidFill>
+            <a:srgbClr val="00B2FF">
+              <a:alpha val="73330"/>
+            </a:srgbClr>
+          </a:solidFill>
+          <a:ln>
+            <a:noFill/>
+          </a:ln>
+        </p:spPr>
+        <p:txBody>
+          <a:bodyPr lIns="91425" tIns="91425" rIns="91425" bIns="91425" anchor="ctr" anchorCtr="0">
+            <a:noAutofit/>
+          </a:bodyPr>
+          <a:lstStyle/>
+          <a:p>
+            <a:pPr lvl="0">
+              <a:spcBef>
+                <a:spcPts val="0"/>
+              </a:spcBef>
+              <a:buNone/>
+            </a:pPr>
+            <a:endParaRPr/>
+          </a:p>
+        </p:txBody>
+      </p:sp>
+      <p:sp>
+        <p:nvSpPr>
+          <p:cNvPr id="24" name="Shape 24"/>
+          <p:cNvSpPr txBox="1">
+            <a:spLocks noGrp="1"/>
+          </p:cNvSpPr>
+          <p:nvPr>
+            <p:ph type="title"/>
+          </p:nvPr>
+        </p:nvSpPr>
+        <p:spPr>
+          <a:xfrm>
+            <a:off x="2902775" y="302375"/>
+            <a:ext cx="5718600" cy="503099"/>
+          </a:xfrm>
+          <a:prstGeom prst="rect">
+            <a:avLst/>
+          </a:prstGeom>
+        </p:spPr>
+        <p:txBody>
+          <a:bodyPr lIns="91425" tIns="91425" rIns="91425" bIns="91425" anchor="t" anchorCtr="0"/>
+          <a:lstStyle>
+            <a:lvl1pPr lvl="0" rtl="0">
+              <a:spcBef>
+                <a:spcPts val="0"/>
+              </a:spcBef>
+              <a:buNone/>
+              <a:defRPr sz="1800" b="1">
+                <a:solidFill>
+                  <a:srgbClr val="FFFFFF"/>
+                </a:solidFill>
+                <a:latin typeface="Muli"/>
+                <a:ea typeface="Muli"/>
+                <a:cs typeface="Muli"/>
+                <a:sym typeface="Muli"/>
+              </a:defRPr>
+            </a:lvl1pPr>
+            <a:lvl2pPr lvl="1" rtl="0">
+              <a:spcBef>
+                <a:spcPts val="0"/>
+              </a:spcBef>
+              <a:buNone/>
+              <a:defRPr sz="1800" b="1">
+                <a:solidFill>
+                  <a:srgbClr val="FFFFFF"/>
+                </a:solidFill>
+                <a:latin typeface="Muli"/>
+                <a:ea typeface="Muli"/>
+                <a:cs typeface="Muli"/>
+                <a:sym typeface="Muli"/>
+              </a:defRPr>
+            </a:lvl2pPr>
+            <a:lvl3pPr lvl="2" rtl="0">
+              <a:spcBef>
+                <a:spcPts val="0"/>
+              </a:spcBef>
+              <a:buNone/>
+              <a:defRPr sz="1800" b="1">
+                <a:solidFill>
+                  <a:srgbClr val="FFFFFF"/>
+                </a:solidFill>
+                <a:latin typeface="Muli"/>
+                <a:ea typeface="Muli"/>
+                <a:cs typeface="Muli"/>
+                <a:sym typeface="Muli"/>
+              </a:defRPr>
+            </a:lvl3pPr>
+            <a:lvl4pPr lvl="3" rtl="0">
+              <a:spcBef>
+                <a:spcPts val="0"/>
+              </a:spcBef>
+              <a:buNone/>
+              <a:defRPr sz="1800" b="1">
+                <a:solidFill>
+                  <a:srgbClr val="FFFFFF"/>
+                </a:solidFill>
+                <a:latin typeface="Muli"/>
+                <a:ea typeface="Muli"/>
+                <a:cs typeface="Muli"/>
+                <a:sym typeface="Muli"/>
+              </a:defRPr>
+            </a:lvl4pPr>
+            <a:lvl5pPr lvl="4" rtl="0">
+              <a:spcBef>
+                <a:spcPts val="0"/>
+              </a:spcBef>
+              <a:buNone/>
+              <a:defRPr sz="1800" b="1">
+                <a:solidFill>
+                  <a:srgbClr val="FFFFFF"/>
+                </a:solidFill>
+                <a:latin typeface="Muli"/>
+                <a:ea typeface="Muli"/>
+                <a:cs typeface="Muli"/>
+                <a:sym typeface="Muli"/>
+              </a:defRPr>
+            </a:lvl5pPr>
+            <a:lvl6pPr lvl="5" rtl="0">
+              <a:spcBef>
+                <a:spcPts val="0"/>
+              </a:spcBef>
+              <a:buNone/>
+              <a:defRPr sz="1800" b="1">
+                <a:solidFill>
+                  <a:srgbClr val="FFFFFF"/>
+                </a:solidFill>
+                <a:latin typeface="Muli"/>
+                <a:ea typeface="Muli"/>
+                <a:cs typeface="Muli"/>
+                <a:sym typeface="Muli"/>
+              </a:defRPr>
+            </a:lvl6pPr>
+            <a:lvl7pPr lvl="6" rtl="0">
+              <a:spcBef>
+                <a:spcPts val="0"/>
+              </a:spcBef>
+              <a:buNone/>
+              <a:defRPr sz="1800" b="1">
+                <a:solidFill>
+                  <a:srgbClr val="FFFFFF"/>
+                </a:solidFill>
+                <a:latin typeface="Muli"/>
+                <a:ea typeface="Muli"/>
+                <a:cs typeface="Muli"/>
+                <a:sym typeface="Muli"/>
+              </a:defRPr>
+            </a:lvl7pPr>
+            <a:lvl8pPr lvl="7" rtl="0">
+              <a:spcBef>
+                <a:spcPts val="0"/>
+              </a:spcBef>
+              <a:buNone/>
+              <a:defRPr sz="1800" b="1">
+                <a:solidFill>
+                  <a:srgbClr val="FFFFFF"/>
+                </a:solidFill>
+                <a:latin typeface="Muli"/>
+                <a:ea typeface="Muli"/>
+                <a:cs typeface="Muli"/>
+                <a:sym typeface="Muli"/>
+              </a:defRPr>
+            </a:lvl8pPr>
+            <a:lvl9pPr lvl="8" rtl="0">
+              <a:spcBef>
+                <a:spcPts val="0"/>
+              </a:spcBef>
+              <a:buNone/>
+              <a:defRPr sz="1800" b="1">
+                <a:solidFill>
+                  <a:srgbClr val="FFFFFF"/>
+                </a:solidFill>
+                <a:latin typeface="Muli"/>
+                <a:ea typeface="Muli"/>
+                <a:cs typeface="Muli"/>
+                <a:sym typeface="Muli"/>
+              </a:defRPr>
+            </a:lvl9pPr>
+          </a:lstStyle>
+          <a:p>
+            <a:endParaRPr/>
+          </a:p>
+        </p:txBody>
+      </p:sp>
+      <p:sp>
+        <p:nvSpPr>
+          <p:cNvPr id="25" name="Shape 25"/>
+          <p:cNvSpPr txBox="1">
+            <a:spLocks noGrp="1"/>
+          </p:cNvSpPr>
+          <p:nvPr>
+            <p:ph type="body" idx="1"/>
+          </p:nvPr>
+        </p:nvSpPr>
+        <p:spPr>
+          <a:xfrm>
+            <a:off x="2902950" y="1509475"/>
+            <a:ext cx="5718600" cy="3125100"/>
+          </a:xfrm>
+          <a:prstGeom prst="rect">
+            <a:avLst/>
+          </a:prstGeom>
+        </p:spPr>
+        <p:txBody>
+          <a:bodyPr lIns="91425" tIns="91425" rIns="91425" bIns="91425" anchor="t" anchorCtr="0"/>
+          <a:lstStyle>
+            <a:lvl1pPr lvl="0" rtl="0">
+              <a:spcBef>
+                <a:spcPts val="0"/>
+              </a:spcBef>
+              <a:buClr>
+                <a:srgbClr val="FFFFFF"/>
+              </a:buClr>
+              <a:buSzPct val="83333"/>
+              <a:buFont typeface="Muli"/>
+              <a:buChar char="➜"/>
+              <a:defRPr sz="2400">
+                <a:solidFill>
+                  <a:srgbClr val="FFFFFF"/>
+                </a:solidFill>
+                <a:latin typeface="Muli"/>
+                <a:ea typeface="Muli"/>
+                <a:cs typeface="Muli"/>
+                <a:sym typeface="Muli"/>
+              </a:defRPr>
+            </a:lvl1pPr>
+            <a:lvl2pPr lvl="1" rtl="0">
+              <a:spcBef>
+                <a:spcPts val="0"/>
+              </a:spcBef>
+              <a:buClr>
+                <a:srgbClr val="FFFFFF"/>
+              </a:buClr>
+              <a:buSzPct val="75000"/>
+              <a:buFont typeface="Muli"/>
+              <a:defRPr sz="2400">
+                <a:solidFill>
+                  <a:srgbClr val="FFFFFF"/>
+                </a:solidFill>
+                <a:latin typeface="Muli"/>
+                <a:ea typeface="Muli"/>
+                <a:cs typeface="Muli"/>
+                <a:sym typeface="Muli"/>
+              </a:defRPr>
+            </a:lvl2pPr>
+            <a:lvl3pPr lvl="2" rtl="0">
+              <a:spcBef>
+                <a:spcPts val="0"/>
+              </a:spcBef>
+              <a:buClr>
+                <a:srgbClr val="FFFFFF"/>
+              </a:buClr>
+              <a:buSzPct val="100000"/>
+              <a:buFont typeface="Muli"/>
+              <a:defRPr sz="2400">
+                <a:solidFill>
+                  <a:srgbClr val="FFFFFF"/>
+                </a:solidFill>
+                <a:latin typeface="Muli"/>
+                <a:ea typeface="Muli"/>
+                <a:cs typeface="Muli"/>
+                <a:sym typeface="Muli"/>
+              </a:defRPr>
+            </a:lvl3pPr>
+            <a:lvl4pPr lvl="3" rtl="0">
+              <a:spcBef>
+                <a:spcPts val="0"/>
+              </a:spcBef>
+              <a:buClr>
+                <a:srgbClr val="FFFFFF"/>
+              </a:buClr>
+              <a:buSzPct val="100000"/>
+              <a:buFont typeface="Muli"/>
+              <a:defRPr sz="2400">
+                <a:solidFill>
+                  <a:srgbClr val="FFFFFF"/>
+                </a:solidFill>
+                <a:latin typeface="Muli"/>
+                <a:ea typeface="Muli"/>
+                <a:cs typeface="Muli"/>
+                <a:sym typeface="Muli"/>
+              </a:defRPr>
+            </a:lvl4pPr>
+            <a:lvl5pPr lvl="4" rtl="0">
+              <a:spcBef>
+                <a:spcPts val="0"/>
+              </a:spcBef>
+              <a:buClr>
+                <a:srgbClr val="FFFFFF"/>
+              </a:buClr>
+              <a:buSzPct val="100000"/>
+              <a:buFont typeface="Muli"/>
+              <a:defRPr sz="2400">
+                <a:solidFill>
+                  <a:srgbClr val="FFFFFF"/>
+                </a:solidFill>
+                <a:latin typeface="Muli"/>
+                <a:ea typeface="Muli"/>
+                <a:cs typeface="Muli"/>
+                <a:sym typeface="Muli"/>
+              </a:defRPr>
+            </a:lvl5pPr>
+            <a:lvl6pPr lvl="5" rtl="0">
+              <a:spcBef>
+                <a:spcPts val="0"/>
+              </a:spcBef>
+              <a:buClr>
+                <a:srgbClr val="FFFFFF"/>
+              </a:buClr>
+              <a:buSzPct val="100000"/>
+              <a:buFont typeface="Muli"/>
+              <a:defRPr sz="2400">
+                <a:solidFill>
+                  <a:srgbClr val="FFFFFF"/>
+                </a:solidFill>
+                <a:latin typeface="Muli"/>
+                <a:ea typeface="Muli"/>
+                <a:cs typeface="Muli"/>
+                <a:sym typeface="Muli"/>
+              </a:defRPr>
+            </a:lvl6pPr>
+            <a:lvl7pPr lvl="6" rtl="0">
+              <a:spcBef>
+                <a:spcPts val="0"/>
+              </a:spcBef>
+              <a:buClr>
+                <a:srgbClr val="FFFFFF"/>
+              </a:buClr>
+              <a:buSzPct val="100000"/>
+              <a:buFont typeface="Muli"/>
+              <a:defRPr sz="2400">
+                <a:solidFill>
+                  <a:srgbClr val="FFFFFF"/>
+                </a:solidFill>
+                <a:latin typeface="Muli"/>
+                <a:ea typeface="Muli"/>
+                <a:cs typeface="Muli"/>
+                <a:sym typeface="Muli"/>
+              </a:defRPr>
+            </a:lvl7pPr>
+            <a:lvl8pPr lvl="7" rtl="0">
+              <a:spcBef>
+                <a:spcPts val="0"/>
+              </a:spcBef>
+              <a:buClr>
+                <a:srgbClr val="FFFFFF"/>
+              </a:buClr>
+              <a:buSzPct val="100000"/>
+              <a:buFont typeface="Muli"/>
+              <a:defRPr sz="2400">
+                <a:solidFill>
+                  <a:srgbClr val="FFFFFF"/>
+                </a:solidFill>
+                <a:latin typeface="Muli"/>
+                <a:ea typeface="Muli"/>
+                <a:cs typeface="Muli"/>
+                <a:sym typeface="Muli"/>
+              </a:defRPr>
+            </a:lvl8pPr>
+            <a:lvl9pPr lvl="8" rtl="0">
+              <a:spcBef>
+                <a:spcPts val="0"/>
+              </a:spcBef>
+              <a:buClr>
+                <a:srgbClr val="FFFFFF"/>
+              </a:buClr>
+              <a:buSzPct val="100000"/>
+              <a:buFont typeface="Muli"/>
+              <a:defRPr sz="2400">
+                <a:solidFill>
+                  <a:srgbClr val="FFFFFF"/>
+                </a:solidFill>
+                <a:latin typeface="Muli"/>
+                <a:ea typeface="Muli"/>
+                <a:cs typeface="Muli"/>
+                <a:sym typeface="Muli"/>
+              </a:defRPr>
+            </a:lvl9pPr>
+          </a:lstStyle>
+          <a:p>
+            <a:endParaRPr/>
+          </a:p>
+        </p:txBody>
+      </p:sp>
+    </p:spTree>
+    <p:extLst>
+      <p:ext uri="{BB962C8B-B14F-4D97-AF65-F5344CB8AC3E}">
+        <p14:creationId xmlns:p14="http://schemas.microsoft.com/office/powerpoint/2010/main" val="2129106520"/>
+      </p:ext>
+    </p:extLst>
+  </p:cSld>
+  <p:clrMapOvr>
+    <a:masterClrMapping/>
+  </p:clrMapOvr>
+</p:sldLayout>
+</file>
+
+<file path=ppt/slideLayouts/slideLayout4.xml><?xml version="1.0" encoding="utf-8"?>
+<p:sldLayout xmlns:a="http://schemas.openxmlformats.org/drawingml/2006/main" xmlns:r="http://schemas.openxmlformats.org/officeDocument/2006/relationships" xmlns:p="http://schemas.openxmlformats.org/presentationml/2006/main" type="title">
+  <p:cSld name="Title">
+    <p:bg>
+      <p:bgPr>
+        <a:blipFill>
+          <a:blip r:embed="rId2">
+            <a:alphaModFix/>
+          </a:blip>
+          <a:stretch>
+            <a:fillRect/>
+          </a:stretch>
+        </a:blipFill>
+        <a:effectLst/>
+      </p:bgPr>
+    </p:bg>
+    <p:spTree>
+      <p:nvGrpSpPr>
+        <p:cNvPr id="1" name="Shape 8"/>
+        <p:cNvGrpSpPr/>
+        <p:nvPr/>
+      </p:nvGrpSpPr>
+      <p:grpSpPr>
+        <a:xfrm>
+          <a:off x="0" y="0"/>
+          <a:ext cx="0" cy="0"/>
+          <a:chOff x="0" y="0"/>
+          <a:chExt cx="0" cy="0"/>
+        </a:xfrm>
+      </p:grpSpPr>
+      <p:sp>
+        <p:nvSpPr>
+          <p:cNvPr id="9" name="Shape 9"/>
+          <p:cNvSpPr/>
+          <p:nvPr/>
+        </p:nvSpPr>
+        <p:spPr>
+          <a:xfrm>
+            <a:off x="0" y="0"/>
+            <a:ext cx="9144000" cy="5169000"/>
+          </a:xfrm>
+          <a:prstGeom prst="rect">
+            <a:avLst/>
+          </a:prstGeom>
+          <a:solidFill>
+            <a:schemeClr val="tx1">
+              <a:alpha val="26540"/>
+            </a:schemeClr>
+          </a:solidFill>
+          <a:ln>
+            <a:noFill/>
+          </a:ln>
+        </p:spPr>
+        <p:txBody>
+          <a:bodyPr lIns="91425" tIns="91425" rIns="91425" bIns="91425" anchor="ctr" anchorCtr="0">
+            <a:noAutofit/>
+          </a:bodyPr>
+          <a:lstStyle/>
+          <a:p>
+            <a:endParaRPr/>
+          </a:p>
+        </p:txBody>
+      </p:sp>
+      <p:sp>
+        <p:nvSpPr>
+          <p:cNvPr id="10" name="Shape 10"/>
+          <p:cNvSpPr/>
+          <p:nvPr/>
+        </p:nvSpPr>
+        <p:spPr>
+          <a:xfrm>
+            <a:off x="2748000" y="747750"/>
+            <a:ext cx="3647999" cy="3647999"/>
+          </a:xfrm>
+          <a:prstGeom prst="ellipse">
+            <a:avLst/>
+          </a:prstGeom>
+          <a:solidFill>
+            <a:srgbClr val="00B2FF">
+              <a:alpha val="73330"/>
+            </a:srgbClr>
+          </a:solidFill>
+          <a:ln>
+            <a:noFill/>
+          </a:ln>
+        </p:spPr>
+        <p:txBody>
+          <a:bodyPr lIns="91425" tIns="91425" rIns="91425" bIns="91425" anchor="ctr" anchorCtr="0">
+            <a:noAutofit/>
+          </a:bodyPr>
+          <a:lstStyle/>
+          <a:p>
+            <a:endParaRPr/>
+          </a:p>
+        </p:txBody>
+      </p:sp>
+      <p:sp>
+        <p:nvSpPr>
+          <p:cNvPr id="11" name="Shape 11"/>
+          <p:cNvSpPr txBox="1">
+            <a:spLocks noGrp="1"/>
+          </p:cNvSpPr>
+          <p:nvPr>
+            <p:ph type="title"/>
+          </p:nvPr>
+        </p:nvSpPr>
+        <p:spPr>
+          <a:xfrm>
+            <a:off x="2747950" y="747775"/>
+            <a:ext cx="3647999" cy="3647999"/>
+          </a:xfrm>
+          <a:prstGeom prst="rect">
+            <a:avLst/>
+          </a:prstGeom>
+        </p:spPr>
+        <p:txBody>
+          <a:bodyPr lIns="91425" tIns="91425" rIns="91425" bIns="91425" anchor="ctr" anchorCtr="0"/>
+          <a:lstStyle>
+            <a:lvl1pPr lvl="0" algn="ctr" rtl="0">
+              <a:spcBef>
+                <a:spcPts val="0"/>
+              </a:spcBef>
+              <a:buNone/>
+              <a:defRPr sz="2400"/>
+            </a:lvl1pPr>
+            <a:lvl2pPr lvl="1" rtl="0">
+              <a:spcBef>
+                <a:spcPts val="0"/>
+              </a:spcBef>
+              <a:buNone/>
+              <a:defRPr sz="2400"/>
+            </a:lvl2pPr>
+            <a:lvl3pPr lvl="2" rtl="0">
+              <a:spcBef>
+                <a:spcPts val="0"/>
+              </a:spcBef>
+              <a:buNone/>
+              <a:defRPr sz="2400"/>
+            </a:lvl3pPr>
+            <a:lvl4pPr lvl="3" rtl="0">
+              <a:spcBef>
+                <a:spcPts val="0"/>
+              </a:spcBef>
+              <a:buNone/>
+              <a:defRPr sz="2400"/>
+            </a:lvl4pPr>
+            <a:lvl5pPr lvl="4" rtl="0">
+              <a:spcBef>
+                <a:spcPts val="0"/>
+              </a:spcBef>
+              <a:buNone/>
+              <a:defRPr sz="2400"/>
+            </a:lvl5pPr>
+            <a:lvl6pPr lvl="5" rtl="0">
+              <a:spcBef>
+                <a:spcPts val="0"/>
+              </a:spcBef>
+              <a:buNone/>
+              <a:defRPr sz="2400"/>
+            </a:lvl6pPr>
+            <a:lvl7pPr lvl="6" rtl="0">
+              <a:spcBef>
+                <a:spcPts val="0"/>
+              </a:spcBef>
+              <a:buNone/>
+              <a:defRPr sz="2400"/>
+            </a:lvl7pPr>
+            <a:lvl8pPr lvl="7" rtl="0">
+              <a:spcBef>
+                <a:spcPts val="0"/>
+              </a:spcBef>
+              <a:buNone/>
+              <a:defRPr sz="2400"/>
+            </a:lvl8pPr>
+            <a:lvl9pPr lvl="8" rtl="0">
+              <a:spcBef>
+                <a:spcPts val="0"/>
+              </a:spcBef>
+              <a:buNone/>
+              <a:defRPr sz="2400"/>
+            </a:lvl9pPr>
+          </a:lstStyle>
+          <a:p>
+            <a:endParaRPr/>
+          </a:p>
+        </p:txBody>
+      </p:sp>
+    </p:spTree>
+    <p:extLst>
+      <p:ext uri="{BB962C8B-B14F-4D97-AF65-F5344CB8AC3E}">
+        <p14:creationId xmlns:p14="http://schemas.microsoft.com/office/powerpoint/2010/main" val="2541824914"/>
+      </p:ext>
+    </p:extLst>
+  </p:cSld>
+  <p:clrMapOvr>
+    <a:masterClrMapping/>
+  </p:clrMapOvr>
+</p:sldLayout>
+</file>
+
+<file path=ppt/slideLayouts/slideLayout5.xml><?xml version="1.0" encoding="utf-8"?>
+<p:sldLayout xmlns:a="http://schemas.openxmlformats.org/drawingml/2006/main" xmlns:r="http://schemas.openxmlformats.org/officeDocument/2006/relationships" xmlns:p="http://schemas.openxmlformats.org/presentationml/2006/main">
+  <p:cSld name="Quote">
+    <p:bg>
+      <p:bgPr>
+        <a:blipFill>
+          <a:blip r:embed="rId2">
+            <a:alphaModFix/>
+          </a:blip>
+          <a:stretch>
+            <a:fillRect/>
+          </a:stretch>
+        </a:blipFill>
+        <a:effectLst/>
+      </p:bgPr>
+    </p:bg>
+    <p:spTree>
+      <p:nvGrpSpPr>
+        <p:cNvPr id="1" name="Shape 17"/>
+        <p:cNvGrpSpPr/>
+        <p:nvPr/>
+      </p:nvGrpSpPr>
+      <p:grpSpPr>
+        <a:xfrm>
+          <a:off x="0" y="0"/>
+          <a:ext cx="0" cy="0"/>
+          <a:chOff x="0" y="0"/>
+          <a:chExt cx="0" cy="0"/>
+        </a:xfrm>
+      </p:grpSpPr>
+      <p:sp>
+        <p:nvSpPr>
+          <p:cNvPr id="18" name="Shape 18"/>
+          <p:cNvSpPr/>
+          <p:nvPr/>
+        </p:nvSpPr>
+        <p:spPr>
+          <a:xfrm>
+            <a:off x="0" y="0"/>
+            <a:ext cx="9144000" cy="5169000"/>
+          </a:xfrm>
+          <a:prstGeom prst="rect">
+            <a:avLst/>
+          </a:prstGeom>
+          <a:solidFill>
+            <a:schemeClr val="tx1">
+              <a:alpha val="26540"/>
+            </a:schemeClr>
+          </a:solidFill>
+          <a:ln>
+            <a:noFill/>
+          </a:ln>
+        </p:spPr>
+        <p:txBody>
+          <a:bodyPr lIns="91425" tIns="91425" rIns="91425" bIns="91425" anchor="ctr" anchorCtr="0">
+            <a:noAutofit/>
+          </a:bodyPr>
+          <a:lstStyle/>
+          <a:p>
+            <a:endParaRPr/>
+          </a:p>
+        </p:txBody>
+      </p:sp>
+      <p:sp>
+        <p:nvSpPr>
+          <p:cNvPr id="19" name="Shape 19"/>
+          <p:cNvSpPr/>
+          <p:nvPr/>
+        </p:nvSpPr>
+        <p:spPr>
+          <a:xfrm>
+            <a:off x="150" y="1790100"/>
+            <a:ext cx="9144000" cy="1563299"/>
+          </a:xfrm>
+          <a:prstGeom prst="rect">
+            <a:avLst/>
+          </a:prstGeom>
+          <a:solidFill>
+            <a:srgbClr val="00B2FF">
+              <a:alpha val="73330"/>
+            </a:srgbClr>
+          </a:solidFill>
+          <a:ln>
+            <a:noFill/>
+          </a:ln>
+        </p:spPr>
+        <p:txBody>
+          <a:bodyPr lIns="91425" tIns="91425" rIns="91425" bIns="91425" anchor="ctr" anchorCtr="0">
+            <a:noAutofit/>
+          </a:bodyPr>
+          <a:lstStyle/>
+          <a:p>
+            <a:endParaRPr/>
+          </a:p>
+        </p:txBody>
+      </p:sp>
+      <p:sp>
+        <p:nvSpPr>
+          <p:cNvPr id="20" name="Shape 20"/>
+          <p:cNvSpPr txBox="1">
+            <a:spLocks noGrp="1"/>
+          </p:cNvSpPr>
+          <p:nvPr>
+            <p:ph type="body" idx="1"/>
+          </p:nvPr>
+        </p:nvSpPr>
+        <p:spPr>
+          <a:xfrm>
+            <a:off x="1964225" y="2161800"/>
+            <a:ext cx="5215499" cy="819899"/>
+          </a:xfrm>
+          <a:prstGeom prst="rect">
+            <a:avLst/>
+          </a:prstGeom>
+          <a:noFill/>
+          <a:ln>
+            <a:noFill/>
+          </a:ln>
+        </p:spPr>
+        <p:txBody>
+          <a:bodyPr lIns="91425" tIns="91425" rIns="91425" bIns="91425" anchor="ctr" anchorCtr="0"/>
+          <a:lstStyle>
+            <a:lvl1pPr lvl="0" algn="ctr" rtl="0">
+              <a:spcBef>
+                <a:spcPts val="0"/>
+              </a:spcBef>
+              <a:buClr>
+                <a:srgbClr val="FFFFFF"/>
+              </a:buClr>
+              <a:buSzPct val="100000"/>
+              <a:buFont typeface="Georgia"/>
+              <a:defRPr sz="1600" i="1">
+                <a:solidFill>
+                  <a:srgbClr val="FFFFFF"/>
+                </a:solidFill>
+                <a:latin typeface="Georgia"/>
+                <a:ea typeface="Georgia"/>
+                <a:cs typeface="Georgia"/>
+                <a:sym typeface="Georgia"/>
+              </a:defRPr>
+            </a:lvl1pPr>
+            <a:lvl2pPr lvl="1" algn="ctr" rtl="0">
+              <a:spcBef>
+                <a:spcPts val="0"/>
+              </a:spcBef>
+              <a:buClr>
+                <a:srgbClr val="FFFFFF"/>
+              </a:buClr>
+              <a:buSzPct val="100000"/>
+              <a:buFont typeface="Georgia"/>
+              <a:defRPr sz="1600" i="1">
+                <a:solidFill>
+                  <a:srgbClr val="FFFFFF"/>
+                </a:solidFill>
+                <a:latin typeface="Georgia"/>
+                <a:ea typeface="Georgia"/>
+                <a:cs typeface="Georgia"/>
+                <a:sym typeface="Georgia"/>
+              </a:defRPr>
+            </a:lvl2pPr>
+            <a:lvl3pPr lvl="2" algn="ctr" rtl="0">
+              <a:spcBef>
+                <a:spcPts val="0"/>
+              </a:spcBef>
+              <a:buClr>
+                <a:srgbClr val="FFFFFF"/>
+              </a:buClr>
+              <a:buSzPct val="100000"/>
+              <a:buFont typeface="Georgia"/>
+              <a:defRPr sz="1600" i="1">
+                <a:solidFill>
+                  <a:srgbClr val="FFFFFF"/>
+                </a:solidFill>
+                <a:latin typeface="Georgia"/>
+                <a:ea typeface="Georgia"/>
+                <a:cs typeface="Georgia"/>
+                <a:sym typeface="Georgia"/>
+              </a:defRPr>
+            </a:lvl3pPr>
+            <a:lvl4pPr lvl="3" algn="ctr" rtl="0">
+              <a:spcBef>
+                <a:spcPts val="0"/>
+              </a:spcBef>
+              <a:buClr>
+                <a:srgbClr val="FFFFFF"/>
+              </a:buClr>
+              <a:buSzPct val="100000"/>
+              <a:buFont typeface="Georgia"/>
+              <a:defRPr sz="1600" i="1">
+                <a:solidFill>
+                  <a:srgbClr val="FFFFFF"/>
+                </a:solidFill>
+                <a:latin typeface="Georgia"/>
+                <a:ea typeface="Georgia"/>
+                <a:cs typeface="Georgia"/>
+                <a:sym typeface="Georgia"/>
+              </a:defRPr>
+            </a:lvl4pPr>
+            <a:lvl5pPr lvl="4" algn="ctr" rtl="0">
+              <a:spcBef>
+                <a:spcPts val="0"/>
+              </a:spcBef>
+              <a:buClr>
+                <a:srgbClr val="FFFFFF"/>
+              </a:buClr>
+              <a:buSzPct val="100000"/>
+              <a:buFont typeface="Georgia"/>
+              <a:defRPr sz="1600" i="1">
+                <a:solidFill>
+                  <a:srgbClr val="FFFFFF"/>
+                </a:solidFill>
+                <a:latin typeface="Georgia"/>
+                <a:ea typeface="Georgia"/>
+                <a:cs typeface="Georgia"/>
+                <a:sym typeface="Georgia"/>
+              </a:defRPr>
+            </a:lvl5pPr>
+            <a:lvl6pPr lvl="5" algn="ctr" rtl="0">
+              <a:spcBef>
+                <a:spcPts val="0"/>
+              </a:spcBef>
+              <a:buClr>
+                <a:srgbClr val="FFFFFF"/>
+              </a:buClr>
+              <a:buSzPct val="100000"/>
+              <a:buFont typeface="Georgia"/>
+              <a:defRPr sz="1600" i="1">
+                <a:solidFill>
+                  <a:srgbClr val="FFFFFF"/>
+                </a:solidFill>
+                <a:latin typeface="Georgia"/>
+                <a:ea typeface="Georgia"/>
+                <a:cs typeface="Georgia"/>
+                <a:sym typeface="Georgia"/>
+              </a:defRPr>
+            </a:lvl6pPr>
+            <a:lvl7pPr lvl="6" algn="ctr" rtl="0">
+              <a:spcBef>
+                <a:spcPts val="0"/>
+              </a:spcBef>
+              <a:buClr>
+                <a:srgbClr val="FFFFFF"/>
+              </a:buClr>
+              <a:buSzPct val="100000"/>
+              <a:buFont typeface="Georgia"/>
+              <a:defRPr sz="1600" i="1">
+                <a:solidFill>
+                  <a:srgbClr val="FFFFFF"/>
+                </a:solidFill>
+                <a:latin typeface="Georgia"/>
+                <a:ea typeface="Georgia"/>
+                <a:cs typeface="Georgia"/>
+                <a:sym typeface="Georgia"/>
+              </a:defRPr>
+            </a:lvl7pPr>
+            <a:lvl8pPr lvl="7" algn="ctr" rtl="0">
+              <a:spcBef>
+                <a:spcPts val="0"/>
+              </a:spcBef>
+              <a:buClr>
+                <a:srgbClr val="FFFFFF"/>
+              </a:buClr>
+              <a:buSzPct val="100000"/>
+              <a:buFont typeface="Georgia"/>
+              <a:defRPr sz="1600" i="1">
+                <a:solidFill>
+                  <a:srgbClr val="FFFFFF"/>
+                </a:solidFill>
+                <a:latin typeface="Georgia"/>
+                <a:ea typeface="Georgia"/>
+                <a:cs typeface="Georgia"/>
+                <a:sym typeface="Georgia"/>
+              </a:defRPr>
+            </a:lvl8pPr>
+            <a:lvl9pPr lvl="8" algn="ctr">
+              <a:spcBef>
+                <a:spcPts val="0"/>
+              </a:spcBef>
+              <a:buClr>
+                <a:srgbClr val="FFFFFF"/>
+              </a:buClr>
+              <a:buSzPct val="100000"/>
+              <a:buFont typeface="Georgia"/>
+              <a:defRPr sz="1600" i="1">
+                <a:solidFill>
+                  <a:srgbClr val="FFFFFF"/>
+                </a:solidFill>
+                <a:latin typeface="Georgia"/>
+                <a:ea typeface="Georgia"/>
+                <a:cs typeface="Georgia"/>
+                <a:sym typeface="Georgia"/>
+              </a:defRPr>
+            </a:lvl9pPr>
+          </a:lstStyle>
+          <a:p>
+            <a:endParaRPr/>
+          </a:p>
+        </p:txBody>
+      </p:sp>
+    </p:spTree>
+    <p:extLst>
+      <p:ext uri="{BB962C8B-B14F-4D97-AF65-F5344CB8AC3E}">
+        <p14:creationId xmlns:p14="http://schemas.microsoft.com/office/powerpoint/2010/main" val="876804592"/>
+      </p:ext>
+    </p:extLst>
+  </p:cSld>
+  <p:clrMapOvr>
+    <a:masterClrMapping/>
+  </p:clrMapOvr>
+</p:sldLayout>
+</file>
+
+<file path=ppt/slideLayouts/slideLayout6.xml><?xml version="1.0" encoding="utf-8"?>
+<p:sldLayout xmlns:a="http://schemas.openxmlformats.org/drawingml/2006/main" xmlns:r="http://schemas.openxmlformats.org/officeDocument/2006/relationships" xmlns:p="http://schemas.openxmlformats.org/presentationml/2006/main" type="tx">
+  <p:cSld name="Title + 1 column">
+    <p:bg>
+      <p:bgPr>
+        <a:blipFill>
+          <a:blip r:embed="rId2">
+            <a:alphaModFix/>
+          </a:blip>
+          <a:stretch>
+            <a:fillRect/>
+          </a:stretch>
+        </a:blipFill>
+        <a:effectLst/>
+      </p:bgPr>
+    </p:bg>
+    <p:spTree>
+      <p:nvGrpSpPr>
+        <p:cNvPr id="1" name="Shape 21"/>
+        <p:cNvGrpSpPr/>
+        <p:nvPr/>
+      </p:nvGrpSpPr>
+      <p:grpSpPr>
+        <a:xfrm>
+          <a:off x="0" y="0"/>
+          <a:ext cx="0" cy="0"/>
+          <a:chOff x="0" y="0"/>
+          <a:chExt cx="0" cy="0"/>
+        </a:xfrm>
+      </p:grpSpPr>
+      <p:sp>
+        <p:nvSpPr>
+          <p:cNvPr id="22" name="Shape 22"/>
+          <p:cNvSpPr/>
+          <p:nvPr/>
+        </p:nvSpPr>
+        <p:spPr>
+          <a:xfrm>
+            <a:off x="0" y="0"/>
+            <a:ext cx="9144000" cy="5169000"/>
+          </a:xfrm>
+          <a:prstGeom prst="rect">
+            <a:avLst/>
+          </a:prstGeom>
+          <a:solidFill>
+            <a:schemeClr val="tx1">
+              <a:alpha val="26540"/>
+            </a:schemeClr>
+          </a:solidFill>
+          <a:ln>
+            <a:noFill/>
+          </a:ln>
+        </p:spPr>
+        <p:txBody>
+          <a:bodyPr lIns="91425" tIns="91425" rIns="91425" bIns="91425" anchor="ctr" anchorCtr="0">
+            <a:noAutofit/>
+          </a:bodyPr>
+          <a:lstStyle/>
+          <a:p>
+            <a:endParaRPr/>
+          </a:p>
+        </p:txBody>
+      </p:sp>
+      <p:sp>
+        <p:nvSpPr>
+          <p:cNvPr id="23" name="Shape 23"/>
+          <p:cNvSpPr/>
+          <p:nvPr/>
+        </p:nvSpPr>
+        <p:spPr>
+          <a:xfrm>
+            <a:off x="2380350" y="0"/>
+            <a:ext cx="6763800" cy="5143499"/>
+          </a:xfrm>
+          <a:prstGeom prst="rect">
+            <a:avLst/>
+          </a:prstGeom>
+          <a:solidFill>
+            <a:srgbClr val="00B2FF">
+              <a:alpha val="73330"/>
+            </a:srgbClr>
+          </a:solidFill>
+          <a:ln>
+            <a:noFill/>
+          </a:ln>
+        </p:spPr>
+        <p:txBody>
+          <a:bodyPr lIns="91425" tIns="91425" rIns="91425" bIns="91425" anchor="ctr" anchorCtr="0">
+            <a:noAutofit/>
+          </a:bodyPr>
+          <a:lstStyle/>
+          <a:p>
+            <a:endParaRPr/>
+          </a:p>
+        </p:txBody>
+      </p:sp>
+      <p:sp>
+        <p:nvSpPr>
+          <p:cNvPr id="24" name="Shape 24"/>
+          <p:cNvSpPr txBox="1">
+            <a:spLocks noGrp="1"/>
+          </p:cNvSpPr>
+          <p:nvPr>
+            <p:ph type="title"/>
+          </p:nvPr>
+        </p:nvSpPr>
+        <p:spPr>
+          <a:xfrm>
+            <a:off x="2902775" y="302375"/>
+            <a:ext cx="5718600" cy="503099"/>
+          </a:xfrm>
+          <a:prstGeom prst="rect">
+            <a:avLst/>
+          </a:prstGeom>
+        </p:spPr>
+        <p:txBody>
+          <a:bodyPr lIns="91425" tIns="91425" rIns="91425" bIns="91425" anchor="t" anchorCtr="0"/>
+          <a:lstStyle>
+            <a:lvl1pPr lvl="0" rtl="0">
+              <a:spcBef>
+                <a:spcPts val="0"/>
+              </a:spcBef>
+              <a:buNone/>
+              <a:defRPr sz="1800" b="1">
+                <a:solidFill>
+                  <a:srgbClr val="FFFFFF"/>
+                </a:solidFill>
+                <a:latin typeface="Muli"/>
+                <a:ea typeface="Muli"/>
+                <a:cs typeface="Muli"/>
+                <a:sym typeface="Muli"/>
+              </a:defRPr>
+            </a:lvl1pPr>
+            <a:lvl2pPr lvl="1" rtl="0">
+              <a:spcBef>
+                <a:spcPts val="0"/>
+              </a:spcBef>
+              <a:buNone/>
+              <a:defRPr sz="1800" b="1">
+                <a:solidFill>
+                  <a:srgbClr val="FFFFFF"/>
+                </a:solidFill>
+                <a:latin typeface="Muli"/>
+                <a:ea typeface="Muli"/>
+                <a:cs typeface="Muli"/>
+                <a:sym typeface="Muli"/>
+              </a:defRPr>
+            </a:lvl2pPr>
+            <a:lvl3pPr lvl="2" rtl="0">
+              <a:spcBef>
+                <a:spcPts val="0"/>
+              </a:spcBef>
+              <a:buNone/>
+              <a:defRPr sz="1800" b="1">
+                <a:solidFill>
+                  <a:srgbClr val="FFFFFF"/>
+                </a:solidFill>
+                <a:latin typeface="Muli"/>
+                <a:ea typeface="Muli"/>
+                <a:cs typeface="Muli"/>
+                <a:sym typeface="Muli"/>
+              </a:defRPr>
+            </a:lvl3pPr>
+            <a:lvl4pPr lvl="3" rtl="0">
+              <a:spcBef>
+                <a:spcPts val="0"/>
+              </a:spcBef>
+              <a:buNone/>
+              <a:defRPr sz="1800" b="1">
+                <a:solidFill>
+                  <a:srgbClr val="FFFFFF"/>
+                </a:solidFill>
+                <a:latin typeface="Muli"/>
+                <a:ea typeface="Muli"/>
+                <a:cs typeface="Muli"/>
+                <a:sym typeface="Muli"/>
+              </a:defRPr>
+            </a:lvl4pPr>
+            <a:lvl5pPr lvl="4" rtl="0">
+              <a:spcBef>
+                <a:spcPts val="0"/>
+              </a:spcBef>
+              <a:buNone/>
+              <a:defRPr sz="1800" b="1">
+                <a:solidFill>
+                  <a:srgbClr val="FFFFFF"/>
+                </a:solidFill>
+                <a:latin typeface="Muli"/>
+                <a:ea typeface="Muli"/>
+                <a:cs typeface="Muli"/>
+                <a:sym typeface="Muli"/>
+              </a:defRPr>
+            </a:lvl5pPr>
+            <a:lvl6pPr lvl="5" rtl="0">
+              <a:spcBef>
+                <a:spcPts val="0"/>
+              </a:spcBef>
+              <a:buNone/>
+              <a:defRPr sz="1800" b="1">
+                <a:solidFill>
+                  <a:srgbClr val="FFFFFF"/>
+                </a:solidFill>
+                <a:latin typeface="Muli"/>
+                <a:ea typeface="Muli"/>
+                <a:cs typeface="Muli"/>
+                <a:sym typeface="Muli"/>
+              </a:defRPr>
+            </a:lvl6pPr>
+            <a:lvl7pPr lvl="6" rtl="0">
+              <a:spcBef>
+                <a:spcPts val="0"/>
+              </a:spcBef>
+              <a:buNone/>
+              <a:defRPr sz="1800" b="1">
+                <a:solidFill>
+                  <a:srgbClr val="FFFFFF"/>
+                </a:solidFill>
+                <a:latin typeface="Muli"/>
+                <a:ea typeface="Muli"/>
+                <a:cs typeface="Muli"/>
+                <a:sym typeface="Muli"/>
+              </a:defRPr>
+            </a:lvl7pPr>
+            <a:lvl8pPr lvl="7" rtl="0">
+              <a:spcBef>
+                <a:spcPts val="0"/>
+              </a:spcBef>
+              <a:buNone/>
+              <a:defRPr sz="1800" b="1">
+                <a:solidFill>
+                  <a:srgbClr val="FFFFFF"/>
+                </a:solidFill>
+                <a:latin typeface="Muli"/>
+                <a:ea typeface="Muli"/>
+                <a:cs typeface="Muli"/>
+                <a:sym typeface="Muli"/>
+              </a:defRPr>
+            </a:lvl8pPr>
+            <a:lvl9pPr lvl="8" rtl="0">
+              <a:spcBef>
+                <a:spcPts val="0"/>
+              </a:spcBef>
+              <a:buNone/>
+              <a:defRPr sz="1800" b="1">
+                <a:solidFill>
+                  <a:srgbClr val="FFFFFF"/>
+                </a:solidFill>
+                <a:latin typeface="Muli"/>
+                <a:ea typeface="Muli"/>
+                <a:cs typeface="Muli"/>
+                <a:sym typeface="Muli"/>
+              </a:defRPr>
+            </a:lvl9pPr>
+          </a:lstStyle>
+          <a:p>
+            <a:endParaRPr/>
+          </a:p>
+        </p:txBody>
+      </p:sp>
+      <p:sp>
+        <p:nvSpPr>
+          <p:cNvPr id="25" name="Shape 25"/>
+          <p:cNvSpPr txBox="1">
+            <a:spLocks noGrp="1"/>
+          </p:cNvSpPr>
+          <p:nvPr>
+            <p:ph type="body" idx="1"/>
+          </p:nvPr>
+        </p:nvSpPr>
+        <p:spPr>
+          <a:xfrm>
+            <a:off x="2902950" y="1509475"/>
+            <a:ext cx="5718600" cy="3125100"/>
+          </a:xfrm>
+          <a:prstGeom prst="rect">
+            <a:avLst/>
+          </a:prstGeom>
+        </p:spPr>
+        <p:txBody>
+          <a:bodyPr lIns="91425" tIns="91425" rIns="91425" bIns="91425" anchor="t" anchorCtr="0"/>
+          <a:lstStyle>
+            <a:lvl1pPr lvl="0" rtl="0">
+              <a:spcBef>
+                <a:spcPts val="0"/>
+              </a:spcBef>
+              <a:buClr>
+                <a:srgbClr val="FFFFFF"/>
+              </a:buClr>
+              <a:buSzPct val="83333"/>
+              <a:buFont typeface="Muli"/>
+              <a:buChar char="➜"/>
+              <a:defRPr sz="2400">
+                <a:solidFill>
+                  <a:srgbClr val="FFFFFF"/>
+                </a:solidFill>
+                <a:latin typeface="Muli"/>
+                <a:ea typeface="Muli"/>
+                <a:cs typeface="Muli"/>
+                <a:sym typeface="Muli"/>
+              </a:defRPr>
+            </a:lvl1pPr>
+            <a:lvl2pPr lvl="1" rtl="0">
+              <a:spcBef>
+                <a:spcPts val="0"/>
+              </a:spcBef>
+              <a:buClr>
+                <a:srgbClr val="FFFFFF"/>
+              </a:buClr>
+              <a:buSzPct val="75000"/>
+              <a:buFont typeface="Muli"/>
+              <a:defRPr sz="2400">
+                <a:solidFill>
+                  <a:srgbClr val="FFFFFF"/>
+                </a:solidFill>
+                <a:latin typeface="Muli"/>
+                <a:ea typeface="Muli"/>
+                <a:cs typeface="Muli"/>
+                <a:sym typeface="Muli"/>
+              </a:defRPr>
+            </a:lvl2pPr>
+            <a:lvl3pPr lvl="2" rtl="0">
+              <a:spcBef>
+                <a:spcPts val="0"/>
+              </a:spcBef>
+              <a:buClr>
+                <a:srgbClr val="FFFFFF"/>
+              </a:buClr>
+              <a:buSzPct val="100000"/>
+              <a:buFont typeface="Muli"/>
+              <a:defRPr sz="2400">
+                <a:solidFill>
+                  <a:srgbClr val="FFFFFF"/>
+                </a:solidFill>
+                <a:latin typeface="Muli"/>
+                <a:ea typeface="Muli"/>
+                <a:cs typeface="Muli"/>
+                <a:sym typeface="Muli"/>
+              </a:defRPr>
+            </a:lvl3pPr>
+            <a:lvl4pPr lvl="3" rtl="0">
+              <a:spcBef>
+                <a:spcPts val="0"/>
+              </a:spcBef>
+              <a:buClr>
+                <a:srgbClr val="FFFFFF"/>
+              </a:buClr>
+              <a:buSzPct val="100000"/>
+              <a:buFont typeface="Muli"/>
+              <a:defRPr sz="2400">
+                <a:solidFill>
+                  <a:srgbClr val="FFFFFF"/>
+                </a:solidFill>
+                <a:latin typeface="Muli"/>
+                <a:ea typeface="Muli"/>
+                <a:cs typeface="Muli"/>
+                <a:sym typeface="Muli"/>
+              </a:defRPr>
+            </a:lvl4pPr>
+            <a:lvl5pPr lvl="4" rtl="0">
+              <a:spcBef>
+                <a:spcPts val="0"/>
+              </a:spcBef>
+              <a:buClr>
+                <a:srgbClr val="FFFFFF"/>
+              </a:buClr>
+              <a:buSzPct val="100000"/>
+              <a:buFont typeface="Muli"/>
+              <a:defRPr sz="2400">
+                <a:solidFill>
+                  <a:srgbClr val="FFFFFF"/>
+                </a:solidFill>
+                <a:latin typeface="Muli"/>
+                <a:ea typeface="Muli"/>
+                <a:cs typeface="Muli"/>
+                <a:sym typeface="Muli"/>
+              </a:defRPr>
+            </a:lvl5pPr>
+            <a:lvl6pPr lvl="5" rtl="0">
+              <a:spcBef>
+                <a:spcPts val="0"/>
+              </a:spcBef>
+              <a:buClr>
+                <a:srgbClr val="FFFFFF"/>
+              </a:buClr>
+              <a:buSzPct val="100000"/>
+              <a:buFont typeface="Muli"/>
+              <a:defRPr sz="2400">
+                <a:solidFill>
+                  <a:srgbClr val="FFFFFF"/>
+                </a:solidFill>
+                <a:latin typeface="Muli"/>
+                <a:ea typeface="Muli"/>
+                <a:cs typeface="Muli"/>
+                <a:sym typeface="Muli"/>
+              </a:defRPr>
+            </a:lvl6pPr>
+            <a:lvl7pPr lvl="6" rtl="0">
+              <a:spcBef>
+                <a:spcPts val="0"/>
+              </a:spcBef>
+              <a:buClr>
+                <a:srgbClr val="FFFFFF"/>
+              </a:buClr>
+              <a:buSzPct val="100000"/>
+              <a:buFont typeface="Muli"/>
+              <a:defRPr sz="2400">
+                <a:solidFill>
+                  <a:srgbClr val="FFFFFF"/>
+                </a:solidFill>
+                <a:latin typeface="Muli"/>
+                <a:ea typeface="Muli"/>
+                <a:cs typeface="Muli"/>
+                <a:sym typeface="Muli"/>
+              </a:defRPr>
+            </a:lvl7pPr>
+            <a:lvl8pPr lvl="7" rtl="0">
+              <a:spcBef>
+                <a:spcPts val="0"/>
+              </a:spcBef>
+              <a:buClr>
+                <a:srgbClr val="FFFFFF"/>
+              </a:buClr>
+              <a:buSzPct val="100000"/>
+              <a:buFont typeface="Muli"/>
+              <a:defRPr sz="2400">
+                <a:solidFill>
+                  <a:srgbClr val="FFFFFF"/>
+                </a:solidFill>
+                <a:latin typeface="Muli"/>
+                <a:ea typeface="Muli"/>
+                <a:cs typeface="Muli"/>
+                <a:sym typeface="Muli"/>
+              </a:defRPr>
+            </a:lvl8pPr>
+            <a:lvl9pPr lvl="8" rtl="0">
+              <a:spcBef>
+                <a:spcPts val="0"/>
+              </a:spcBef>
+              <a:buClr>
+                <a:srgbClr val="FFFFFF"/>
+              </a:buClr>
+              <a:buSzPct val="100000"/>
+              <a:buFont typeface="Muli"/>
+              <a:defRPr sz="2400">
+                <a:solidFill>
+                  <a:srgbClr val="FFFFFF"/>
+                </a:solidFill>
+                <a:latin typeface="Muli"/>
+                <a:ea typeface="Muli"/>
+                <a:cs typeface="Muli"/>
+                <a:sym typeface="Muli"/>
+              </a:defRPr>
+            </a:lvl9pPr>
+          </a:lstStyle>
+          <a:p>
+            <a:endParaRPr/>
+          </a:p>
+        </p:txBody>
+      </p:sp>
+    </p:spTree>
+    <p:extLst>
+      <p:ext uri="{BB962C8B-B14F-4D97-AF65-F5344CB8AC3E}">
+        <p14:creationId xmlns:p14="http://schemas.microsoft.com/office/powerpoint/2010/main" val="542473169"/>
+      </p:ext>
+    </p:extLst>
+  </p:cSld>
+  <p:clrMapOvr>
+    <a:masterClrMapping/>
+  </p:clrMapOvr>
+</p:sldLayout>
+</file>
+
+<file path=ppt/slideLayouts/slideLayout7.xml><?xml version="1.0" encoding="utf-8"?>
+<p:sldLayout xmlns:a="http://schemas.openxmlformats.org/drawingml/2006/main" xmlns:r="http://schemas.openxmlformats.org/officeDocument/2006/relationships" xmlns:p="http://schemas.openxmlformats.org/presentationml/2006/main">
+  <p:cSld name="Title + 1 column half">
+    <p:bg>
+      <p:bgPr>
+        <a:blipFill>
+          <a:blip r:embed="rId2">
+            <a:alphaModFix/>
+          </a:blip>
+          <a:stretch>
+            <a:fillRect/>
+          </a:stretch>
+        </a:blipFill>
+        <a:effectLst/>
+      </p:bgPr>
+    </p:bg>
+    <p:spTree>
+      <p:nvGrpSpPr>
+        <p:cNvPr id="1" name="Shape 26"/>
+        <p:cNvGrpSpPr/>
+        <p:nvPr/>
+      </p:nvGrpSpPr>
+      <p:grpSpPr>
+        <a:xfrm>
+          <a:off x="0" y="0"/>
+          <a:ext cx="0" cy="0"/>
+          <a:chOff x="0" y="0"/>
+          <a:chExt cx="0" cy="0"/>
+        </a:xfrm>
+      </p:grpSpPr>
+      <p:sp>
+        <p:nvSpPr>
+          <p:cNvPr id="27" name="Shape 27"/>
+          <p:cNvSpPr/>
+          <p:nvPr/>
+        </p:nvSpPr>
+        <p:spPr>
+          <a:xfrm>
+            <a:off x="4572000" y="0"/>
+            <a:ext cx="4572000" cy="5143499"/>
+          </a:xfrm>
+          <a:prstGeom prst="rect">
+            <a:avLst/>
+          </a:prstGeom>
+          <a:solidFill>
+            <a:srgbClr val="00B2FF">
+              <a:alpha val="73330"/>
+            </a:srgbClr>
+          </a:solidFill>
+          <a:ln>
+            <a:noFill/>
+          </a:ln>
+        </p:spPr>
+        <p:txBody>
+          <a:bodyPr lIns="91425" tIns="91425" rIns="91425" bIns="91425" anchor="ctr" anchorCtr="0">
+            <a:noAutofit/>
+          </a:bodyPr>
+          <a:lstStyle/>
+          <a:p>
+            <a:endParaRPr/>
+          </a:p>
+        </p:txBody>
+      </p:sp>
+      <p:sp>
+        <p:nvSpPr>
+          <p:cNvPr id="28" name="Shape 28"/>
+          <p:cNvSpPr txBox="1">
+            <a:spLocks noGrp="1"/>
+          </p:cNvSpPr>
+          <p:nvPr>
+            <p:ph type="title"/>
+          </p:nvPr>
+        </p:nvSpPr>
+        <p:spPr>
+          <a:xfrm>
+            <a:off x="5128375" y="302375"/>
+            <a:ext cx="3493199" cy="503099"/>
+          </a:xfrm>
+          <a:prstGeom prst="rect">
+            <a:avLst/>
+          </a:prstGeom>
+        </p:spPr>
+        <p:txBody>
+          <a:bodyPr lIns="91425" tIns="91425" rIns="91425" bIns="91425" anchor="t" anchorCtr="0"/>
+          <a:lstStyle>
+            <a:lvl1pPr lvl="0" rtl="0">
+              <a:spcBef>
+                <a:spcPts val="0"/>
+              </a:spcBef>
+              <a:buNone/>
+              <a:defRPr sz="1800" b="1">
+                <a:solidFill>
+                  <a:srgbClr val="FFFFFF"/>
+                </a:solidFill>
+                <a:latin typeface="Muli"/>
+                <a:ea typeface="Muli"/>
+                <a:cs typeface="Muli"/>
+                <a:sym typeface="Muli"/>
+              </a:defRPr>
+            </a:lvl1pPr>
+            <a:lvl2pPr lvl="1" rtl="0">
+              <a:spcBef>
+                <a:spcPts val="0"/>
+              </a:spcBef>
+              <a:buNone/>
+              <a:defRPr sz="1800" b="1">
+                <a:solidFill>
+                  <a:srgbClr val="FFFFFF"/>
+                </a:solidFill>
+                <a:latin typeface="Muli"/>
+                <a:ea typeface="Muli"/>
+                <a:cs typeface="Muli"/>
+                <a:sym typeface="Muli"/>
+              </a:defRPr>
+            </a:lvl2pPr>
+            <a:lvl3pPr lvl="2" rtl="0">
+              <a:spcBef>
+                <a:spcPts val="0"/>
+              </a:spcBef>
+              <a:buNone/>
+              <a:defRPr sz="1800" b="1">
+                <a:solidFill>
+                  <a:srgbClr val="FFFFFF"/>
+                </a:solidFill>
+                <a:latin typeface="Muli"/>
+                <a:ea typeface="Muli"/>
+                <a:cs typeface="Muli"/>
+                <a:sym typeface="Muli"/>
+              </a:defRPr>
+            </a:lvl3pPr>
+            <a:lvl4pPr lvl="3" rtl="0">
+              <a:spcBef>
+                <a:spcPts val="0"/>
+              </a:spcBef>
+              <a:buNone/>
+              <a:defRPr sz="1800" b="1">
+                <a:solidFill>
+                  <a:srgbClr val="FFFFFF"/>
+                </a:solidFill>
+                <a:latin typeface="Muli"/>
+                <a:ea typeface="Muli"/>
+                <a:cs typeface="Muli"/>
+                <a:sym typeface="Muli"/>
+              </a:defRPr>
+            </a:lvl4pPr>
+            <a:lvl5pPr lvl="4" rtl="0">
+              <a:spcBef>
+                <a:spcPts val="0"/>
+              </a:spcBef>
+              <a:buNone/>
+              <a:defRPr sz="1800" b="1">
+                <a:solidFill>
+                  <a:srgbClr val="FFFFFF"/>
+                </a:solidFill>
+                <a:latin typeface="Muli"/>
+                <a:ea typeface="Muli"/>
+                <a:cs typeface="Muli"/>
+                <a:sym typeface="Muli"/>
+              </a:defRPr>
+            </a:lvl5pPr>
+            <a:lvl6pPr lvl="5" rtl="0">
+              <a:spcBef>
+                <a:spcPts val="0"/>
+              </a:spcBef>
+              <a:buNone/>
+              <a:defRPr sz="1800" b="1">
+                <a:solidFill>
+                  <a:srgbClr val="FFFFFF"/>
+                </a:solidFill>
+                <a:latin typeface="Muli"/>
+                <a:ea typeface="Muli"/>
+                <a:cs typeface="Muli"/>
+                <a:sym typeface="Muli"/>
+              </a:defRPr>
+            </a:lvl6pPr>
+            <a:lvl7pPr lvl="6" rtl="0">
+              <a:spcBef>
+                <a:spcPts val="0"/>
+              </a:spcBef>
+              <a:buNone/>
+              <a:defRPr sz="1800" b="1">
+                <a:solidFill>
+                  <a:srgbClr val="FFFFFF"/>
+                </a:solidFill>
+                <a:latin typeface="Muli"/>
+                <a:ea typeface="Muli"/>
+                <a:cs typeface="Muli"/>
+                <a:sym typeface="Muli"/>
+              </a:defRPr>
+            </a:lvl7pPr>
+            <a:lvl8pPr lvl="7" rtl="0">
+              <a:spcBef>
+                <a:spcPts val="0"/>
+              </a:spcBef>
+              <a:buNone/>
+              <a:defRPr sz="1800" b="1">
+                <a:solidFill>
+                  <a:srgbClr val="FFFFFF"/>
+                </a:solidFill>
+                <a:latin typeface="Muli"/>
+                <a:ea typeface="Muli"/>
+                <a:cs typeface="Muli"/>
+                <a:sym typeface="Muli"/>
+              </a:defRPr>
+            </a:lvl8pPr>
+            <a:lvl9pPr lvl="8" rtl="0">
+              <a:spcBef>
+                <a:spcPts val="0"/>
+              </a:spcBef>
+              <a:buNone/>
+              <a:defRPr sz="1800" b="1">
+                <a:solidFill>
+                  <a:srgbClr val="FFFFFF"/>
+                </a:solidFill>
+                <a:latin typeface="Muli"/>
+                <a:ea typeface="Muli"/>
+                <a:cs typeface="Muli"/>
+                <a:sym typeface="Muli"/>
+              </a:defRPr>
+            </a:lvl9pPr>
+          </a:lstStyle>
+          <a:p>
+            <a:endParaRPr/>
+          </a:p>
+        </p:txBody>
+      </p:sp>
+      <p:sp>
+        <p:nvSpPr>
+          <p:cNvPr id="29" name="Shape 29"/>
+          <p:cNvSpPr txBox="1">
+            <a:spLocks noGrp="1"/>
+          </p:cNvSpPr>
+          <p:nvPr>
+            <p:ph type="body" idx="1"/>
+          </p:nvPr>
+        </p:nvSpPr>
+        <p:spPr>
+          <a:xfrm>
+            <a:off x="5128481" y="1509475"/>
+            <a:ext cx="3493199" cy="3125100"/>
+          </a:xfrm>
+          <a:prstGeom prst="rect">
+            <a:avLst/>
+          </a:prstGeom>
+        </p:spPr>
+        <p:txBody>
+          <a:bodyPr lIns="91425" tIns="91425" rIns="91425" bIns="91425" anchor="t" anchorCtr="0"/>
+          <a:lstStyle>
+            <a:lvl1pPr lvl="0" rtl="0">
+              <a:spcBef>
+                <a:spcPts val="0"/>
+              </a:spcBef>
+              <a:buClr>
+                <a:srgbClr val="FFFFFF"/>
+              </a:buClr>
+              <a:buSzPct val="83333"/>
+              <a:buFont typeface="Muli"/>
+              <a:buChar char="➜"/>
+              <a:defRPr sz="2400">
+                <a:solidFill>
+                  <a:srgbClr val="FFFFFF"/>
+                </a:solidFill>
+                <a:latin typeface="Muli"/>
+                <a:ea typeface="Muli"/>
+                <a:cs typeface="Muli"/>
+                <a:sym typeface="Muli"/>
+              </a:defRPr>
+            </a:lvl1pPr>
+            <a:lvl2pPr lvl="1" rtl="0">
+              <a:spcBef>
+                <a:spcPts val="0"/>
+              </a:spcBef>
+              <a:buClr>
+                <a:srgbClr val="FFFFFF"/>
+              </a:buClr>
+              <a:buSzPct val="75000"/>
+              <a:buFont typeface="Muli"/>
+              <a:defRPr sz="2400">
+                <a:solidFill>
+                  <a:srgbClr val="FFFFFF"/>
+                </a:solidFill>
+                <a:latin typeface="Muli"/>
+                <a:ea typeface="Muli"/>
+                <a:cs typeface="Muli"/>
+                <a:sym typeface="Muli"/>
+              </a:defRPr>
+            </a:lvl2pPr>
+            <a:lvl3pPr lvl="2" rtl="0">
+              <a:spcBef>
+                <a:spcPts val="0"/>
+              </a:spcBef>
+              <a:buClr>
+                <a:srgbClr val="FFFFFF"/>
+              </a:buClr>
+              <a:buSzPct val="100000"/>
+              <a:buFont typeface="Muli"/>
+              <a:defRPr sz="2400">
+                <a:solidFill>
+                  <a:srgbClr val="FFFFFF"/>
+                </a:solidFill>
+                <a:latin typeface="Muli"/>
+                <a:ea typeface="Muli"/>
+                <a:cs typeface="Muli"/>
+                <a:sym typeface="Muli"/>
+              </a:defRPr>
+            </a:lvl3pPr>
+            <a:lvl4pPr lvl="3" rtl="0">
+              <a:spcBef>
+                <a:spcPts val="0"/>
+              </a:spcBef>
+              <a:buClr>
+                <a:srgbClr val="FFFFFF"/>
+              </a:buClr>
+              <a:buSzPct val="100000"/>
+              <a:buFont typeface="Muli"/>
+              <a:defRPr sz="2400">
+                <a:solidFill>
+                  <a:srgbClr val="FFFFFF"/>
+                </a:solidFill>
+                <a:latin typeface="Muli"/>
+                <a:ea typeface="Muli"/>
+                <a:cs typeface="Muli"/>
+                <a:sym typeface="Muli"/>
+              </a:defRPr>
+            </a:lvl4pPr>
+            <a:lvl5pPr lvl="4" rtl="0">
+              <a:spcBef>
+                <a:spcPts val="0"/>
+              </a:spcBef>
+              <a:buClr>
+                <a:srgbClr val="FFFFFF"/>
+              </a:buClr>
+              <a:buSzPct val="100000"/>
+              <a:buFont typeface="Muli"/>
+              <a:defRPr sz="2400">
+                <a:solidFill>
+                  <a:srgbClr val="FFFFFF"/>
+                </a:solidFill>
+                <a:latin typeface="Muli"/>
+                <a:ea typeface="Muli"/>
+                <a:cs typeface="Muli"/>
+                <a:sym typeface="Muli"/>
+              </a:defRPr>
+            </a:lvl5pPr>
+            <a:lvl6pPr lvl="5" rtl="0">
+              <a:spcBef>
+                <a:spcPts val="0"/>
+              </a:spcBef>
+              <a:buClr>
+                <a:srgbClr val="FFFFFF"/>
+              </a:buClr>
+              <a:buSzPct val="100000"/>
+              <a:buFont typeface="Muli"/>
+              <a:defRPr sz="2400">
+                <a:solidFill>
+                  <a:srgbClr val="FFFFFF"/>
+                </a:solidFill>
+                <a:latin typeface="Muli"/>
+                <a:ea typeface="Muli"/>
+                <a:cs typeface="Muli"/>
+                <a:sym typeface="Muli"/>
+              </a:defRPr>
+            </a:lvl6pPr>
+            <a:lvl7pPr lvl="6" rtl="0">
+              <a:spcBef>
+                <a:spcPts val="0"/>
+              </a:spcBef>
+              <a:buClr>
+                <a:srgbClr val="FFFFFF"/>
+              </a:buClr>
+              <a:buSzPct val="100000"/>
+              <a:buFont typeface="Muli"/>
+              <a:defRPr sz="2400">
+                <a:solidFill>
+                  <a:srgbClr val="FFFFFF"/>
+                </a:solidFill>
+                <a:latin typeface="Muli"/>
+                <a:ea typeface="Muli"/>
+                <a:cs typeface="Muli"/>
+                <a:sym typeface="Muli"/>
+              </a:defRPr>
+            </a:lvl7pPr>
+            <a:lvl8pPr lvl="7" rtl="0">
+              <a:spcBef>
+                <a:spcPts val="0"/>
+              </a:spcBef>
+              <a:buClr>
+                <a:srgbClr val="FFFFFF"/>
+              </a:buClr>
+              <a:buSzPct val="100000"/>
+              <a:buFont typeface="Muli"/>
+              <a:defRPr sz="2400">
+                <a:solidFill>
+                  <a:srgbClr val="FFFFFF"/>
+                </a:solidFill>
+                <a:latin typeface="Muli"/>
+                <a:ea typeface="Muli"/>
+                <a:cs typeface="Muli"/>
+                <a:sym typeface="Muli"/>
+              </a:defRPr>
+            </a:lvl8pPr>
+            <a:lvl9pPr lvl="8" rtl="0">
+              <a:spcBef>
+                <a:spcPts val="0"/>
+              </a:spcBef>
+              <a:buClr>
+                <a:srgbClr val="FFFFFF"/>
+              </a:buClr>
+              <a:buSzPct val="100000"/>
+              <a:buFont typeface="Muli"/>
+              <a:defRPr sz="2400">
+                <a:solidFill>
+                  <a:srgbClr val="FFFFFF"/>
+                </a:solidFill>
+                <a:latin typeface="Muli"/>
+                <a:ea typeface="Muli"/>
+                <a:cs typeface="Muli"/>
+                <a:sym typeface="Muli"/>
+              </a:defRPr>
+            </a:lvl9pPr>
+          </a:lstStyle>
+          <a:p>
+            <a:endParaRPr/>
+          </a:p>
+        </p:txBody>
+      </p:sp>
+    </p:spTree>
+    <p:extLst>
+      <p:ext uri="{BB962C8B-B14F-4D97-AF65-F5344CB8AC3E}">
+        <p14:creationId xmlns:p14="http://schemas.microsoft.com/office/powerpoint/2010/main" val="4139640427"/>
+      </p:ext>
+    </p:extLst>
+  </p:cSld>
+  <p:clrMapOvr>
+    <a:masterClrMapping/>
+  </p:clrMapOvr>
+</p:sldLayout>
+</file>
+
+<file path=ppt/slideLayouts/slideLayout8.xml><?xml version="1.0" encoding="utf-8"?>
+<p:sldLayout xmlns:a="http://schemas.openxmlformats.org/drawingml/2006/main" xmlns:r="http://schemas.openxmlformats.org/officeDocument/2006/relationships" xmlns:p="http://schemas.openxmlformats.org/presentationml/2006/main" type="twoColTx">
+  <p:cSld name="Title + 2 columns">
+    <p:bg>
+      <p:bgPr>
+        <a:blipFill>
+          <a:blip r:embed="rId2">
+            <a:alphaModFix/>
+          </a:blip>
+          <a:stretch>
+            <a:fillRect/>
+          </a:stretch>
+        </a:blipFill>
+        <a:effectLst/>
+      </p:bgPr>
+    </p:bg>
+    <p:spTree>
+      <p:nvGrpSpPr>
+        <p:cNvPr id="1" name="Shape 30"/>
+        <p:cNvGrpSpPr/>
+        <p:nvPr/>
+      </p:nvGrpSpPr>
+      <p:grpSpPr>
+        <a:xfrm>
+          <a:off x="0" y="0"/>
+          <a:ext cx="0" cy="0"/>
+          <a:chOff x="0" y="0"/>
+          <a:chExt cx="0" cy="0"/>
+        </a:xfrm>
+      </p:grpSpPr>
+      <p:sp>
+        <p:nvSpPr>
+          <p:cNvPr id="31" name="Shape 31"/>
+          <p:cNvSpPr/>
+          <p:nvPr/>
+        </p:nvSpPr>
+        <p:spPr>
+          <a:xfrm>
+            <a:off x="0" y="0"/>
+            <a:ext cx="9144000" cy="5169000"/>
+          </a:xfrm>
+          <a:prstGeom prst="rect">
+            <a:avLst/>
+          </a:prstGeom>
+          <a:solidFill>
+            <a:schemeClr val="tx1">
+              <a:alpha val="26540"/>
+            </a:schemeClr>
+          </a:solidFill>
+          <a:ln>
+            <a:noFill/>
+          </a:ln>
+        </p:spPr>
+        <p:txBody>
+          <a:bodyPr lIns="91425" tIns="91425" rIns="91425" bIns="91425" anchor="ctr" anchorCtr="0">
+            <a:noAutofit/>
+          </a:bodyPr>
+          <a:lstStyle/>
+          <a:p>
+            <a:endParaRPr/>
+          </a:p>
+        </p:txBody>
+      </p:sp>
+      <p:sp>
+        <p:nvSpPr>
+          <p:cNvPr id="32" name="Shape 32"/>
+          <p:cNvSpPr/>
+          <p:nvPr/>
+        </p:nvSpPr>
+        <p:spPr>
+          <a:xfrm>
+            <a:off x="2380350" y="0"/>
+            <a:ext cx="6763800" cy="5143499"/>
+          </a:xfrm>
+          <a:prstGeom prst="rect">
+            <a:avLst/>
+          </a:prstGeom>
+          <a:solidFill>
+            <a:srgbClr val="00B2FF">
+              <a:alpha val="73330"/>
+            </a:srgbClr>
+          </a:solidFill>
+          <a:ln>
+            <a:noFill/>
+          </a:ln>
+        </p:spPr>
+        <p:txBody>
+          <a:bodyPr lIns="91425" tIns="91425" rIns="91425" bIns="91425" anchor="ctr" anchorCtr="0">
+            <a:noAutofit/>
+          </a:bodyPr>
+          <a:lstStyle/>
+          <a:p>
+            <a:endParaRPr/>
+          </a:p>
+        </p:txBody>
+      </p:sp>
+      <p:sp>
+        <p:nvSpPr>
+          <p:cNvPr id="33" name="Shape 33"/>
+          <p:cNvSpPr txBox="1">
+            <a:spLocks noGrp="1"/>
+          </p:cNvSpPr>
+          <p:nvPr>
+            <p:ph type="title"/>
+          </p:nvPr>
+        </p:nvSpPr>
+        <p:spPr>
+          <a:xfrm>
+            <a:off x="2902775" y="302375"/>
+            <a:ext cx="5718600" cy="503099"/>
+          </a:xfrm>
+          <a:prstGeom prst="rect">
+            <a:avLst/>
+          </a:prstGeom>
+        </p:spPr>
+        <p:txBody>
+          <a:bodyPr lIns="91425" tIns="91425" rIns="91425" bIns="91425" anchor="t" anchorCtr="0"/>
+          <a:lstStyle>
+            <a:lvl1pPr lvl="0" rtl="0">
+              <a:spcBef>
+                <a:spcPts val="0"/>
+              </a:spcBef>
+              <a:buNone/>
+              <a:defRPr sz="1800" b="1">
+                <a:solidFill>
+                  <a:srgbClr val="FFFFFF"/>
+                </a:solidFill>
+                <a:latin typeface="Muli"/>
+                <a:ea typeface="Muli"/>
+                <a:cs typeface="Muli"/>
+                <a:sym typeface="Muli"/>
+              </a:defRPr>
+            </a:lvl1pPr>
+            <a:lvl2pPr lvl="1" rtl="0">
+              <a:spcBef>
+                <a:spcPts val="0"/>
+              </a:spcBef>
+              <a:buNone/>
+              <a:defRPr sz="1800" b="1">
+                <a:solidFill>
+                  <a:srgbClr val="FFFFFF"/>
+                </a:solidFill>
+                <a:latin typeface="Muli"/>
+                <a:ea typeface="Muli"/>
+                <a:cs typeface="Muli"/>
+                <a:sym typeface="Muli"/>
+              </a:defRPr>
+            </a:lvl2pPr>
+            <a:lvl3pPr lvl="2" rtl="0">
+              <a:spcBef>
+                <a:spcPts val="0"/>
+              </a:spcBef>
+              <a:buNone/>
+              <a:defRPr sz="1800" b="1">
+                <a:solidFill>
+                  <a:srgbClr val="FFFFFF"/>
+                </a:solidFill>
+                <a:latin typeface="Muli"/>
+                <a:ea typeface="Muli"/>
+                <a:cs typeface="Muli"/>
+                <a:sym typeface="Muli"/>
+              </a:defRPr>
+            </a:lvl3pPr>
+            <a:lvl4pPr lvl="3" rtl="0">
+              <a:spcBef>
+                <a:spcPts val="0"/>
+              </a:spcBef>
+              <a:buNone/>
+              <a:defRPr sz="1800" b="1">
+                <a:solidFill>
+                  <a:srgbClr val="FFFFFF"/>
+                </a:solidFill>
+                <a:latin typeface="Muli"/>
+                <a:ea typeface="Muli"/>
+                <a:cs typeface="Muli"/>
+                <a:sym typeface="Muli"/>
+              </a:defRPr>
+            </a:lvl4pPr>
+            <a:lvl5pPr lvl="4" rtl="0">
+              <a:spcBef>
+                <a:spcPts val="0"/>
+              </a:spcBef>
+              <a:buNone/>
+              <a:defRPr sz="1800" b="1">
+                <a:solidFill>
+                  <a:srgbClr val="FFFFFF"/>
+                </a:solidFill>
+                <a:latin typeface="Muli"/>
+                <a:ea typeface="Muli"/>
+                <a:cs typeface="Muli"/>
+                <a:sym typeface="Muli"/>
+              </a:defRPr>
+            </a:lvl5pPr>
+            <a:lvl6pPr lvl="5" rtl="0">
+              <a:spcBef>
+                <a:spcPts val="0"/>
+              </a:spcBef>
+              <a:buNone/>
+              <a:defRPr sz="1800" b="1">
+                <a:solidFill>
+                  <a:srgbClr val="FFFFFF"/>
+                </a:solidFill>
+                <a:latin typeface="Muli"/>
+                <a:ea typeface="Muli"/>
+                <a:cs typeface="Muli"/>
+                <a:sym typeface="Muli"/>
+              </a:defRPr>
+            </a:lvl6pPr>
+            <a:lvl7pPr lvl="6" rtl="0">
+              <a:spcBef>
+                <a:spcPts val="0"/>
+              </a:spcBef>
+              <a:buNone/>
+              <a:defRPr sz="1800" b="1">
+                <a:solidFill>
+                  <a:srgbClr val="FFFFFF"/>
+                </a:solidFill>
+                <a:latin typeface="Muli"/>
+                <a:ea typeface="Muli"/>
+                <a:cs typeface="Muli"/>
+                <a:sym typeface="Muli"/>
+              </a:defRPr>
+            </a:lvl7pPr>
+            <a:lvl8pPr lvl="7" rtl="0">
+              <a:spcBef>
+                <a:spcPts val="0"/>
+              </a:spcBef>
+              <a:buNone/>
+              <a:defRPr sz="1800" b="1">
+                <a:solidFill>
+                  <a:srgbClr val="FFFFFF"/>
+                </a:solidFill>
+                <a:latin typeface="Muli"/>
+                <a:ea typeface="Muli"/>
+                <a:cs typeface="Muli"/>
+                <a:sym typeface="Muli"/>
+              </a:defRPr>
+            </a:lvl8pPr>
+            <a:lvl9pPr lvl="8" rtl="0">
+              <a:spcBef>
+                <a:spcPts val="0"/>
+              </a:spcBef>
+              <a:buNone/>
+              <a:defRPr sz="1800" b="1">
+                <a:solidFill>
+                  <a:srgbClr val="FFFFFF"/>
+                </a:solidFill>
+                <a:latin typeface="Muli"/>
+                <a:ea typeface="Muli"/>
+                <a:cs typeface="Muli"/>
+                <a:sym typeface="Muli"/>
+              </a:defRPr>
+            </a:lvl9pPr>
+          </a:lstStyle>
+          <a:p>
+            <a:endParaRPr/>
+          </a:p>
+        </p:txBody>
+      </p:sp>
+      <p:sp>
+        <p:nvSpPr>
+          <p:cNvPr id="34" name="Shape 34"/>
+          <p:cNvSpPr txBox="1">
+            <a:spLocks noGrp="1"/>
+          </p:cNvSpPr>
+          <p:nvPr>
+            <p:ph type="body" idx="1"/>
+          </p:nvPr>
+        </p:nvSpPr>
+        <p:spPr>
+          <a:xfrm>
+            <a:off x="2902950" y="1509475"/>
+            <a:ext cx="2780700" cy="3125100"/>
+          </a:xfrm>
+          <a:prstGeom prst="rect">
+            <a:avLst/>
+          </a:prstGeom>
+          <a:noFill/>
+          <a:ln>
+            <a:noFill/>
+          </a:ln>
+        </p:spPr>
+        <p:txBody>
+          <a:bodyPr lIns="91425" tIns="91425" rIns="91425" bIns="91425" anchor="t" anchorCtr="0"/>
+          <a:lstStyle>
+            <a:lvl1pPr lvl="0" rtl="0">
+              <a:spcBef>
+                <a:spcPts val="0"/>
+              </a:spcBef>
+              <a:buClr>
+                <a:srgbClr val="FFFFFF"/>
+              </a:buClr>
+              <a:buSzPct val="100000"/>
+              <a:buFont typeface="Muli"/>
+              <a:buChar char="➜"/>
+              <a:defRPr sz="1800">
+                <a:solidFill>
+                  <a:srgbClr val="FFFFFF"/>
+                </a:solidFill>
+                <a:latin typeface="Muli"/>
+                <a:ea typeface="Muli"/>
+                <a:cs typeface="Muli"/>
+                <a:sym typeface="Muli"/>
+              </a:defRPr>
+            </a:lvl1pPr>
+            <a:lvl2pPr lvl="1" rtl="0">
+              <a:spcBef>
+                <a:spcPts val="0"/>
+              </a:spcBef>
+              <a:buClr>
+                <a:srgbClr val="FFFFFF"/>
+              </a:buClr>
+              <a:buSzPct val="100000"/>
+              <a:buFont typeface="Muli"/>
+              <a:defRPr sz="1800">
+                <a:solidFill>
+                  <a:srgbClr val="FFFFFF"/>
+                </a:solidFill>
+                <a:latin typeface="Muli"/>
+                <a:ea typeface="Muli"/>
+                <a:cs typeface="Muli"/>
+                <a:sym typeface="Muli"/>
+              </a:defRPr>
+            </a:lvl2pPr>
+            <a:lvl3pPr lvl="2" rtl="0">
+              <a:spcBef>
+                <a:spcPts val="0"/>
+              </a:spcBef>
+              <a:buClr>
+                <a:srgbClr val="FFFFFF"/>
+              </a:buClr>
+              <a:buSzPct val="100000"/>
+              <a:buFont typeface="Muli"/>
+              <a:defRPr sz="1800">
+                <a:solidFill>
+                  <a:srgbClr val="FFFFFF"/>
+                </a:solidFill>
+                <a:latin typeface="Muli"/>
+                <a:ea typeface="Muli"/>
+                <a:cs typeface="Muli"/>
+                <a:sym typeface="Muli"/>
+              </a:defRPr>
+            </a:lvl3pPr>
+            <a:lvl4pPr lvl="3" rtl="0">
+              <a:spcBef>
+                <a:spcPts val="0"/>
+              </a:spcBef>
+              <a:buClr>
+                <a:srgbClr val="FFFFFF"/>
+              </a:buClr>
+              <a:buSzPct val="100000"/>
+              <a:buFont typeface="Muli"/>
+              <a:defRPr sz="1800">
+                <a:solidFill>
+                  <a:srgbClr val="FFFFFF"/>
+                </a:solidFill>
+                <a:latin typeface="Muli"/>
+                <a:ea typeface="Muli"/>
+                <a:cs typeface="Muli"/>
+                <a:sym typeface="Muli"/>
+              </a:defRPr>
+            </a:lvl4pPr>
+            <a:lvl5pPr lvl="4" rtl="0">
+              <a:spcBef>
+                <a:spcPts val="0"/>
+              </a:spcBef>
+              <a:buClr>
+                <a:srgbClr val="FFFFFF"/>
+              </a:buClr>
+              <a:buSzPct val="100000"/>
+              <a:buFont typeface="Muli"/>
+              <a:defRPr sz="1800">
+                <a:solidFill>
+                  <a:srgbClr val="FFFFFF"/>
+                </a:solidFill>
+                <a:latin typeface="Muli"/>
+                <a:ea typeface="Muli"/>
+                <a:cs typeface="Muli"/>
+                <a:sym typeface="Muli"/>
+              </a:defRPr>
+            </a:lvl5pPr>
+            <a:lvl6pPr lvl="5" rtl="0">
+              <a:spcBef>
+                <a:spcPts val="0"/>
+              </a:spcBef>
+              <a:buClr>
+                <a:srgbClr val="FFFFFF"/>
+              </a:buClr>
+              <a:buSzPct val="100000"/>
+              <a:buFont typeface="Muli"/>
+              <a:defRPr sz="1800">
+                <a:solidFill>
+                  <a:srgbClr val="FFFFFF"/>
+                </a:solidFill>
+                <a:latin typeface="Muli"/>
+                <a:ea typeface="Muli"/>
+                <a:cs typeface="Muli"/>
+                <a:sym typeface="Muli"/>
+              </a:defRPr>
+            </a:lvl6pPr>
+            <a:lvl7pPr lvl="6" rtl="0">
+              <a:spcBef>
+                <a:spcPts val="0"/>
+              </a:spcBef>
+              <a:buClr>
+                <a:srgbClr val="FFFFFF"/>
+              </a:buClr>
+              <a:buSzPct val="100000"/>
+              <a:buFont typeface="Muli"/>
+              <a:defRPr sz="1800">
+                <a:solidFill>
+                  <a:srgbClr val="FFFFFF"/>
+                </a:solidFill>
+                <a:latin typeface="Muli"/>
+                <a:ea typeface="Muli"/>
+                <a:cs typeface="Muli"/>
+                <a:sym typeface="Muli"/>
+              </a:defRPr>
+            </a:lvl7pPr>
+            <a:lvl8pPr lvl="7" rtl="0">
+              <a:spcBef>
+                <a:spcPts val="0"/>
+              </a:spcBef>
+              <a:buClr>
+                <a:srgbClr val="FFFFFF"/>
+              </a:buClr>
+              <a:buSzPct val="100000"/>
+              <a:buFont typeface="Muli"/>
+              <a:defRPr sz="1800">
+                <a:solidFill>
+                  <a:srgbClr val="FFFFFF"/>
+                </a:solidFill>
+                <a:latin typeface="Muli"/>
+                <a:ea typeface="Muli"/>
+                <a:cs typeface="Muli"/>
+                <a:sym typeface="Muli"/>
+              </a:defRPr>
+            </a:lvl8pPr>
+            <a:lvl9pPr lvl="8" rtl="0">
+              <a:spcBef>
+                <a:spcPts val="0"/>
+              </a:spcBef>
+              <a:buClr>
+                <a:srgbClr val="FFFFFF"/>
+              </a:buClr>
+              <a:buSzPct val="100000"/>
+              <a:buFont typeface="Muli"/>
+              <a:defRPr sz="1800">
+                <a:solidFill>
+                  <a:srgbClr val="FFFFFF"/>
+                </a:solidFill>
+                <a:latin typeface="Muli"/>
+                <a:ea typeface="Muli"/>
+                <a:cs typeface="Muli"/>
+                <a:sym typeface="Muli"/>
+              </a:defRPr>
+            </a:lvl9pPr>
+          </a:lstStyle>
+          <a:p>
+            <a:endParaRPr/>
+          </a:p>
+        </p:txBody>
+      </p:sp>
+      <p:sp>
+        <p:nvSpPr>
+          <p:cNvPr id="35" name="Shape 35"/>
+          <p:cNvSpPr txBox="1">
+            <a:spLocks noGrp="1"/>
+          </p:cNvSpPr>
+          <p:nvPr>
+            <p:ph type="body" idx="2"/>
+          </p:nvPr>
+        </p:nvSpPr>
+        <p:spPr>
+          <a:xfrm>
+            <a:off x="5840728" y="1509475"/>
+            <a:ext cx="2780700" cy="3125100"/>
+          </a:xfrm>
+          <a:prstGeom prst="rect">
+            <a:avLst/>
+          </a:prstGeom>
+          <a:noFill/>
+          <a:ln>
+            <a:noFill/>
+          </a:ln>
+        </p:spPr>
+        <p:txBody>
+          <a:bodyPr lIns="91425" tIns="91425" rIns="91425" bIns="91425" anchor="t" anchorCtr="0"/>
+          <a:lstStyle>
+            <a:lvl1pPr lvl="0" rtl="0">
+              <a:spcBef>
+                <a:spcPts val="0"/>
+              </a:spcBef>
+              <a:buClr>
+                <a:srgbClr val="FFFFFF"/>
+              </a:buClr>
+              <a:buSzPct val="100000"/>
+              <a:buFont typeface="Muli"/>
+              <a:buChar char="➜"/>
+              <a:defRPr sz="1800">
+                <a:solidFill>
+                  <a:srgbClr val="FFFFFF"/>
+                </a:solidFill>
+                <a:latin typeface="Muli"/>
+                <a:ea typeface="Muli"/>
+                <a:cs typeface="Muli"/>
+                <a:sym typeface="Muli"/>
+              </a:defRPr>
+            </a:lvl1pPr>
+            <a:lvl2pPr lvl="1" rtl="0">
+              <a:spcBef>
+                <a:spcPts val="0"/>
+              </a:spcBef>
+              <a:buClr>
+                <a:srgbClr val="FFFFFF"/>
+              </a:buClr>
+              <a:buSzPct val="100000"/>
+              <a:buFont typeface="Muli"/>
+              <a:defRPr sz="1800">
+                <a:solidFill>
+                  <a:srgbClr val="FFFFFF"/>
+                </a:solidFill>
+                <a:latin typeface="Muli"/>
+                <a:ea typeface="Muli"/>
+                <a:cs typeface="Muli"/>
+                <a:sym typeface="Muli"/>
+              </a:defRPr>
+            </a:lvl2pPr>
+            <a:lvl3pPr lvl="2" rtl="0">
+              <a:spcBef>
+                <a:spcPts val="0"/>
+              </a:spcBef>
+              <a:buClr>
+                <a:srgbClr val="FFFFFF"/>
+              </a:buClr>
+              <a:buSzPct val="100000"/>
+              <a:buFont typeface="Muli"/>
+              <a:defRPr sz="1800">
+                <a:solidFill>
+                  <a:srgbClr val="FFFFFF"/>
+                </a:solidFill>
+                <a:latin typeface="Muli"/>
+                <a:ea typeface="Muli"/>
+                <a:cs typeface="Muli"/>
+                <a:sym typeface="Muli"/>
+              </a:defRPr>
+            </a:lvl3pPr>
+            <a:lvl4pPr lvl="3" rtl="0">
+              <a:spcBef>
+                <a:spcPts val="0"/>
+              </a:spcBef>
+              <a:buClr>
+                <a:srgbClr val="FFFFFF"/>
+              </a:buClr>
+              <a:buSzPct val="100000"/>
+              <a:buFont typeface="Muli"/>
+              <a:defRPr sz="1800">
+                <a:solidFill>
+                  <a:srgbClr val="FFFFFF"/>
+                </a:solidFill>
+                <a:latin typeface="Muli"/>
+                <a:ea typeface="Muli"/>
+                <a:cs typeface="Muli"/>
+                <a:sym typeface="Muli"/>
+              </a:defRPr>
+            </a:lvl4pPr>
+            <a:lvl5pPr lvl="4" rtl="0">
+              <a:spcBef>
+                <a:spcPts val="0"/>
+              </a:spcBef>
+              <a:buClr>
+                <a:srgbClr val="FFFFFF"/>
+              </a:buClr>
+              <a:buSzPct val="100000"/>
+              <a:buFont typeface="Muli"/>
+              <a:defRPr sz="1800">
+                <a:solidFill>
+                  <a:srgbClr val="FFFFFF"/>
+                </a:solidFill>
+                <a:latin typeface="Muli"/>
+                <a:ea typeface="Muli"/>
+                <a:cs typeface="Muli"/>
+                <a:sym typeface="Muli"/>
+              </a:defRPr>
+            </a:lvl5pPr>
+            <a:lvl6pPr lvl="5" rtl="0">
+              <a:spcBef>
+                <a:spcPts val="0"/>
+              </a:spcBef>
+              <a:buClr>
+                <a:srgbClr val="FFFFFF"/>
+              </a:buClr>
+              <a:buSzPct val="100000"/>
+              <a:buFont typeface="Muli"/>
+              <a:defRPr sz="1800">
+                <a:solidFill>
+                  <a:srgbClr val="FFFFFF"/>
+                </a:solidFill>
+                <a:latin typeface="Muli"/>
+                <a:ea typeface="Muli"/>
+                <a:cs typeface="Muli"/>
+                <a:sym typeface="Muli"/>
+              </a:defRPr>
+            </a:lvl6pPr>
+            <a:lvl7pPr lvl="6" rtl="0">
+              <a:spcBef>
+                <a:spcPts val="0"/>
+              </a:spcBef>
+              <a:buClr>
+                <a:srgbClr val="FFFFFF"/>
+              </a:buClr>
+              <a:buSzPct val="100000"/>
+              <a:buFont typeface="Muli"/>
+              <a:defRPr sz="1800">
+                <a:solidFill>
+                  <a:srgbClr val="FFFFFF"/>
+                </a:solidFill>
+                <a:latin typeface="Muli"/>
+                <a:ea typeface="Muli"/>
+                <a:cs typeface="Muli"/>
+                <a:sym typeface="Muli"/>
+              </a:defRPr>
+            </a:lvl7pPr>
+            <a:lvl8pPr lvl="7" rtl="0">
+              <a:spcBef>
+                <a:spcPts val="0"/>
+              </a:spcBef>
+              <a:buClr>
+                <a:srgbClr val="FFFFFF"/>
+              </a:buClr>
+              <a:buSzPct val="100000"/>
+              <a:buFont typeface="Muli"/>
+              <a:defRPr sz="1800">
+                <a:solidFill>
+                  <a:srgbClr val="FFFFFF"/>
+                </a:solidFill>
+                <a:latin typeface="Muli"/>
+                <a:ea typeface="Muli"/>
+                <a:cs typeface="Muli"/>
+                <a:sym typeface="Muli"/>
+              </a:defRPr>
+            </a:lvl8pPr>
+            <a:lvl9pPr lvl="8" rtl="0">
+              <a:spcBef>
+                <a:spcPts val="0"/>
+              </a:spcBef>
+              <a:buClr>
+                <a:srgbClr val="FFFFFF"/>
+              </a:buClr>
+              <a:buSzPct val="100000"/>
+              <a:buFont typeface="Muli"/>
+              <a:defRPr sz="1800">
+                <a:solidFill>
+                  <a:srgbClr val="FFFFFF"/>
+                </a:solidFill>
+                <a:latin typeface="Muli"/>
+                <a:ea typeface="Muli"/>
+                <a:cs typeface="Muli"/>
+                <a:sym typeface="Muli"/>
+              </a:defRPr>
+            </a:lvl9pPr>
+          </a:lstStyle>
+          <a:p>
+            <a:endParaRPr/>
+          </a:p>
+        </p:txBody>
+      </p:sp>
+    </p:spTree>
+    <p:extLst>
+      <p:ext uri="{BB962C8B-B14F-4D97-AF65-F5344CB8AC3E}">
+        <p14:creationId xmlns:p14="http://schemas.microsoft.com/office/powerpoint/2010/main" val="3925574557"/>
+      </p:ext>
+    </p:extLst>
+  </p:cSld>
+  <p:clrMapOvr>
+    <a:masterClrMapping/>
+  </p:clrMapOvr>
+</p:sldLayout>
+</file>
+
+<file path=ppt/slideLayouts/slideLayout9.xml><?xml version="1.0" encoding="utf-8"?>
 <p:sldLayout xmlns:a="http://schemas.openxmlformats.org/drawingml/2006/main" xmlns:r="http://schemas.openxmlformats.org/officeDocument/2006/relationships" xmlns:p="http://schemas.openxmlformats.org/presentationml/2006/main">
   <p:cSld name="Title + 3 columns">
     <p:bg>
@@ -2960,3434 +5981,6 @@
 </p:sldLayout>
 </file>
 
-<file path=ppt/slideLayouts/slideLayout11.xml><?xml version="1.0" encoding="utf-8"?>
-<p:sldLayout xmlns:a="http://schemas.openxmlformats.org/drawingml/2006/main" xmlns:r="http://schemas.openxmlformats.org/officeDocument/2006/relationships" xmlns:p="http://schemas.openxmlformats.org/presentationml/2006/main" type="titleOnly">
-  <p:cSld name="Title only">
-    <p:bg>
-      <p:bgPr>
-        <a:blipFill>
-          <a:blip r:embed="rId2">
-            <a:alphaModFix/>
-          </a:blip>
-          <a:stretch>
-            <a:fillRect/>
-          </a:stretch>
-        </a:blipFill>
-        <a:effectLst/>
-      </p:bgPr>
-    </p:bg>
-    <p:spTree>
-      <p:nvGrpSpPr>
-        <p:cNvPr id="1" name="Shape 43"/>
-        <p:cNvGrpSpPr/>
-        <p:nvPr/>
-      </p:nvGrpSpPr>
-      <p:grpSpPr>
-        <a:xfrm>
-          <a:off x="0" y="0"/>
-          <a:ext cx="0" cy="0"/>
-          <a:chOff x="0" y="0"/>
-          <a:chExt cx="0" cy="0"/>
-        </a:xfrm>
-      </p:grpSpPr>
-      <p:sp>
-        <p:nvSpPr>
-          <p:cNvPr id="44" name="Shape 44"/>
-          <p:cNvSpPr/>
-          <p:nvPr/>
-        </p:nvSpPr>
-        <p:spPr>
-          <a:xfrm>
-            <a:off x="0" y="0"/>
-            <a:ext cx="9144000" cy="5169000"/>
-          </a:xfrm>
-          <a:prstGeom prst="rect">
-            <a:avLst/>
-          </a:prstGeom>
-          <a:solidFill>
-            <a:schemeClr val="tx1">
-              <a:alpha val="26540"/>
-            </a:schemeClr>
-          </a:solidFill>
-          <a:ln>
-            <a:noFill/>
-          </a:ln>
-        </p:spPr>
-        <p:txBody>
-          <a:bodyPr lIns="91425" tIns="91425" rIns="91425" bIns="91425" anchor="ctr" anchorCtr="0">
-            <a:noAutofit/>
-          </a:bodyPr>
-          <a:lstStyle/>
-          <a:p>
-            <a:endParaRPr/>
-          </a:p>
-        </p:txBody>
-      </p:sp>
-      <p:sp>
-        <p:nvSpPr>
-          <p:cNvPr id="46" name="Shape 46"/>
-          <p:cNvSpPr txBox="1">
-            <a:spLocks noGrp="1"/>
-          </p:cNvSpPr>
-          <p:nvPr>
-            <p:ph type="title"/>
-          </p:nvPr>
-        </p:nvSpPr>
-        <p:spPr>
-          <a:xfrm>
-            <a:off x="1190100" y="302375"/>
-            <a:ext cx="6763800" cy="503099"/>
-          </a:xfrm>
-          <a:prstGeom prst="rect">
-            <a:avLst/>
-          </a:prstGeom>
-        </p:spPr>
-        <p:txBody>
-          <a:bodyPr lIns="91425" tIns="91425" rIns="91425" bIns="91425" anchor="t" anchorCtr="0"/>
-          <a:lstStyle>
-            <a:lvl1pPr lvl="0" algn="ctr" rtl="0">
-              <a:spcBef>
-                <a:spcPts val="0"/>
-              </a:spcBef>
-              <a:buNone/>
-              <a:defRPr sz="1800" b="1">
-                <a:solidFill>
-                  <a:srgbClr val="FFFFFF"/>
-                </a:solidFill>
-                <a:latin typeface="Muli"/>
-                <a:ea typeface="Muli"/>
-                <a:cs typeface="Muli"/>
-                <a:sym typeface="Muli"/>
-              </a:defRPr>
-            </a:lvl1pPr>
-            <a:lvl2pPr lvl="1" algn="ctr" rtl="0">
-              <a:spcBef>
-                <a:spcPts val="0"/>
-              </a:spcBef>
-              <a:buNone/>
-              <a:defRPr sz="1800" b="1">
-                <a:solidFill>
-                  <a:srgbClr val="FFFFFF"/>
-                </a:solidFill>
-                <a:latin typeface="Muli"/>
-                <a:ea typeface="Muli"/>
-                <a:cs typeface="Muli"/>
-                <a:sym typeface="Muli"/>
-              </a:defRPr>
-            </a:lvl2pPr>
-            <a:lvl3pPr lvl="2" algn="ctr" rtl="0">
-              <a:spcBef>
-                <a:spcPts val="0"/>
-              </a:spcBef>
-              <a:buNone/>
-              <a:defRPr sz="1800" b="1">
-                <a:solidFill>
-                  <a:srgbClr val="FFFFFF"/>
-                </a:solidFill>
-                <a:latin typeface="Muli"/>
-                <a:ea typeface="Muli"/>
-                <a:cs typeface="Muli"/>
-                <a:sym typeface="Muli"/>
-              </a:defRPr>
-            </a:lvl3pPr>
-            <a:lvl4pPr lvl="3" algn="ctr" rtl="0">
-              <a:spcBef>
-                <a:spcPts val="0"/>
-              </a:spcBef>
-              <a:buNone/>
-              <a:defRPr sz="1800" b="1">
-                <a:solidFill>
-                  <a:srgbClr val="FFFFFF"/>
-                </a:solidFill>
-                <a:latin typeface="Muli"/>
-                <a:ea typeface="Muli"/>
-                <a:cs typeface="Muli"/>
-                <a:sym typeface="Muli"/>
-              </a:defRPr>
-            </a:lvl4pPr>
-            <a:lvl5pPr lvl="4" algn="ctr" rtl="0">
-              <a:spcBef>
-                <a:spcPts val="0"/>
-              </a:spcBef>
-              <a:buNone/>
-              <a:defRPr sz="1800" b="1">
-                <a:solidFill>
-                  <a:srgbClr val="FFFFFF"/>
-                </a:solidFill>
-                <a:latin typeface="Muli"/>
-                <a:ea typeface="Muli"/>
-                <a:cs typeface="Muli"/>
-                <a:sym typeface="Muli"/>
-              </a:defRPr>
-            </a:lvl5pPr>
-            <a:lvl6pPr lvl="5" algn="ctr" rtl="0">
-              <a:spcBef>
-                <a:spcPts val="0"/>
-              </a:spcBef>
-              <a:buNone/>
-              <a:defRPr sz="1800" b="1">
-                <a:solidFill>
-                  <a:srgbClr val="FFFFFF"/>
-                </a:solidFill>
-                <a:latin typeface="Muli"/>
-                <a:ea typeface="Muli"/>
-                <a:cs typeface="Muli"/>
-                <a:sym typeface="Muli"/>
-              </a:defRPr>
-            </a:lvl6pPr>
-            <a:lvl7pPr lvl="6" algn="ctr" rtl="0">
-              <a:spcBef>
-                <a:spcPts val="0"/>
-              </a:spcBef>
-              <a:buNone/>
-              <a:defRPr sz="1800" b="1">
-                <a:solidFill>
-                  <a:srgbClr val="FFFFFF"/>
-                </a:solidFill>
-                <a:latin typeface="Muli"/>
-                <a:ea typeface="Muli"/>
-                <a:cs typeface="Muli"/>
-                <a:sym typeface="Muli"/>
-              </a:defRPr>
-            </a:lvl7pPr>
-            <a:lvl8pPr lvl="7" algn="ctr" rtl="0">
-              <a:spcBef>
-                <a:spcPts val="0"/>
-              </a:spcBef>
-              <a:buNone/>
-              <a:defRPr sz="1800" b="1">
-                <a:solidFill>
-                  <a:srgbClr val="FFFFFF"/>
-                </a:solidFill>
-                <a:latin typeface="Muli"/>
-                <a:ea typeface="Muli"/>
-                <a:cs typeface="Muli"/>
-                <a:sym typeface="Muli"/>
-              </a:defRPr>
-            </a:lvl8pPr>
-            <a:lvl9pPr lvl="8" algn="ctr" rtl="0">
-              <a:spcBef>
-                <a:spcPts val="0"/>
-              </a:spcBef>
-              <a:buNone/>
-              <a:defRPr sz="1800" b="1">
-                <a:solidFill>
-                  <a:srgbClr val="FFFFFF"/>
-                </a:solidFill>
-                <a:latin typeface="Muli"/>
-                <a:ea typeface="Muli"/>
-                <a:cs typeface="Muli"/>
-                <a:sym typeface="Muli"/>
-              </a:defRPr>
-            </a:lvl9pPr>
-          </a:lstStyle>
-          <a:p>
-            <a:endParaRPr/>
-          </a:p>
-        </p:txBody>
-      </p:sp>
-    </p:spTree>
-    <p:extLst>
-      <p:ext uri="{BB962C8B-B14F-4D97-AF65-F5344CB8AC3E}">
-        <p14:creationId xmlns:p14="http://schemas.microsoft.com/office/powerpoint/2010/main" val="101425889"/>
-      </p:ext>
-    </p:extLst>
-  </p:cSld>
-  <p:clrMapOvr>
-    <a:masterClrMapping/>
-  </p:clrMapOvr>
-</p:sldLayout>
-</file>
-
-<file path=ppt/slideLayouts/slideLayout12.xml><?xml version="1.0" encoding="utf-8"?>
-<p:sldLayout xmlns:a="http://schemas.openxmlformats.org/drawingml/2006/main" xmlns:r="http://schemas.openxmlformats.org/officeDocument/2006/relationships" xmlns:p="http://schemas.openxmlformats.org/presentationml/2006/main">
-  <p:cSld name="Caption">
-    <p:bg>
-      <p:bgPr>
-        <a:blipFill>
-          <a:blip r:embed="rId2">
-            <a:alphaModFix/>
-          </a:blip>
-          <a:stretch>
-            <a:fillRect/>
-          </a:stretch>
-        </a:blipFill>
-        <a:effectLst/>
-      </p:bgPr>
-    </p:bg>
-    <p:spTree>
-      <p:nvGrpSpPr>
-        <p:cNvPr id="1" name="Shape 47"/>
-        <p:cNvGrpSpPr/>
-        <p:nvPr/>
-      </p:nvGrpSpPr>
-      <p:grpSpPr>
-        <a:xfrm>
-          <a:off x="0" y="0"/>
-          <a:ext cx="0" cy="0"/>
-          <a:chOff x="0" y="0"/>
-          <a:chExt cx="0" cy="0"/>
-        </a:xfrm>
-      </p:grpSpPr>
-      <p:sp>
-        <p:nvSpPr>
-          <p:cNvPr id="48" name="Shape 48"/>
-          <p:cNvSpPr/>
-          <p:nvPr/>
-        </p:nvSpPr>
-        <p:spPr>
-          <a:xfrm>
-            <a:off x="0" y="0"/>
-            <a:ext cx="9144000" cy="5169000"/>
-          </a:xfrm>
-          <a:prstGeom prst="rect">
-            <a:avLst/>
-          </a:prstGeom>
-          <a:solidFill>
-            <a:schemeClr val="tx1">
-              <a:alpha val="26540"/>
-            </a:schemeClr>
-          </a:solidFill>
-          <a:ln>
-            <a:noFill/>
-          </a:ln>
-        </p:spPr>
-        <p:txBody>
-          <a:bodyPr lIns="91425" tIns="91425" rIns="91425" bIns="91425" anchor="ctr" anchorCtr="0">
-            <a:noAutofit/>
-          </a:bodyPr>
-          <a:lstStyle/>
-          <a:p>
-            <a:endParaRPr/>
-          </a:p>
-        </p:txBody>
-      </p:sp>
-      <p:sp>
-        <p:nvSpPr>
-          <p:cNvPr id="49" name="Shape 49"/>
-          <p:cNvSpPr/>
-          <p:nvPr/>
-        </p:nvSpPr>
-        <p:spPr>
-          <a:xfrm>
-            <a:off x="1190100" y="4470400"/>
-            <a:ext cx="6763800" cy="673199"/>
-          </a:xfrm>
-          <a:prstGeom prst="rect">
-            <a:avLst/>
-          </a:prstGeom>
-          <a:solidFill>
-            <a:srgbClr val="00B2FF">
-              <a:alpha val="73330"/>
-            </a:srgbClr>
-          </a:solidFill>
-          <a:ln>
-            <a:noFill/>
-          </a:ln>
-        </p:spPr>
-        <p:txBody>
-          <a:bodyPr lIns="91425" tIns="91425" rIns="91425" bIns="91425" anchor="ctr" anchorCtr="0">
-            <a:noAutofit/>
-          </a:bodyPr>
-          <a:lstStyle/>
-          <a:p>
-            <a:endParaRPr/>
-          </a:p>
-        </p:txBody>
-      </p:sp>
-      <p:sp>
-        <p:nvSpPr>
-          <p:cNvPr id="50" name="Shape 50"/>
-          <p:cNvSpPr txBox="1">
-            <a:spLocks noGrp="1"/>
-          </p:cNvSpPr>
-          <p:nvPr>
-            <p:ph type="body" idx="1"/>
-          </p:nvPr>
-        </p:nvSpPr>
-        <p:spPr>
-          <a:xfrm>
-            <a:off x="1190100" y="4470500"/>
-            <a:ext cx="6763800" cy="673199"/>
-          </a:xfrm>
-          <a:prstGeom prst="rect">
-            <a:avLst/>
-          </a:prstGeom>
-          <a:noFill/>
-          <a:ln>
-            <a:noFill/>
-          </a:ln>
-        </p:spPr>
-        <p:txBody>
-          <a:bodyPr lIns="91425" tIns="91425" rIns="91425" bIns="91425" anchor="ctr" anchorCtr="0"/>
-          <a:lstStyle>
-            <a:lvl1pPr lvl="0" algn="ctr">
-              <a:spcBef>
-                <a:spcPts val="360"/>
-              </a:spcBef>
-              <a:buClr>
-                <a:srgbClr val="FFFFFF"/>
-              </a:buClr>
-              <a:buFont typeface="Muli"/>
-              <a:buNone/>
-              <a:defRPr>
-                <a:solidFill>
-                  <a:srgbClr val="FFFFFF"/>
-                </a:solidFill>
-                <a:latin typeface="Muli"/>
-                <a:ea typeface="Muli"/>
-                <a:cs typeface="Muli"/>
-                <a:sym typeface="Muli"/>
-              </a:defRPr>
-            </a:lvl1pPr>
-          </a:lstStyle>
-          <a:p>
-            <a:endParaRPr/>
-          </a:p>
-        </p:txBody>
-      </p:sp>
-    </p:spTree>
-    <p:extLst>
-      <p:ext uri="{BB962C8B-B14F-4D97-AF65-F5344CB8AC3E}">
-        <p14:creationId xmlns:p14="http://schemas.microsoft.com/office/powerpoint/2010/main" val="1097823452"/>
-      </p:ext>
-    </p:extLst>
-  </p:cSld>
-  <p:clrMapOvr>
-    <a:masterClrMapping/>
-  </p:clrMapOvr>
-</p:sldLayout>
-</file>
-
-<file path=ppt/slideLayouts/slideLayout2.xml><?xml version="1.0" encoding="utf-8"?>
-<p:sldLayout xmlns:a="http://schemas.openxmlformats.org/drawingml/2006/main" xmlns:r="http://schemas.openxmlformats.org/officeDocument/2006/relationships" xmlns:p="http://schemas.openxmlformats.org/presentationml/2006/main">
-  <p:cSld name="Subtitle">
-    <p:bg>
-      <p:bgPr>
-        <a:blipFill>
-          <a:blip r:embed="rId2">
-            <a:alphaModFix/>
-          </a:blip>
-          <a:stretch>
-            <a:fillRect/>
-          </a:stretch>
-        </a:blipFill>
-        <a:effectLst/>
-      </p:bgPr>
-    </p:bg>
-    <p:spTree>
-      <p:nvGrpSpPr>
-        <p:cNvPr id="1" name="Shape 12"/>
-        <p:cNvGrpSpPr/>
-        <p:nvPr/>
-      </p:nvGrpSpPr>
-      <p:grpSpPr>
-        <a:xfrm>
-          <a:off x="0" y="0"/>
-          <a:ext cx="0" cy="0"/>
-          <a:chOff x="0" y="0"/>
-          <a:chExt cx="0" cy="0"/>
-        </a:xfrm>
-      </p:grpSpPr>
-      <p:sp>
-        <p:nvSpPr>
-          <p:cNvPr id="13" name="Shape 13"/>
-          <p:cNvSpPr/>
-          <p:nvPr/>
-        </p:nvSpPr>
-        <p:spPr>
-          <a:xfrm>
-            <a:off x="0" y="0"/>
-            <a:ext cx="9144000" cy="5169000"/>
-          </a:xfrm>
-          <a:prstGeom prst="rect">
-            <a:avLst/>
-          </a:prstGeom>
-          <a:solidFill>
-            <a:schemeClr val="tx1">
-              <a:alpha val="26540"/>
-            </a:schemeClr>
-          </a:solidFill>
-          <a:ln>
-            <a:noFill/>
-          </a:ln>
-        </p:spPr>
-        <p:txBody>
-          <a:bodyPr lIns="91425" tIns="91425" rIns="91425" bIns="91425" anchor="ctr" anchorCtr="0">
-            <a:noAutofit/>
-          </a:bodyPr>
-          <a:lstStyle/>
-          <a:p>
-            <a:pPr lvl="0">
-              <a:spcBef>
-                <a:spcPts val="0"/>
-              </a:spcBef>
-              <a:buNone/>
-            </a:pPr>
-            <a:endParaRPr/>
-          </a:p>
-        </p:txBody>
-      </p:sp>
-      <p:sp>
-        <p:nvSpPr>
-          <p:cNvPr id="14" name="Shape 14"/>
-          <p:cNvSpPr/>
-          <p:nvPr/>
-        </p:nvSpPr>
-        <p:spPr>
-          <a:xfrm>
-            <a:off x="2525575" y="525325"/>
-            <a:ext cx="4092900" cy="4092900"/>
-          </a:xfrm>
-          <a:prstGeom prst="diamond">
-            <a:avLst/>
-          </a:prstGeom>
-          <a:solidFill>
-            <a:srgbClr val="00B2FF">
-              <a:alpha val="73330"/>
-            </a:srgbClr>
-          </a:solidFill>
-          <a:ln>
-            <a:noFill/>
-          </a:ln>
-        </p:spPr>
-        <p:txBody>
-          <a:bodyPr lIns="91425" tIns="91425" rIns="91425" bIns="91425" anchor="ctr" anchorCtr="0">
-            <a:noAutofit/>
-          </a:bodyPr>
-          <a:lstStyle/>
-          <a:p>
-            <a:pPr lvl="0">
-              <a:spcBef>
-                <a:spcPts val="0"/>
-              </a:spcBef>
-              <a:buNone/>
-            </a:pPr>
-            <a:endParaRPr/>
-          </a:p>
-        </p:txBody>
-      </p:sp>
-      <p:sp>
-        <p:nvSpPr>
-          <p:cNvPr id="15" name="Shape 15"/>
-          <p:cNvSpPr txBox="1">
-            <a:spLocks noGrp="1"/>
-          </p:cNvSpPr>
-          <p:nvPr>
-            <p:ph type="subTitle" idx="1"/>
-          </p:nvPr>
-        </p:nvSpPr>
-        <p:spPr>
-          <a:xfrm>
-            <a:off x="3009350" y="2573875"/>
-            <a:ext cx="3086700" cy="2044500"/>
-          </a:xfrm>
-          <a:prstGeom prst="rect">
-            <a:avLst/>
-          </a:prstGeom>
-          <a:noFill/>
-          <a:ln>
-            <a:noFill/>
-          </a:ln>
-        </p:spPr>
-        <p:txBody>
-          <a:bodyPr lIns="91425" tIns="91425" rIns="91425" bIns="91425" anchor="t" anchorCtr="0"/>
-          <a:lstStyle>
-            <a:lvl1pPr lvl="0" algn="ctr" rtl="0">
-              <a:spcBef>
-                <a:spcPts val="0"/>
-              </a:spcBef>
-              <a:buClr>
-                <a:srgbClr val="FFFFFF"/>
-              </a:buClr>
-              <a:buFont typeface="Muli"/>
-              <a:buNone/>
-              <a:defRPr>
-                <a:solidFill>
-                  <a:srgbClr val="FFFFFF"/>
-                </a:solidFill>
-                <a:latin typeface="Muli"/>
-                <a:ea typeface="Muli"/>
-                <a:cs typeface="Muli"/>
-                <a:sym typeface="Muli"/>
-              </a:defRPr>
-            </a:lvl1pPr>
-            <a:lvl2pPr lvl="1" algn="ctr" rtl="0">
-              <a:spcBef>
-                <a:spcPts val="0"/>
-              </a:spcBef>
-              <a:buClr>
-                <a:srgbClr val="FFFFFF"/>
-              </a:buClr>
-              <a:buFont typeface="Muli"/>
-              <a:buNone/>
-              <a:defRPr>
-                <a:solidFill>
-                  <a:srgbClr val="FFFFFF"/>
-                </a:solidFill>
-                <a:latin typeface="Muli"/>
-                <a:ea typeface="Muli"/>
-                <a:cs typeface="Muli"/>
-                <a:sym typeface="Muli"/>
-              </a:defRPr>
-            </a:lvl2pPr>
-            <a:lvl3pPr lvl="2" algn="ctr" rtl="0">
-              <a:spcBef>
-                <a:spcPts val="0"/>
-              </a:spcBef>
-              <a:buClr>
-                <a:srgbClr val="FFFFFF"/>
-              </a:buClr>
-              <a:buFont typeface="Muli"/>
-              <a:buNone/>
-              <a:defRPr>
-                <a:solidFill>
-                  <a:srgbClr val="FFFFFF"/>
-                </a:solidFill>
-                <a:latin typeface="Muli"/>
-                <a:ea typeface="Muli"/>
-                <a:cs typeface="Muli"/>
-                <a:sym typeface="Muli"/>
-              </a:defRPr>
-            </a:lvl3pPr>
-            <a:lvl4pPr lvl="3" algn="ctr" rtl="0">
-              <a:spcBef>
-                <a:spcPts val="0"/>
-              </a:spcBef>
-              <a:buClr>
-                <a:srgbClr val="FFFFFF"/>
-              </a:buClr>
-              <a:buFont typeface="Muli"/>
-              <a:buNone/>
-              <a:defRPr>
-                <a:solidFill>
-                  <a:srgbClr val="FFFFFF"/>
-                </a:solidFill>
-                <a:latin typeface="Muli"/>
-                <a:ea typeface="Muli"/>
-                <a:cs typeface="Muli"/>
-                <a:sym typeface="Muli"/>
-              </a:defRPr>
-            </a:lvl4pPr>
-            <a:lvl5pPr lvl="4" algn="ctr" rtl="0">
-              <a:spcBef>
-                <a:spcPts val="0"/>
-              </a:spcBef>
-              <a:buClr>
-                <a:srgbClr val="FFFFFF"/>
-              </a:buClr>
-              <a:buFont typeface="Muli"/>
-              <a:buNone/>
-              <a:defRPr>
-                <a:solidFill>
-                  <a:srgbClr val="FFFFFF"/>
-                </a:solidFill>
-                <a:latin typeface="Muli"/>
-                <a:ea typeface="Muli"/>
-                <a:cs typeface="Muli"/>
-                <a:sym typeface="Muli"/>
-              </a:defRPr>
-            </a:lvl5pPr>
-            <a:lvl6pPr lvl="5" algn="ctr" rtl="0">
-              <a:spcBef>
-                <a:spcPts val="0"/>
-              </a:spcBef>
-              <a:buClr>
-                <a:srgbClr val="FFFFFF"/>
-              </a:buClr>
-              <a:buFont typeface="Muli"/>
-              <a:buNone/>
-              <a:defRPr>
-                <a:solidFill>
-                  <a:srgbClr val="FFFFFF"/>
-                </a:solidFill>
-                <a:latin typeface="Muli"/>
-                <a:ea typeface="Muli"/>
-                <a:cs typeface="Muli"/>
-                <a:sym typeface="Muli"/>
-              </a:defRPr>
-            </a:lvl6pPr>
-            <a:lvl7pPr lvl="6" algn="ctr" rtl="0">
-              <a:spcBef>
-                <a:spcPts val="0"/>
-              </a:spcBef>
-              <a:buClr>
-                <a:srgbClr val="FFFFFF"/>
-              </a:buClr>
-              <a:buFont typeface="Muli"/>
-              <a:buNone/>
-              <a:defRPr>
-                <a:solidFill>
-                  <a:srgbClr val="FFFFFF"/>
-                </a:solidFill>
-                <a:latin typeface="Muli"/>
-                <a:ea typeface="Muli"/>
-                <a:cs typeface="Muli"/>
-                <a:sym typeface="Muli"/>
-              </a:defRPr>
-            </a:lvl7pPr>
-            <a:lvl8pPr lvl="7" algn="ctr" rtl="0">
-              <a:spcBef>
-                <a:spcPts val="0"/>
-              </a:spcBef>
-              <a:buClr>
-                <a:srgbClr val="FFFFFF"/>
-              </a:buClr>
-              <a:buFont typeface="Muli"/>
-              <a:buNone/>
-              <a:defRPr>
-                <a:solidFill>
-                  <a:srgbClr val="FFFFFF"/>
-                </a:solidFill>
-                <a:latin typeface="Muli"/>
-                <a:ea typeface="Muli"/>
-                <a:cs typeface="Muli"/>
-                <a:sym typeface="Muli"/>
-              </a:defRPr>
-            </a:lvl8pPr>
-            <a:lvl9pPr lvl="8" algn="ctr" rtl="0">
-              <a:spcBef>
-                <a:spcPts val="0"/>
-              </a:spcBef>
-              <a:buClr>
-                <a:srgbClr val="FFFFFF"/>
-              </a:buClr>
-              <a:buFont typeface="Muli"/>
-              <a:buNone/>
-              <a:defRPr>
-                <a:solidFill>
-                  <a:srgbClr val="FFFFFF"/>
-                </a:solidFill>
-                <a:latin typeface="Muli"/>
-                <a:ea typeface="Muli"/>
-                <a:cs typeface="Muli"/>
-                <a:sym typeface="Muli"/>
-              </a:defRPr>
-            </a:lvl9pPr>
-          </a:lstStyle>
-          <a:p>
-            <a:endParaRPr/>
-          </a:p>
-        </p:txBody>
-      </p:sp>
-      <p:sp>
-        <p:nvSpPr>
-          <p:cNvPr id="16" name="Shape 16"/>
-          <p:cNvSpPr txBox="1">
-            <a:spLocks noGrp="1"/>
-          </p:cNvSpPr>
-          <p:nvPr>
-            <p:ph type="title"/>
-          </p:nvPr>
-        </p:nvSpPr>
-        <p:spPr>
-          <a:xfrm>
-            <a:off x="3048000" y="529375"/>
-            <a:ext cx="3048000" cy="2044500"/>
-          </a:xfrm>
-          <a:prstGeom prst="rect">
-            <a:avLst/>
-          </a:prstGeom>
-          <a:noFill/>
-          <a:ln>
-            <a:noFill/>
-          </a:ln>
-        </p:spPr>
-        <p:txBody>
-          <a:bodyPr lIns="91425" tIns="91425" rIns="91425" bIns="91425" anchor="b" anchorCtr="0"/>
-          <a:lstStyle>
-            <a:lvl1pPr lvl="0" algn="ctr" rtl="0">
-              <a:spcBef>
-                <a:spcPts val="0"/>
-              </a:spcBef>
-              <a:buNone/>
-              <a:defRPr sz="2400"/>
-            </a:lvl1pPr>
-            <a:lvl2pPr lvl="1" rtl="0">
-              <a:spcBef>
-                <a:spcPts val="0"/>
-              </a:spcBef>
-              <a:buNone/>
-              <a:defRPr sz="2400"/>
-            </a:lvl2pPr>
-            <a:lvl3pPr lvl="2" rtl="0">
-              <a:spcBef>
-                <a:spcPts val="0"/>
-              </a:spcBef>
-              <a:buNone/>
-              <a:defRPr sz="2400"/>
-            </a:lvl3pPr>
-            <a:lvl4pPr lvl="3" rtl="0">
-              <a:spcBef>
-                <a:spcPts val="0"/>
-              </a:spcBef>
-              <a:buNone/>
-              <a:defRPr sz="2400"/>
-            </a:lvl4pPr>
-            <a:lvl5pPr lvl="4" rtl="0">
-              <a:spcBef>
-                <a:spcPts val="0"/>
-              </a:spcBef>
-              <a:buNone/>
-              <a:defRPr sz="2400"/>
-            </a:lvl5pPr>
-            <a:lvl6pPr lvl="5" rtl="0">
-              <a:spcBef>
-                <a:spcPts val="0"/>
-              </a:spcBef>
-              <a:buNone/>
-              <a:defRPr sz="2400"/>
-            </a:lvl6pPr>
-            <a:lvl7pPr lvl="6" rtl="0">
-              <a:spcBef>
-                <a:spcPts val="0"/>
-              </a:spcBef>
-              <a:buNone/>
-              <a:defRPr sz="2400"/>
-            </a:lvl7pPr>
-            <a:lvl8pPr lvl="7" rtl="0">
-              <a:spcBef>
-                <a:spcPts val="0"/>
-              </a:spcBef>
-              <a:buNone/>
-              <a:defRPr sz="2400"/>
-            </a:lvl8pPr>
-            <a:lvl9pPr lvl="8" rtl="0">
-              <a:spcBef>
-                <a:spcPts val="0"/>
-              </a:spcBef>
-              <a:buNone/>
-              <a:defRPr sz="2400"/>
-            </a:lvl9pPr>
-          </a:lstStyle>
-          <a:p>
-            <a:endParaRPr/>
-          </a:p>
-        </p:txBody>
-      </p:sp>
-    </p:spTree>
-  </p:cSld>
-  <p:clrMapOvr>
-    <a:masterClrMapping/>
-  </p:clrMapOvr>
-</p:sldLayout>
-</file>
-
-<file path=ppt/slideLayouts/slideLayout3.xml><?xml version="1.0" encoding="utf-8"?>
-<p:sldLayout xmlns:a="http://schemas.openxmlformats.org/drawingml/2006/main" xmlns:r="http://schemas.openxmlformats.org/officeDocument/2006/relationships" xmlns:p="http://schemas.openxmlformats.org/presentationml/2006/main" type="tx">
-  <p:cSld name="Title + 1 column">
-    <p:bg>
-      <p:bgPr>
-        <a:blipFill>
-          <a:blip r:embed="rId2">
-            <a:alphaModFix/>
-          </a:blip>
-          <a:stretch>
-            <a:fillRect/>
-          </a:stretch>
-        </a:blipFill>
-        <a:effectLst/>
-      </p:bgPr>
-    </p:bg>
-    <p:spTree>
-      <p:nvGrpSpPr>
-        <p:cNvPr id="1" name="Shape 21"/>
-        <p:cNvGrpSpPr/>
-        <p:nvPr/>
-      </p:nvGrpSpPr>
-      <p:grpSpPr>
-        <a:xfrm>
-          <a:off x="0" y="0"/>
-          <a:ext cx="0" cy="0"/>
-          <a:chOff x="0" y="0"/>
-          <a:chExt cx="0" cy="0"/>
-        </a:xfrm>
-      </p:grpSpPr>
-      <p:sp>
-        <p:nvSpPr>
-          <p:cNvPr id="22" name="Shape 22"/>
-          <p:cNvSpPr/>
-          <p:nvPr/>
-        </p:nvSpPr>
-        <p:spPr>
-          <a:xfrm>
-            <a:off x="0" y="0"/>
-            <a:ext cx="9144000" cy="5169000"/>
-          </a:xfrm>
-          <a:prstGeom prst="rect">
-            <a:avLst/>
-          </a:prstGeom>
-          <a:solidFill>
-            <a:schemeClr val="tx1">
-              <a:alpha val="26540"/>
-            </a:schemeClr>
-          </a:solidFill>
-          <a:ln>
-            <a:noFill/>
-          </a:ln>
-        </p:spPr>
-        <p:txBody>
-          <a:bodyPr lIns="91425" tIns="91425" rIns="91425" bIns="91425" anchor="ctr" anchorCtr="0">
-            <a:noAutofit/>
-          </a:bodyPr>
-          <a:lstStyle/>
-          <a:p>
-            <a:pPr lvl="0">
-              <a:spcBef>
-                <a:spcPts val="0"/>
-              </a:spcBef>
-              <a:buNone/>
-            </a:pPr>
-            <a:endParaRPr/>
-          </a:p>
-        </p:txBody>
-      </p:sp>
-      <p:sp>
-        <p:nvSpPr>
-          <p:cNvPr id="23" name="Shape 23"/>
-          <p:cNvSpPr/>
-          <p:nvPr/>
-        </p:nvSpPr>
-        <p:spPr>
-          <a:xfrm>
-            <a:off x="2380350" y="0"/>
-            <a:ext cx="6763800" cy="5143499"/>
-          </a:xfrm>
-          <a:prstGeom prst="rect">
-            <a:avLst/>
-          </a:prstGeom>
-          <a:solidFill>
-            <a:srgbClr val="00B2FF">
-              <a:alpha val="73330"/>
-            </a:srgbClr>
-          </a:solidFill>
-          <a:ln>
-            <a:noFill/>
-          </a:ln>
-        </p:spPr>
-        <p:txBody>
-          <a:bodyPr lIns="91425" tIns="91425" rIns="91425" bIns="91425" anchor="ctr" anchorCtr="0">
-            <a:noAutofit/>
-          </a:bodyPr>
-          <a:lstStyle/>
-          <a:p>
-            <a:pPr lvl="0">
-              <a:spcBef>
-                <a:spcPts val="0"/>
-              </a:spcBef>
-              <a:buNone/>
-            </a:pPr>
-            <a:endParaRPr/>
-          </a:p>
-        </p:txBody>
-      </p:sp>
-      <p:sp>
-        <p:nvSpPr>
-          <p:cNvPr id="24" name="Shape 24"/>
-          <p:cNvSpPr txBox="1">
-            <a:spLocks noGrp="1"/>
-          </p:cNvSpPr>
-          <p:nvPr>
-            <p:ph type="title"/>
-          </p:nvPr>
-        </p:nvSpPr>
-        <p:spPr>
-          <a:xfrm>
-            <a:off x="2902775" y="302375"/>
-            <a:ext cx="5718600" cy="503099"/>
-          </a:xfrm>
-          <a:prstGeom prst="rect">
-            <a:avLst/>
-          </a:prstGeom>
-        </p:spPr>
-        <p:txBody>
-          <a:bodyPr lIns="91425" tIns="91425" rIns="91425" bIns="91425" anchor="t" anchorCtr="0"/>
-          <a:lstStyle>
-            <a:lvl1pPr lvl="0" rtl="0">
-              <a:spcBef>
-                <a:spcPts val="0"/>
-              </a:spcBef>
-              <a:buNone/>
-              <a:defRPr sz="1800" b="1">
-                <a:solidFill>
-                  <a:srgbClr val="FFFFFF"/>
-                </a:solidFill>
-                <a:latin typeface="Muli"/>
-                <a:ea typeface="Muli"/>
-                <a:cs typeface="Muli"/>
-                <a:sym typeface="Muli"/>
-              </a:defRPr>
-            </a:lvl1pPr>
-            <a:lvl2pPr lvl="1" rtl="0">
-              <a:spcBef>
-                <a:spcPts val="0"/>
-              </a:spcBef>
-              <a:buNone/>
-              <a:defRPr sz="1800" b="1">
-                <a:solidFill>
-                  <a:srgbClr val="FFFFFF"/>
-                </a:solidFill>
-                <a:latin typeface="Muli"/>
-                <a:ea typeface="Muli"/>
-                <a:cs typeface="Muli"/>
-                <a:sym typeface="Muli"/>
-              </a:defRPr>
-            </a:lvl2pPr>
-            <a:lvl3pPr lvl="2" rtl="0">
-              <a:spcBef>
-                <a:spcPts val="0"/>
-              </a:spcBef>
-              <a:buNone/>
-              <a:defRPr sz="1800" b="1">
-                <a:solidFill>
-                  <a:srgbClr val="FFFFFF"/>
-                </a:solidFill>
-                <a:latin typeface="Muli"/>
-                <a:ea typeface="Muli"/>
-                <a:cs typeface="Muli"/>
-                <a:sym typeface="Muli"/>
-              </a:defRPr>
-            </a:lvl3pPr>
-            <a:lvl4pPr lvl="3" rtl="0">
-              <a:spcBef>
-                <a:spcPts val="0"/>
-              </a:spcBef>
-              <a:buNone/>
-              <a:defRPr sz="1800" b="1">
-                <a:solidFill>
-                  <a:srgbClr val="FFFFFF"/>
-                </a:solidFill>
-                <a:latin typeface="Muli"/>
-                <a:ea typeface="Muli"/>
-                <a:cs typeface="Muli"/>
-                <a:sym typeface="Muli"/>
-              </a:defRPr>
-            </a:lvl4pPr>
-            <a:lvl5pPr lvl="4" rtl="0">
-              <a:spcBef>
-                <a:spcPts val="0"/>
-              </a:spcBef>
-              <a:buNone/>
-              <a:defRPr sz="1800" b="1">
-                <a:solidFill>
-                  <a:srgbClr val="FFFFFF"/>
-                </a:solidFill>
-                <a:latin typeface="Muli"/>
-                <a:ea typeface="Muli"/>
-                <a:cs typeface="Muli"/>
-                <a:sym typeface="Muli"/>
-              </a:defRPr>
-            </a:lvl5pPr>
-            <a:lvl6pPr lvl="5" rtl="0">
-              <a:spcBef>
-                <a:spcPts val="0"/>
-              </a:spcBef>
-              <a:buNone/>
-              <a:defRPr sz="1800" b="1">
-                <a:solidFill>
-                  <a:srgbClr val="FFFFFF"/>
-                </a:solidFill>
-                <a:latin typeface="Muli"/>
-                <a:ea typeface="Muli"/>
-                <a:cs typeface="Muli"/>
-                <a:sym typeface="Muli"/>
-              </a:defRPr>
-            </a:lvl6pPr>
-            <a:lvl7pPr lvl="6" rtl="0">
-              <a:spcBef>
-                <a:spcPts val="0"/>
-              </a:spcBef>
-              <a:buNone/>
-              <a:defRPr sz="1800" b="1">
-                <a:solidFill>
-                  <a:srgbClr val="FFFFFF"/>
-                </a:solidFill>
-                <a:latin typeface="Muli"/>
-                <a:ea typeface="Muli"/>
-                <a:cs typeface="Muli"/>
-                <a:sym typeface="Muli"/>
-              </a:defRPr>
-            </a:lvl7pPr>
-            <a:lvl8pPr lvl="7" rtl="0">
-              <a:spcBef>
-                <a:spcPts val="0"/>
-              </a:spcBef>
-              <a:buNone/>
-              <a:defRPr sz="1800" b="1">
-                <a:solidFill>
-                  <a:srgbClr val="FFFFFF"/>
-                </a:solidFill>
-                <a:latin typeface="Muli"/>
-                <a:ea typeface="Muli"/>
-                <a:cs typeface="Muli"/>
-                <a:sym typeface="Muli"/>
-              </a:defRPr>
-            </a:lvl8pPr>
-            <a:lvl9pPr lvl="8" rtl="0">
-              <a:spcBef>
-                <a:spcPts val="0"/>
-              </a:spcBef>
-              <a:buNone/>
-              <a:defRPr sz="1800" b="1">
-                <a:solidFill>
-                  <a:srgbClr val="FFFFFF"/>
-                </a:solidFill>
-                <a:latin typeface="Muli"/>
-                <a:ea typeface="Muli"/>
-                <a:cs typeface="Muli"/>
-                <a:sym typeface="Muli"/>
-              </a:defRPr>
-            </a:lvl9pPr>
-          </a:lstStyle>
-          <a:p>
-            <a:endParaRPr/>
-          </a:p>
-        </p:txBody>
-      </p:sp>
-      <p:sp>
-        <p:nvSpPr>
-          <p:cNvPr id="25" name="Shape 25"/>
-          <p:cNvSpPr txBox="1">
-            <a:spLocks noGrp="1"/>
-          </p:cNvSpPr>
-          <p:nvPr>
-            <p:ph type="body" idx="1"/>
-          </p:nvPr>
-        </p:nvSpPr>
-        <p:spPr>
-          <a:xfrm>
-            <a:off x="2902950" y="1509475"/>
-            <a:ext cx="5718600" cy="3125100"/>
-          </a:xfrm>
-          <a:prstGeom prst="rect">
-            <a:avLst/>
-          </a:prstGeom>
-        </p:spPr>
-        <p:txBody>
-          <a:bodyPr lIns="91425" tIns="91425" rIns="91425" bIns="91425" anchor="t" anchorCtr="0"/>
-          <a:lstStyle>
-            <a:lvl1pPr lvl="0" rtl="0">
-              <a:spcBef>
-                <a:spcPts val="0"/>
-              </a:spcBef>
-              <a:buClr>
-                <a:srgbClr val="FFFFFF"/>
-              </a:buClr>
-              <a:buSzPct val="83333"/>
-              <a:buFont typeface="Muli"/>
-              <a:buChar char="➜"/>
-              <a:defRPr sz="2400">
-                <a:solidFill>
-                  <a:srgbClr val="FFFFFF"/>
-                </a:solidFill>
-                <a:latin typeface="Muli"/>
-                <a:ea typeface="Muli"/>
-                <a:cs typeface="Muli"/>
-                <a:sym typeface="Muli"/>
-              </a:defRPr>
-            </a:lvl1pPr>
-            <a:lvl2pPr lvl="1" rtl="0">
-              <a:spcBef>
-                <a:spcPts val="0"/>
-              </a:spcBef>
-              <a:buClr>
-                <a:srgbClr val="FFFFFF"/>
-              </a:buClr>
-              <a:buSzPct val="75000"/>
-              <a:buFont typeface="Muli"/>
-              <a:defRPr sz="2400">
-                <a:solidFill>
-                  <a:srgbClr val="FFFFFF"/>
-                </a:solidFill>
-                <a:latin typeface="Muli"/>
-                <a:ea typeface="Muli"/>
-                <a:cs typeface="Muli"/>
-                <a:sym typeface="Muli"/>
-              </a:defRPr>
-            </a:lvl2pPr>
-            <a:lvl3pPr lvl="2" rtl="0">
-              <a:spcBef>
-                <a:spcPts val="0"/>
-              </a:spcBef>
-              <a:buClr>
-                <a:srgbClr val="FFFFFF"/>
-              </a:buClr>
-              <a:buSzPct val="100000"/>
-              <a:buFont typeface="Muli"/>
-              <a:defRPr sz="2400">
-                <a:solidFill>
-                  <a:srgbClr val="FFFFFF"/>
-                </a:solidFill>
-                <a:latin typeface="Muli"/>
-                <a:ea typeface="Muli"/>
-                <a:cs typeface="Muli"/>
-                <a:sym typeface="Muli"/>
-              </a:defRPr>
-            </a:lvl3pPr>
-            <a:lvl4pPr lvl="3" rtl="0">
-              <a:spcBef>
-                <a:spcPts val="0"/>
-              </a:spcBef>
-              <a:buClr>
-                <a:srgbClr val="FFFFFF"/>
-              </a:buClr>
-              <a:buSzPct val="100000"/>
-              <a:buFont typeface="Muli"/>
-              <a:defRPr sz="2400">
-                <a:solidFill>
-                  <a:srgbClr val="FFFFFF"/>
-                </a:solidFill>
-                <a:latin typeface="Muli"/>
-                <a:ea typeface="Muli"/>
-                <a:cs typeface="Muli"/>
-                <a:sym typeface="Muli"/>
-              </a:defRPr>
-            </a:lvl4pPr>
-            <a:lvl5pPr lvl="4" rtl="0">
-              <a:spcBef>
-                <a:spcPts val="0"/>
-              </a:spcBef>
-              <a:buClr>
-                <a:srgbClr val="FFFFFF"/>
-              </a:buClr>
-              <a:buSzPct val="100000"/>
-              <a:buFont typeface="Muli"/>
-              <a:defRPr sz="2400">
-                <a:solidFill>
-                  <a:srgbClr val="FFFFFF"/>
-                </a:solidFill>
-                <a:latin typeface="Muli"/>
-                <a:ea typeface="Muli"/>
-                <a:cs typeface="Muli"/>
-                <a:sym typeface="Muli"/>
-              </a:defRPr>
-            </a:lvl5pPr>
-            <a:lvl6pPr lvl="5" rtl="0">
-              <a:spcBef>
-                <a:spcPts val="0"/>
-              </a:spcBef>
-              <a:buClr>
-                <a:srgbClr val="FFFFFF"/>
-              </a:buClr>
-              <a:buSzPct val="100000"/>
-              <a:buFont typeface="Muli"/>
-              <a:defRPr sz="2400">
-                <a:solidFill>
-                  <a:srgbClr val="FFFFFF"/>
-                </a:solidFill>
-                <a:latin typeface="Muli"/>
-                <a:ea typeface="Muli"/>
-                <a:cs typeface="Muli"/>
-                <a:sym typeface="Muli"/>
-              </a:defRPr>
-            </a:lvl6pPr>
-            <a:lvl7pPr lvl="6" rtl="0">
-              <a:spcBef>
-                <a:spcPts val="0"/>
-              </a:spcBef>
-              <a:buClr>
-                <a:srgbClr val="FFFFFF"/>
-              </a:buClr>
-              <a:buSzPct val="100000"/>
-              <a:buFont typeface="Muli"/>
-              <a:defRPr sz="2400">
-                <a:solidFill>
-                  <a:srgbClr val="FFFFFF"/>
-                </a:solidFill>
-                <a:latin typeface="Muli"/>
-                <a:ea typeface="Muli"/>
-                <a:cs typeface="Muli"/>
-                <a:sym typeface="Muli"/>
-              </a:defRPr>
-            </a:lvl7pPr>
-            <a:lvl8pPr lvl="7" rtl="0">
-              <a:spcBef>
-                <a:spcPts val="0"/>
-              </a:spcBef>
-              <a:buClr>
-                <a:srgbClr val="FFFFFF"/>
-              </a:buClr>
-              <a:buSzPct val="100000"/>
-              <a:buFont typeface="Muli"/>
-              <a:defRPr sz="2400">
-                <a:solidFill>
-                  <a:srgbClr val="FFFFFF"/>
-                </a:solidFill>
-                <a:latin typeface="Muli"/>
-                <a:ea typeface="Muli"/>
-                <a:cs typeface="Muli"/>
-                <a:sym typeface="Muli"/>
-              </a:defRPr>
-            </a:lvl8pPr>
-            <a:lvl9pPr lvl="8" rtl="0">
-              <a:spcBef>
-                <a:spcPts val="0"/>
-              </a:spcBef>
-              <a:buClr>
-                <a:srgbClr val="FFFFFF"/>
-              </a:buClr>
-              <a:buSzPct val="100000"/>
-              <a:buFont typeface="Muli"/>
-              <a:defRPr sz="2400">
-                <a:solidFill>
-                  <a:srgbClr val="FFFFFF"/>
-                </a:solidFill>
-                <a:latin typeface="Muli"/>
-                <a:ea typeface="Muli"/>
-                <a:cs typeface="Muli"/>
-                <a:sym typeface="Muli"/>
-              </a:defRPr>
-            </a:lvl9pPr>
-          </a:lstStyle>
-          <a:p>
-            <a:endParaRPr/>
-          </a:p>
-        </p:txBody>
-      </p:sp>
-    </p:spTree>
-  </p:cSld>
-  <p:clrMapOvr>
-    <a:masterClrMapping/>
-  </p:clrMapOvr>
-</p:sldLayout>
-</file>
-
-<file path=ppt/slideLayouts/slideLayout4.xml><?xml version="1.0" encoding="utf-8"?>
-<p:sldLayout xmlns:a="http://schemas.openxmlformats.org/drawingml/2006/main" xmlns:r="http://schemas.openxmlformats.org/officeDocument/2006/relationships" xmlns:p="http://schemas.openxmlformats.org/presentationml/2006/main" type="blank">
-  <p:cSld name="Blank">
-    <p:bg>
-      <p:bgPr>
-        <a:solidFill>
-          <a:srgbClr val="FFFFFF"/>
-        </a:solidFill>
-        <a:effectLst/>
-      </p:bgPr>
-    </p:bg>
-    <p:spTree>
-      <p:nvGrpSpPr>
-        <p:cNvPr id="1" name="Shape 51"/>
-        <p:cNvGrpSpPr/>
-        <p:nvPr/>
-      </p:nvGrpSpPr>
-      <p:grpSpPr>
-        <a:xfrm>
-          <a:off x="0" y="0"/>
-          <a:ext cx="0" cy="0"/>
-          <a:chOff x="0" y="0"/>
-          <a:chExt cx="0" cy="0"/>
-        </a:xfrm>
-      </p:grpSpPr>
-    </p:spTree>
-  </p:cSld>
-  <p:clrMapOvr>
-    <a:masterClrMapping/>
-  </p:clrMapOvr>
-</p:sldLayout>
-</file>
-
-<file path=ppt/slideLayouts/slideLayout5.xml><?xml version="1.0" encoding="utf-8"?>
-<p:sldLayout xmlns:a="http://schemas.openxmlformats.org/drawingml/2006/main" xmlns:r="http://schemas.openxmlformats.org/officeDocument/2006/relationships" xmlns:p="http://schemas.openxmlformats.org/presentationml/2006/main" type="title">
-  <p:cSld name="Title">
-    <p:bg>
-      <p:bgPr>
-        <a:blipFill>
-          <a:blip r:embed="rId2">
-            <a:alphaModFix/>
-          </a:blip>
-          <a:stretch>
-            <a:fillRect/>
-          </a:stretch>
-        </a:blipFill>
-        <a:effectLst/>
-      </p:bgPr>
-    </p:bg>
-    <p:spTree>
-      <p:nvGrpSpPr>
-        <p:cNvPr id="1" name="Shape 8"/>
-        <p:cNvGrpSpPr/>
-        <p:nvPr/>
-      </p:nvGrpSpPr>
-      <p:grpSpPr>
-        <a:xfrm>
-          <a:off x="0" y="0"/>
-          <a:ext cx="0" cy="0"/>
-          <a:chOff x="0" y="0"/>
-          <a:chExt cx="0" cy="0"/>
-        </a:xfrm>
-      </p:grpSpPr>
-      <p:sp>
-        <p:nvSpPr>
-          <p:cNvPr id="9" name="Shape 9"/>
-          <p:cNvSpPr/>
-          <p:nvPr/>
-        </p:nvSpPr>
-        <p:spPr>
-          <a:xfrm>
-            <a:off x="0" y="0"/>
-            <a:ext cx="9144000" cy="5169000"/>
-          </a:xfrm>
-          <a:prstGeom prst="rect">
-            <a:avLst/>
-          </a:prstGeom>
-          <a:solidFill>
-            <a:schemeClr val="tx1">
-              <a:alpha val="26540"/>
-            </a:schemeClr>
-          </a:solidFill>
-          <a:ln>
-            <a:noFill/>
-          </a:ln>
-        </p:spPr>
-        <p:txBody>
-          <a:bodyPr lIns="91425" tIns="91425" rIns="91425" bIns="91425" anchor="ctr" anchorCtr="0">
-            <a:noAutofit/>
-          </a:bodyPr>
-          <a:lstStyle/>
-          <a:p>
-            <a:endParaRPr/>
-          </a:p>
-        </p:txBody>
-      </p:sp>
-      <p:sp>
-        <p:nvSpPr>
-          <p:cNvPr id="10" name="Shape 10"/>
-          <p:cNvSpPr/>
-          <p:nvPr/>
-        </p:nvSpPr>
-        <p:spPr>
-          <a:xfrm>
-            <a:off x="2748000" y="747750"/>
-            <a:ext cx="3647999" cy="3647999"/>
-          </a:xfrm>
-          <a:prstGeom prst="ellipse">
-            <a:avLst/>
-          </a:prstGeom>
-          <a:solidFill>
-            <a:srgbClr val="00B2FF">
-              <a:alpha val="73330"/>
-            </a:srgbClr>
-          </a:solidFill>
-          <a:ln>
-            <a:noFill/>
-          </a:ln>
-        </p:spPr>
-        <p:txBody>
-          <a:bodyPr lIns="91425" tIns="91425" rIns="91425" bIns="91425" anchor="ctr" anchorCtr="0">
-            <a:noAutofit/>
-          </a:bodyPr>
-          <a:lstStyle/>
-          <a:p>
-            <a:endParaRPr/>
-          </a:p>
-        </p:txBody>
-      </p:sp>
-      <p:sp>
-        <p:nvSpPr>
-          <p:cNvPr id="11" name="Shape 11"/>
-          <p:cNvSpPr txBox="1">
-            <a:spLocks noGrp="1"/>
-          </p:cNvSpPr>
-          <p:nvPr>
-            <p:ph type="title"/>
-          </p:nvPr>
-        </p:nvSpPr>
-        <p:spPr>
-          <a:xfrm>
-            <a:off x="2747950" y="747775"/>
-            <a:ext cx="3647999" cy="3647999"/>
-          </a:xfrm>
-          <a:prstGeom prst="rect">
-            <a:avLst/>
-          </a:prstGeom>
-        </p:spPr>
-        <p:txBody>
-          <a:bodyPr lIns="91425" tIns="91425" rIns="91425" bIns="91425" anchor="ctr" anchorCtr="0"/>
-          <a:lstStyle>
-            <a:lvl1pPr lvl="0" algn="ctr" rtl="0">
-              <a:spcBef>
-                <a:spcPts val="0"/>
-              </a:spcBef>
-              <a:buNone/>
-              <a:defRPr sz="2400"/>
-            </a:lvl1pPr>
-            <a:lvl2pPr lvl="1" rtl="0">
-              <a:spcBef>
-                <a:spcPts val="0"/>
-              </a:spcBef>
-              <a:buNone/>
-              <a:defRPr sz="2400"/>
-            </a:lvl2pPr>
-            <a:lvl3pPr lvl="2" rtl="0">
-              <a:spcBef>
-                <a:spcPts val="0"/>
-              </a:spcBef>
-              <a:buNone/>
-              <a:defRPr sz="2400"/>
-            </a:lvl3pPr>
-            <a:lvl4pPr lvl="3" rtl="0">
-              <a:spcBef>
-                <a:spcPts val="0"/>
-              </a:spcBef>
-              <a:buNone/>
-              <a:defRPr sz="2400"/>
-            </a:lvl4pPr>
-            <a:lvl5pPr lvl="4" rtl="0">
-              <a:spcBef>
-                <a:spcPts val="0"/>
-              </a:spcBef>
-              <a:buNone/>
-              <a:defRPr sz="2400"/>
-            </a:lvl5pPr>
-            <a:lvl6pPr lvl="5" rtl="0">
-              <a:spcBef>
-                <a:spcPts val="0"/>
-              </a:spcBef>
-              <a:buNone/>
-              <a:defRPr sz="2400"/>
-            </a:lvl6pPr>
-            <a:lvl7pPr lvl="6" rtl="0">
-              <a:spcBef>
-                <a:spcPts val="0"/>
-              </a:spcBef>
-              <a:buNone/>
-              <a:defRPr sz="2400"/>
-            </a:lvl7pPr>
-            <a:lvl8pPr lvl="7" rtl="0">
-              <a:spcBef>
-                <a:spcPts val="0"/>
-              </a:spcBef>
-              <a:buNone/>
-              <a:defRPr sz="2400"/>
-            </a:lvl8pPr>
-            <a:lvl9pPr lvl="8" rtl="0">
-              <a:spcBef>
-                <a:spcPts val="0"/>
-              </a:spcBef>
-              <a:buNone/>
-              <a:defRPr sz="2400"/>
-            </a:lvl9pPr>
-          </a:lstStyle>
-          <a:p>
-            <a:endParaRPr/>
-          </a:p>
-        </p:txBody>
-      </p:sp>
-    </p:spTree>
-    <p:extLst>
-      <p:ext uri="{BB962C8B-B14F-4D97-AF65-F5344CB8AC3E}">
-        <p14:creationId xmlns:p14="http://schemas.microsoft.com/office/powerpoint/2010/main" val="2541824914"/>
-      </p:ext>
-    </p:extLst>
-  </p:cSld>
-  <p:clrMapOvr>
-    <a:masterClrMapping/>
-  </p:clrMapOvr>
-</p:sldLayout>
-</file>
-
-<file path=ppt/slideLayouts/slideLayout6.xml><?xml version="1.0" encoding="utf-8"?>
-<p:sldLayout xmlns:a="http://schemas.openxmlformats.org/drawingml/2006/main" xmlns:r="http://schemas.openxmlformats.org/officeDocument/2006/relationships" xmlns:p="http://schemas.openxmlformats.org/presentationml/2006/main">
-  <p:cSld name="Quote">
-    <p:bg>
-      <p:bgPr>
-        <a:blipFill>
-          <a:blip r:embed="rId2">
-            <a:alphaModFix/>
-          </a:blip>
-          <a:stretch>
-            <a:fillRect/>
-          </a:stretch>
-        </a:blipFill>
-        <a:effectLst/>
-      </p:bgPr>
-    </p:bg>
-    <p:spTree>
-      <p:nvGrpSpPr>
-        <p:cNvPr id="1" name="Shape 17"/>
-        <p:cNvGrpSpPr/>
-        <p:nvPr/>
-      </p:nvGrpSpPr>
-      <p:grpSpPr>
-        <a:xfrm>
-          <a:off x="0" y="0"/>
-          <a:ext cx="0" cy="0"/>
-          <a:chOff x="0" y="0"/>
-          <a:chExt cx="0" cy="0"/>
-        </a:xfrm>
-      </p:grpSpPr>
-      <p:sp>
-        <p:nvSpPr>
-          <p:cNvPr id="18" name="Shape 18"/>
-          <p:cNvSpPr/>
-          <p:nvPr/>
-        </p:nvSpPr>
-        <p:spPr>
-          <a:xfrm>
-            <a:off x="0" y="0"/>
-            <a:ext cx="9144000" cy="5169000"/>
-          </a:xfrm>
-          <a:prstGeom prst="rect">
-            <a:avLst/>
-          </a:prstGeom>
-          <a:solidFill>
-            <a:schemeClr val="tx1">
-              <a:alpha val="26540"/>
-            </a:schemeClr>
-          </a:solidFill>
-          <a:ln>
-            <a:noFill/>
-          </a:ln>
-        </p:spPr>
-        <p:txBody>
-          <a:bodyPr lIns="91425" tIns="91425" rIns="91425" bIns="91425" anchor="ctr" anchorCtr="0">
-            <a:noAutofit/>
-          </a:bodyPr>
-          <a:lstStyle/>
-          <a:p>
-            <a:endParaRPr/>
-          </a:p>
-        </p:txBody>
-      </p:sp>
-      <p:sp>
-        <p:nvSpPr>
-          <p:cNvPr id="19" name="Shape 19"/>
-          <p:cNvSpPr/>
-          <p:nvPr/>
-        </p:nvSpPr>
-        <p:spPr>
-          <a:xfrm>
-            <a:off x="150" y="1790100"/>
-            <a:ext cx="9144000" cy="1563299"/>
-          </a:xfrm>
-          <a:prstGeom prst="rect">
-            <a:avLst/>
-          </a:prstGeom>
-          <a:solidFill>
-            <a:srgbClr val="00B2FF">
-              <a:alpha val="73330"/>
-            </a:srgbClr>
-          </a:solidFill>
-          <a:ln>
-            <a:noFill/>
-          </a:ln>
-        </p:spPr>
-        <p:txBody>
-          <a:bodyPr lIns="91425" tIns="91425" rIns="91425" bIns="91425" anchor="ctr" anchorCtr="0">
-            <a:noAutofit/>
-          </a:bodyPr>
-          <a:lstStyle/>
-          <a:p>
-            <a:endParaRPr/>
-          </a:p>
-        </p:txBody>
-      </p:sp>
-      <p:sp>
-        <p:nvSpPr>
-          <p:cNvPr id="20" name="Shape 20"/>
-          <p:cNvSpPr txBox="1">
-            <a:spLocks noGrp="1"/>
-          </p:cNvSpPr>
-          <p:nvPr>
-            <p:ph type="body" idx="1"/>
-          </p:nvPr>
-        </p:nvSpPr>
-        <p:spPr>
-          <a:xfrm>
-            <a:off x="1964225" y="2161800"/>
-            <a:ext cx="5215499" cy="819899"/>
-          </a:xfrm>
-          <a:prstGeom prst="rect">
-            <a:avLst/>
-          </a:prstGeom>
-          <a:noFill/>
-          <a:ln>
-            <a:noFill/>
-          </a:ln>
-        </p:spPr>
-        <p:txBody>
-          <a:bodyPr lIns="91425" tIns="91425" rIns="91425" bIns="91425" anchor="ctr" anchorCtr="0"/>
-          <a:lstStyle>
-            <a:lvl1pPr lvl="0" algn="ctr" rtl="0">
-              <a:spcBef>
-                <a:spcPts val="0"/>
-              </a:spcBef>
-              <a:buClr>
-                <a:srgbClr val="FFFFFF"/>
-              </a:buClr>
-              <a:buSzPct val="100000"/>
-              <a:buFont typeface="Georgia"/>
-              <a:defRPr sz="1600" i="1">
-                <a:solidFill>
-                  <a:srgbClr val="FFFFFF"/>
-                </a:solidFill>
-                <a:latin typeface="Georgia"/>
-                <a:ea typeface="Georgia"/>
-                <a:cs typeface="Georgia"/>
-                <a:sym typeface="Georgia"/>
-              </a:defRPr>
-            </a:lvl1pPr>
-            <a:lvl2pPr lvl="1" algn="ctr" rtl="0">
-              <a:spcBef>
-                <a:spcPts val="0"/>
-              </a:spcBef>
-              <a:buClr>
-                <a:srgbClr val="FFFFFF"/>
-              </a:buClr>
-              <a:buSzPct val="100000"/>
-              <a:buFont typeface="Georgia"/>
-              <a:defRPr sz="1600" i="1">
-                <a:solidFill>
-                  <a:srgbClr val="FFFFFF"/>
-                </a:solidFill>
-                <a:latin typeface="Georgia"/>
-                <a:ea typeface="Georgia"/>
-                <a:cs typeface="Georgia"/>
-                <a:sym typeface="Georgia"/>
-              </a:defRPr>
-            </a:lvl2pPr>
-            <a:lvl3pPr lvl="2" algn="ctr" rtl="0">
-              <a:spcBef>
-                <a:spcPts val="0"/>
-              </a:spcBef>
-              <a:buClr>
-                <a:srgbClr val="FFFFFF"/>
-              </a:buClr>
-              <a:buSzPct val="100000"/>
-              <a:buFont typeface="Georgia"/>
-              <a:defRPr sz="1600" i="1">
-                <a:solidFill>
-                  <a:srgbClr val="FFFFFF"/>
-                </a:solidFill>
-                <a:latin typeface="Georgia"/>
-                <a:ea typeface="Georgia"/>
-                <a:cs typeface="Georgia"/>
-                <a:sym typeface="Georgia"/>
-              </a:defRPr>
-            </a:lvl3pPr>
-            <a:lvl4pPr lvl="3" algn="ctr" rtl="0">
-              <a:spcBef>
-                <a:spcPts val="0"/>
-              </a:spcBef>
-              <a:buClr>
-                <a:srgbClr val="FFFFFF"/>
-              </a:buClr>
-              <a:buSzPct val="100000"/>
-              <a:buFont typeface="Georgia"/>
-              <a:defRPr sz="1600" i="1">
-                <a:solidFill>
-                  <a:srgbClr val="FFFFFF"/>
-                </a:solidFill>
-                <a:latin typeface="Georgia"/>
-                <a:ea typeface="Georgia"/>
-                <a:cs typeface="Georgia"/>
-                <a:sym typeface="Georgia"/>
-              </a:defRPr>
-            </a:lvl4pPr>
-            <a:lvl5pPr lvl="4" algn="ctr" rtl="0">
-              <a:spcBef>
-                <a:spcPts val="0"/>
-              </a:spcBef>
-              <a:buClr>
-                <a:srgbClr val="FFFFFF"/>
-              </a:buClr>
-              <a:buSzPct val="100000"/>
-              <a:buFont typeface="Georgia"/>
-              <a:defRPr sz="1600" i="1">
-                <a:solidFill>
-                  <a:srgbClr val="FFFFFF"/>
-                </a:solidFill>
-                <a:latin typeface="Georgia"/>
-                <a:ea typeface="Georgia"/>
-                <a:cs typeface="Georgia"/>
-                <a:sym typeface="Georgia"/>
-              </a:defRPr>
-            </a:lvl5pPr>
-            <a:lvl6pPr lvl="5" algn="ctr" rtl="0">
-              <a:spcBef>
-                <a:spcPts val="0"/>
-              </a:spcBef>
-              <a:buClr>
-                <a:srgbClr val="FFFFFF"/>
-              </a:buClr>
-              <a:buSzPct val="100000"/>
-              <a:buFont typeface="Georgia"/>
-              <a:defRPr sz="1600" i="1">
-                <a:solidFill>
-                  <a:srgbClr val="FFFFFF"/>
-                </a:solidFill>
-                <a:latin typeface="Georgia"/>
-                <a:ea typeface="Georgia"/>
-                <a:cs typeface="Georgia"/>
-                <a:sym typeface="Georgia"/>
-              </a:defRPr>
-            </a:lvl6pPr>
-            <a:lvl7pPr lvl="6" algn="ctr" rtl="0">
-              <a:spcBef>
-                <a:spcPts val="0"/>
-              </a:spcBef>
-              <a:buClr>
-                <a:srgbClr val="FFFFFF"/>
-              </a:buClr>
-              <a:buSzPct val="100000"/>
-              <a:buFont typeface="Georgia"/>
-              <a:defRPr sz="1600" i="1">
-                <a:solidFill>
-                  <a:srgbClr val="FFFFFF"/>
-                </a:solidFill>
-                <a:latin typeface="Georgia"/>
-                <a:ea typeface="Georgia"/>
-                <a:cs typeface="Georgia"/>
-                <a:sym typeface="Georgia"/>
-              </a:defRPr>
-            </a:lvl7pPr>
-            <a:lvl8pPr lvl="7" algn="ctr" rtl="0">
-              <a:spcBef>
-                <a:spcPts val="0"/>
-              </a:spcBef>
-              <a:buClr>
-                <a:srgbClr val="FFFFFF"/>
-              </a:buClr>
-              <a:buSzPct val="100000"/>
-              <a:buFont typeface="Georgia"/>
-              <a:defRPr sz="1600" i="1">
-                <a:solidFill>
-                  <a:srgbClr val="FFFFFF"/>
-                </a:solidFill>
-                <a:latin typeface="Georgia"/>
-                <a:ea typeface="Georgia"/>
-                <a:cs typeface="Georgia"/>
-                <a:sym typeface="Georgia"/>
-              </a:defRPr>
-            </a:lvl8pPr>
-            <a:lvl9pPr lvl="8" algn="ctr">
-              <a:spcBef>
-                <a:spcPts val="0"/>
-              </a:spcBef>
-              <a:buClr>
-                <a:srgbClr val="FFFFFF"/>
-              </a:buClr>
-              <a:buSzPct val="100000"/>
-              <a:buFont typeface="Georgia"/>
-              <a:defRPr sz="1600" i="1">
-                <a:solidFill>
-                  <a:srgbClr val="FFFFFF"/>
-                </a:solidFill>
-                <a:latin typeface="Georgia"/>
-                <a:ea typeface="Georgia"/>
-                <a:cs typeface="Georgia"/>
-                <a:sym typeface="Georgia"/>
-              </a:defRPr>
-            </a:lvl9pPr>
-          </a:lstStyle>
-          <a:p>
-            <a:endParaRPr/>
-          </a:p>
-        </p:txBody>
-      </p:sp>
-    </p:spTree>
-    <p:extLst>
-      <p:ext uri="{BB962C8B-B14F-4D97-AF65-F5344CB8AC3E}">
-        <p14:creationId xmlns:p14="http://schemas.microsoft.com/office/powerpoint/2010/main" val="876804592"/>
-      </p:ext>
-    </p:extLst>
-  </p:cSld>
-  <p:clrMapOvr>
-    <a:masterClrMapping/>
-  </p:clrMapOvr>
-</p:sldLayout>
-</file>
-
-<file path=ppt/slideLayouts/slideLayout7.xml><?xml version="1.0" encoding="utf-8"?>
-<p:sldLayout xmlns:a="http://schemas.openxmlformats.org/drawingml/2006/main" xmlns:r="http://schemas.openxmlformats.org/officeDocument/2006/relationships" xmlns:p="http://schemas.openxmlformats.org/presentationml/2006/main" type="tx">
-  <p:cSld name="Title + 1 column">
-    <p:bg>
-      <p:bgPr>
-        <a:blipFill>
-          <a:blip r:embed="rId2">
-            <a:alphaModFix/>
-          </a:blip>
-          <a:stretch>
-            <a:fillRect/>
-          </a:stretch>
-        </a:blipFill>
-        <a:effectLst/>
-      </p:bgPr>
-    </p:bg>
-    <p:spTree>
-      <p:nvGrpSpPr>
-        <p:cNvPr id="1" name="Shape 21"/>
-        <p:cNvGrpSpPr/>
-        <p:nvPr/>
-      </p:nvGrpSpPr>
-      <p:grpSpPr>
-        <a:xfrm>
-          <a:off x="0" y="0"/>
-          <a:ext cx="0" cy="0"/>
-          <a:chOff x="0" y="0"/>
-          <a:chExt cx="0" cy="0"/>
-        </a:xfrm>
-      </p:grpSpPr>
-      <p:sp>
-        <p:nvSpPr>
-          <p:cNvPr id="22" name="Shape 22"/>
-          <p:cNvSpPr/>
-          <p:nvPr/>
-        </p:nvSpPr>
-        <p:spPr>
-          <a:xfrm>
-            <a:off x="0" y="0"/>
-            <a:ext cx="9144000" cy="5169000"/>
-          </a:xfrm>
-          <a:prstGeom prst="rect">
-            <a:avLst/>
-          </a:prstGeom>
-          <a:solidFill>
-            <a:schemeClr val="tx1">
-              <a:alpha val="26540"/>
-            </a:schemeClr>
-          </a:solidFill>
-          <a:ln>
-            <a:noFill/>
-          </a:ln>
-        </p:spPr>
-        <p:txBody>
-          <a:bodyPr lIns="91425" tIns="91425" rIns="91425" bIns="91425" anchor="ctr" anchorCtr="0">
-            <a:noAutofit/>
-          </a:bodyPr>
-          <a:lstStyle/>
-          <a:p>
-            <a:endParaRPr/>
-          </a:p>
-        </p:txBody>
-      </p:sp>
-      <p:sp>
-        <p:nvSpPr>
-          <p:cNvPr id="23" name="Shape 23"/>
-          <p:cNvSpPr/>
-          <p:nvPr/>
-        </p:nvSpPr>
-        <p:spPr>
-          <a:xfrm>
-            <a:off x="2380350" y="0"/>
-            <a:ext cx="6763800" cy="5143499"/>
-          </a:xfrm>
-          <a:prstGeom prst="rect">
-            <a:avLst/>
-          </a:prstGeom>
-          <a:solidFill>
-            <a:srgbClr val="00B2FF">
-              <a:alpha val="73330"/>
-            </a:srgbClr>
-          </a:solidFill>
-          <a:ln>
-            <a:noFill/>
-          </a:ln>
-        </p:spPr>
-        <p:txBody>
-          <a:bodyPr lIns="91425" tIns="91425" rIns="91425" bIns="91425" anchor="ctr" anchorCtr="0">
-            <a:noAutofit/>
-          </a:bodyPr>
-          <a:lstStyle/>
-          <a:p>
-            <a:endParaRPr/>
-          </a:p>
-        </p:txBody>
-      </p:sp>
-      <p:sp>
-        <p:nvSpPr>
-          <p:cNvPr id="24" name="Shape 24"/>
-          <p:cNvSpPr txBox="1">
-            <a:spLocks noGrp="1"/>
-          </p:cNvSpPr>
-          <p:nvPr>
-            <p:ph type="title"/>
-          </p:nvPr>
-        </p:nvSpPr>
-        <p:spPr>
-          <a:xfrm>
-            <a:off x="2902775" y="302375"/>
-            <a:ext cx="5718600" cy="503099"/>
-          </a:xfrm>
-          <a:prstGeom prst="rect">
-            <a:avLst/>
-          </a:prstGeom>
-        </p:spPr>
-        <p:txBody>
-          <a:bodyPr lIns="91425" tIns="91425" rIns="91425" bIns="91425" anchor="t" anchorCtr="0"/>
-          <a:lstStyle>
-            <a:lvl1pPr lvl="0" rtl="0">
-              <a:spcBef>
-                <a:spcPts val="0"/>
-              </a:spcBef>
-              <a:buNone/>
-              <a:defRPr sz="1800" b="1">
-                <a:solidFill>
-                  <a:srgbClr val="FFFFFF"/>
-                </a:solidFill>
-                <a:latin typeface="Muli"/>
-                <a:ea typeface="Muli"/>
-                <a:cs typeface="Muli"/>
-                <a:sym typeface="Muli"/>
-              </a:defRPr>
-            </a:lvl1pPr>
-            <a:lvl2pPr lvl="1" rtl="0">
-              <a:spcBef>
-                <a:spcPts val="0"/>
-              </a:spcBef>
-              <a:buNone/>
-              <a:defRPr sz="1800" b="1">
-                <a:solidFill>
-                  <a:srgbClr val="FFFFFF"/>
-                </a:solidFill>
-                <a:latin typeface="Muli"/>
-                <a:ea typeface="Muli"/>
-                <a:cs typeface="Muli"/>
-                <a:sym typeface="Muli"/>
-              </a:defRPr>
-            </a:lvl2pPr>
-            <a:lvl3pPr lvl="2" rtl="0">
-              <a:spcBef>
-                <a:spcPts val="0"/>
-              </a:spcBef>
-              <a:buNone/>
-              <a:defRPr sz="1800" b="1">
-                <a:solidFill>
-                  <a:srgbClr val="FFFFFF"/>
-                </a:solidFill>
-                <a:latin typeface="Muli"/>
-                <a:ea typeface="Muli"/>
-                <a:cs typeface="Muli"/>
-                <a:sym typeface="Muli"/>
-              </a:defRPr>
-            </a:lvl3pPr>
-            <a:lvl4pPr lvl="3" rtl="0">
-              <a:spcBef>
-                <a:spcPts val="0"/>
-              </a:spcBef>
-              <a:buNone/>
-              <a:defRPr sz="1800" b="1">
-                <a:solidFill>
-                  <a:srgbClr val="FFFFFF"/>
-                </a:solidFill>
-                <a:latin typeface="Muli"/>
-                <a:ea typeface="Muli"/>
-                <a:cs typeface="Muli"/>
-                <a:sym typeface="Muli"/>
-              </a:defRPr>
-            </a:lvl4pPr>
-            <a:lvl5pPr lvl="4" rtl="0">
-              <a:spcBef>
-                <a:spcPts val="0"/>
-              </a:spcBef>
-              <a:buNone/>
-              <a:defRPr sz="1800" b="1">
-                <a:solidFill>
-                  <a:srgbClr val="FFFFFF"/>
-                </a:solidFill>
-                <a:latin typeface="Muli"/>
-                <a:ea typeface="Muli"/>
-                <a:cs typeface="Muli"/>
-                <a:sym typeface="Muli"/>
-              </a:defRPr>
-            </a:lvl5pPr>
-            <a:lvl6pPr lvl="5" rtl="0">
-              <a:spcBef>
-                <a:spcPts val="0"/>
-              </a:spcBef>
-              <a:buNone/>
-              <a:defRPr sz="1800" b="1">
-                <a:solidFill>
-                  <a:srgbClr val="FFFFFF"/>
-                </a:solidFill>
-                <a:latin typeface="Muli"/>
-                <a:ea typeface="Muli"/>
-                <a:cs typeface="Muli"/>
-                <a:sym typeface="Muli"/>
-              </a:defRPr>
-            </a:lvl6pPr>
-            <a:lvl7pPr lvl="6" rtl="0">
-              <a:spcBef>
-                <a:spcPts val="0"/>
-              </a:spcBef>
-              <a:buNone/>
-              <a:defRPr sz="1800" b="1">
-                <a:solidFill>
-                  <a:srgbClr val="FFFFFF"/>
-                </a:solidFill>
-                <a:latin typeface="Muli"/>
-                <a:ea typeface="Muli"/>
-                <a:cs typeface="Muli"/>
-                <a:sym typeface="Muli"/>
-              </a:defRPr>
-            </a:lvl7pPr>
-            <a:lvl8pPr lvl="7" rtl="0">
-              <a:spcBef>
-                <a:spcPts val="0"/>
-              </a:spcBef>
-              <a:buNone/>
-              <a:defRPr sz="1800" b="1">
-                <a:solidFill>
-                  <a:srgbClr val="FFFFFF"/>
-                </a:solidFill>
-                <a:latin typeface="Muli"/>
-                <a:ea typeface="Muli"/>
-                <a:cs typeface="Muli"/>
-                <a:sym typeface="Muli"/>
-              </a:defRPr>
-            </a:lvl8pPr>
-            <a:lvl9pPr lvl="8" rtl="0">
-              <a:spcBef>
-                <a:spcPts val="0"/>
-              </a:spcBef>
-              <a:buNone/>
-              <a:defRPr sz="1800" b="1">
-                <a:solidFill>
-                  <a:srgbClr val="FFFFFF"/>
-                </a:solidFill>
-                <a:latin typeface="Muli"/>
-                <a:ea typeface="Muli"/>
-                <a:cs typeface="Muli"/>
-                <a:sym typeface="Muli"/>
-              </a:defRPr>
-            </a:lvl9pPr>
-          </a:lstStyle>
-          <a:p>
-            <a:endParaRPr/>
-          </a:p>
-        </p:txBody>
-      </p:sp>
-      <p:sp>
-        <p:nvSpPr>
-          <p:cNvPr id="25" name="Shape 25"/>
-          <p:cNvSpPr txBox="1">
-            <a:spLocks noGrp="1"/>
-          </p:cNvSpPr>
-          <p:nvPr>
-            <p:ph type="body" idx="1"/>
-          </p:nvPr>
-        </p:nvSpPr>
-        <p:spPr>
-          <a:xfrm>
-            <a:off x="2902950" y="1509475"/>
-            <a:ext cx="5718600" cy="3125100"/>
-          </a:xfrm>
-          <a:prstGeom prst="rect">
-            <a:avLst/>
-          </a:prstGeom>
-        </p:spPr>
-        <p:txBody>
-          <a:bodyPr lIns="91425" tIns="91425" rIns="91425" bIns="91425" anchor="t" anchorCtr="0"/>
-          <a:lstStyle>
-            <a:lvl1pPr lvl="0" rtl="0">
-              <a:spcBef>
-                <a:spcPts val="0"/>
-              </a:spcBef>
-              <a:buClr>
-                <a:srgbClr val="FFFFFF"/>
-              </a:buClr>
-              <a:buSzPct val="83333"/>
-              <a:buFont typeface="Muli"/>
-              <a:buChar char="➜"/>
-              <a:defRPr sz="2400">
-                <a:solidFill>
-                  <a:srgbClr val="FFFFFF"/>
-                </a:solidFill>
-                <a:latin typeface="Muli"/>
-                <a:ea typeface="Muli"/>
-                <a:cs typeface="Muli"/>
-                <a:sym typeface="Muli"/>
-              </a:defRPr>
-            </a:lvl1pPr>
-            <a:lvl2pPr lvl="1" rtl="0">
-              <a:spcBef>
-                <a:spcPts val="0"/>
-              </a:spcBef>
-              <a:buClr>
-                <a:srgbClr val="FFFFFF"/>
-              </a:buClr>
-              <a:buSzPct val="75000"/>
-              <a:buFont typeface="Muli"/>
-              <a:defRPr sz="2400">
-                <a:solidFill>
-                  <a:srgbClr val="FFFFFF"/>
-                </a:solidFill>
-                <a:latin typeface="Muli"/>
-                <a:ea typeface="Muli"/>
-                <a:cs typeface="Muli"/>
-                <a:sym typeface="Muli"/>
-              </a:defRPr>
-            </a:lvl2pPr>
-            <a:lvl3pPr lvl="2" rtl="0">
-              <a:spcBef>
-                <a:spcPts val="0"/>
-              </a:spcBef>
-              <a:buClr>
-                <a:srgbClr val="FFFFFF"/>
-              </a:buClr>
-              <a:buSzPct val="100000"/>
-              <a:buFont typeface="Muli"/>
-              <a:defRPr sz="2400">
-                <a:solidFill>
-                  <a:srgbClr val="FFFFFF"/>
-                </a:solidFill>
-                <a:latin typeface="Muli"/>
-                <a:ea typeface="Muli"/>
-                <a:cs typeface="Muli"/>
-                <a:sym typeface="Muli"/>
-              </a:defRPr>
-            </a:lvl3pPr>
-            <a:lvl4pPr lvl="3" rtl="0">
-              <a:spcBef>
-                <a:spcPts val="0"/>
-              </a:spcBef>
-              <a:buClr>
-                <a:srgbClr val="FFFFFF"/>
-              </a:buClr>
-              <a:buSzPct val="100000"/>
-              <a:buFont typeface="Muli"/>
-              <a:defRPr sz="2400">
-                <a:solidFill>
-                  <a:srgbClr val="FFFFFF"/>
-                </a:solidFill>
-                <a:latin typeface="Muli"/>
-                <a:ea typeface="Muli"/>
-                <a:cs typeface="Muli"/>
-                <a:sym typeface="Muli"/>
-              </a:defRPr>
-            </a:lvl4pPr>
-            <a:lvl5pPr lvl="4" rtl="0">
-              <a:spcBef>
-                <a:spcPts val="0"/>
-              </a:spcBef>
-              <a:buClr>
-                <a:srgbClr val="FFFFFF"/>
-              </a:buClr>
-              <a:buSzPct val="100000"/>
-              <a:buFont typeface="Muli"/>
-              <a:defRPr sz="2400">
-                <a:solidFill>
-                  <a:srgbClr val="FFFFFF"/>
-                </a:solidFill>
-                <a:latin typeface="Muli"/>
-                <a:ea typeface="Muli"/>
-                <a:cs typeface="Muli"/>
-                <a:sym typeface="Muli"/>
-              </a:defRPr>
-            </a:lvl5pPr>
-            <a:lvl6pPr lvl="5" rtl="0">
-              <a:spcBef>
-                <a:spcPts val="0"/>
-              </a:spcBef>
-              <a:buClr>
-                <a:srgbClr val="FFFFFF"/>
-              </a:buClr>
-              <a:buSzPct val="100000"/>
-              <a:buFont typeface="Muli"/>
-              <a:defRPr sz="2400">
-                <a:solidFill>
-                  <a:srgbClr val="FFFFFF"/>
-                </a:solidFill>
-                <a:latin typeface="Muli"/>
-                <a:ea typeface="Muli"/>
-                <a:cs typeface="Muli"/>
-                <a:sym typeface="Muli"/>
-              </a:defRPr>
-            </a:lvl6pPr>
-            <a:lvl7pPr lvl="6" rtl="0">
-              <a:spcBef>
-                <a:spcPts val="0"/>
-              </a:spcBef>
-              <a:buClr>
-                <a:srgbClr val="FFFFFF"/>
-              </a:buClr>
-              <a:buSzPct val="100000"/>
-              <a:buFont typeface="Muli"/>
-              <a:defRPr sz="2400">
-                <a:solidFill>
-                  <a:srgbClr val="FFFFFF"/>
-                </a:solidFill>
-                <a:latin typeface="Muli"/>
-                <a:ea typeface="Muli"/>
-                <a:cs typeface="Muli"/>
-                <a:sym typeface="Muli"/>
-              </a:defRPr>
-            </a:lvl7pPr>
-            <a:lvl8pPr lvl="7" rtl="0">
-              <a:spcBef>
-                <a:spcPts val="0"/>
-              </a:spcBef>
-              <a:buClr>
-                <a:srgbClr val="FFFFFF"/>
-              </a:buClr>
-              <a:buSzPct val="100000"/>
-              <a:buFont typeface="Muli"/>
-              <a:defRPr sz="2400">
-                <a:solidFill>
-                  <a:srgbClr val="FFFFFF"/>
-                </a:solidFill>
-                <a:latin typeface="Muli"/>
-                <a:ea typeface="Muli"/>
-                <a:cs typeface="Muli"/>
-                <a:sym typeface="Muli"/>
-              </a:defRPr>
-            </a:lvl8pPr>
-            <a:lvl9pPr lvl="8" rtl="0">
-              <a:spcBef>
-                <a:spcPts val="0"/>
-              </a:spcBef>
-              <a:buClr>
-                <a:srgbClr val="FFFFFF"/>
-              </a:buClr>
-              <a:buSzPct val="100000"/>
-              <a:buFont typeface="Muli"/>
-              <a:defRPr sz="2400">
-                <a:solidFill>
-                  <a:srgbClr val="FFFFFF"/>
-                </a:solidFill>
-                <a:latin typeface="Muli"/>
-                <a:ea typeface="Muli"/>
-                <a:cs typeface="Muli"/>
-                <a:sym typeface="Muli"/>
-              </a:defRPr>
-            </a:lvl9pPr>
-          </a:lstStyle>
-          <a:p>
-            <a:endParaRPr/>
-          </a:p>
-        </p:txBody>
-      </p:sp>
-    </p:spTree>
-    <p:extLst>
-      <p:ext uri="{BB962C8B-B14F-4D97-AF65-F5344CB8AC3E}">
-        <p14:creationId xmlns:p14="http://schemas.microsoft.com/office/powerpoint/2010/main" val="542473169"/>
-      </p:ext>
-    </p:extLst>
-  </p:cSld>
-  <p:clrMapOvr>
-    <a:masterClrMapping/>
-  </p:clrMapOvr>
-</p:sldLayout>
-</file>
-
-<file path=ppt/slideLayouts/slideLayout8.xml><?xml version="1.0" encoding="utf-8"?>
-<p:sldLayout xmlns:a="http://schemas.openxmlformats.org/drawingml/2006/main" xmlns:r="http://schemas.openxmlformats.org/officeDocument/2006/relationships" xmlns:p="http://schemas.openxmlformats.org/presentationml/2006/main">
-  <p:cSld name="Title + 1 column half">
-    <p:bg>
-      <p:bgPr>
-        <a:blipFill>
-          <a:blip r:embed="rId2">
-            <a:alphaModFix/>
-          </a:blip>
-          <a:stretch>
-            <a:fillRect/>
-          </a:stretch>
-        </a:blipFill>
-        <a:effectLst/>
-      </p:bgPr>
-    </p:bg>
-    <p:spTree>
-      <p:nvGrpSpPr>
-        <p:cNvPr id="1" name="Shape 26"/>
-        <p:cNvGrpSpPr/>
-        <p:nvPr/>
-      </p:nvGrpSpPr>
-      <p:grpSpPr>
-        <a:xfrm>
-          <a:off x="0" y="0"/>
-          <a:ext cx="0" cy="0"/>
-          <a:chOff x="0" y="0"/>
-          <a:chExt cx="0" cy="0"/>
-        </a:xfrm>
-      </p:grpSpPr>
-      <p:sp>
-        <p:nvSpPr>
-          <p:cNvPr id="27" name="Shape 27"/>
-          <p:cNvSpPr/>
-          <p:nvPr/>
-        </p:nvSpPr>
-        <p:spPr>
-          <a:xfrm>
-            <a:off x="4572000" y="0"/>
-            <a:ext cx="4572000" cy="5143499"/>
-          </a:xfrm>
-          <a:prstGeom prst="rect">
-            <a:avLst/>
-          </a:prstGeom>
-          <a:solidFill>
-            <a:srgbClr val="00B2FF">
-              <a:alpha val="73330"/>
-            </a:srgbClr>
-          </a:solidFill>
-          <a:ln>
-            <a:noFill/>
-          </a:ln>
-        </p:spPr>
-        <p:txBody>
-          <a:bodyPr lIns="91425" tIns="91425" rIns="91425" bIns="91425" anchor="ctr" anchorCtr="0">
-            <a:noAutofit/>
-          </a:bodyPr>
-          <a:lstStyle/>
-          <a:p>
-            <a:endParaRPr/>
-          </a:p>
-        </p:txBody>
-      </p:sp>
-      <p:sp>
-        <p:nvSpPr>
-          <p:cNvPr id="28" name="Shape 28"/>
-          <p:cNvSpPr txBox="1">
-            <a:spLocks noGrp="1"/>
-          </p:cNvSpPr>
-          <p:nvPr>
-            <p:ph type="title"/>
-          </p:nvPr>
-        </p:nvSpPr>
-        <p:spPr>
-          <a:xfrm>
-            <a:off x="5128375" y="302375"/>
-            <a:ext cx="3493199" cy="503099"/>
-          </a:xfrm>
-          <a:prstGeom prst="rect">
-            <a:avLst/>
-          </a:prstGeom>
-        </p:spPr>
-        <p:txBody>
-          <a:bodyPr lIns="91425" tIns="91425" rIns="91425" bIns="91425" anchor="t" anchorCtr="0"/>
-          <a:lstStyle>
-            <a:lvl1pPr lvl="0" rtl="0">
-              <a:spcBef>
-                <a:spcPts val="0"/>
-              </a:spcBef>
-              <a:buNone/>
-              <a:defRPr sz="1800" b="1">
-                <a:solidFill>
-                  <a:srgbClr val="FFFFFF"/>
-                </a:solidFill>
-                <a:latin typeface="Muli"/>
-                <a:ea typeface="Muli"/>
-                <a:cs typeface="Muli"/>
-                <a:sym typeface="Muli"/>
-              </a:defRPr>
-            </a:lvl1pPr>
-            <a:lvl2pPr lvl="1" rtl="0">
-              <a:spcBef>
-                <a:spcPts val="0"/>
-              </a:spcBef>
-              <a:buNone/>
-              <a:defRPr sz="1800" b="1">
-                <a:solidFill>
-                  <a:srgbClr val="FFFFFF"/>
-                </a:solidFill>
-                <a:latin typeface="Muli"/>
-                <a:ea typeface="Muli"/>
-                <a:cs typeface="Muli"/>
-                <a:sym typeface="Muli"/>
-              </a:defRPr>
-            </a:lvl2pPr>
-            <a:lvl3pPr lvl="2" rtl="0">
-              <a:spcBef>
-                <a:spcPts val="0"/>
-              </a:spcBef>
-              <a:buNone/>
-              <a:defRPr sz="1800" b="1">
-                <a:solidFill>
-                  <a:srgbClr val="FFFFFF"/>
-                </a:solidFill>
-                <a:latin typeface="Muli"/>
-                <a:ea typeface="Muli"/>
-                <a:cs typeface="Muli"/>
-                <a:sym typeface="Muli"/>
-              </a:defRPr>
-            </a:lvl3pPr>
-            <a:lvl4pPr lvl="3" rtl="0">
-              <a:spcBef>
-                <a:spcPts val="0"/>
-              </a:spcBef>
-              <a:buNone/>
-              <a:defRPr sz="1800" b="1">
-                <a:solidFill>
-                  <a:srgbClr val="FFFFFF"/>
-                </a:solidFill>
-                <a:latin typeface="Muli"/>
-                <a:ea typeface="Muli"/>
-                <a:cs typeface="Muli"/>
-                <a:sym typeface="Muli"/>
-              </a:defRPr>
-            </a:lvl4pPr>
-            <a:lvl5pPr lvl="4" rtl="0">
-              <a:spcBef>
-                <a:spcPts val="0"/>
-              </a:spcBef>
-              <a:buNone/>
-              <a:defRPr sz="1800" b="1">
-                <a:solidFill>
-                  <a:srgbClr val="FFFFFF"/>
-                </a:solidFill>
-                <a:latin typeface="Muli"/>
-                <a:ea typeface="Muli"/>
-                <a:cs typeface="Muli"/>
-                <a:sym typeface="Muli"/>
-              </a:defRPr>
-            </a:lvl5pPr>
-            <a:lvl6pPr lvl="5" rtl="0">
-              <a:spcBef>
-                <a:spcPts val="0"/>
-              </a:spcBef>
-              <a:buNone/>
-              <a:defRPr sz="1800" b="1">
-                <a:solidFill>
-                  <a:srgbClr val="FFFFFF"/>
-                </a:solidFill>
-                <a:latin typeface="Muli"/>
-                <a:ea typeface="Muli"/>
-                <a:cs typeface="Muli"/>
-                <a:sym typeface="Muli"/>
-              </a:defRPr>
-            </a:lvl6pPr>
-            <a:lvl7pPr lvl="6" rtl="0">
-              <a:spcBef>
-                <a:spcPts val="0"/>
-              </a:spcBef>
-              <a:buNone/>
-              <a:defRPr sz="1800" b="1">
-                <a:solidFill>
-                  <a:srgbClr val="FFFFFF"/>
-                </a:solidFill>
-                <a:latin typeface="Muli"/>
-                <a:ea typeface="Muli"/>
-                <a:cs typeface="Muli"/>
-                <a:sym typeface="Muli"/>
-              </a:defRPr>
-            </a:lvl7pPr>
-            <a:lvl8pPr lvl="7" rtl="0">
-              <a:spcBef>
-                <a:spcPts val="0"/>
-              </a:spcBef>
-              <a:buNone/>
-              <a:defRPr sz="1800" b="1">
-                <a:solidFill>
-                  <a:srgbClr val="FFFFFF"/>
-                </a:solidFill>
-                <a:latin typeface="Muli"/>
-                <a:ea typeface="Muli"/>
-                <a:cs typeface="Muli"/>
-                <a:sym typeface="Muli"/>
-              </a:defRPr>
-            </a:lvl8pPr>
-            <a:lvl9pPr lvl="8" rtl="0">
-              <a:spcBef>
-                <a:spcPts val="0"/>
-              </a:spcBef>
-              <a:buNone/>
-              <a:defRPr sz="1800" b="1">
-                <a:solidFill>
-                  <a:srgbClr val="FFFFFF"/>
-                </a:solidFill>
-                <a:latin typeface="Muli"/>
-                <a:ea typeface="Muli"/>
-                <a:cs typeface="Muli"/>
-                <a:sym typeface="Muli"/>
-              </a:defRPr>
-            </a:lvl9pPr>
-          </a:lstStyle>
-          <a:p>
-            <a:endParaRPr/>
-          </a:p>
-        </p:txBody>
-      </p:sp>
-      <p:sp>
-        <p:nvSpPr>
-          <p:cNvPr id="29" name="Shape 29"/>
-          <p:cNvSpPr txBox="1">
-            <a:spLocks noGrp="1"/>
-          </p:cNvSpPr>
-          <p:nvPr>
-            <p:ph type="body" idx="1"/>
-          </p:nvPr>
-        </p:nvSpPr>
-        <p:spPr>
-          <a:xfrm>
-            <a:off x="5128481" y="1509475"/>
-            <a:ext cx="3493199" cy="3125100"/>
-          </a:xfrm>
-          <a:prstGeom prst="rect">
-            <a:avLst/>
-          </a:prstGeom>
-        </p:spPr>
-        <p:txBody>
-          <a:bodyPr lIns="91425" tIns="91425" rIns="91425" bIns="91425" anchor="t" anchorCtr="0"/>
-          <a:lstStyle>
-            <a:lvl1pPr lvl="0" rtl="0">
-              <a:spcBef>
-                <a:spcPts val="0"/>
-              </a:spcBef>
-              <a:buClr>
-                <a:srgbClr val="FFFFFF"/>
-              </a:buClr>
-              <a:buSzPct val="83333"/>
-              <a:buFont typeface="Muli"/>
-              <a:buChar char="➜"/>
-              <a:defRPr sz="2400">
-                <a:solidFill>
-                  <a:srgbClr val="FFFFFF"/>
-                </a:solidFill>
-                <a:latin typeface="Muli"/>
-                <a:ea typeface="Muli"/>
-                <a:cs typeface="Muli"/>
-                <a:sym typeface="Muli"/>
-              </a:defRPr>
-            </a:lvl1pPr>
-            <a:lvl2pPr lvl="1" rtl="0">
-              <a:spcBef>
-                <a:spcPts val="0"/>
-              </a:spcBef>
-              <a:buClr>
-                <a:srgbClr val="FFFFFF"/>
-              </a:buClr>
-              <a:buSzPct val="75000"/>
-              <a:buFont typeface="Muli"/>
-              <a:defRPr sz="2400">
-                <a:solidFill>
-                  <a:srgbClr val="FFFFFF"/>
-                </a:solidFill>
-                <a:latin typeface="Muli"/>
-                <a:ea typeface="Muli"/>
-                <a:cs typeface="Muli"/>
-                <a:sym typeface="Muli"/>
-              </a:defRPr>
-            </a:lvl2pPr>
-            <a:lvl3pPr lvl="2" rtl="0">
-              <a:spcBef>
-                <a:spcPts val="0"/>
-              </a:spcBef>
-              <a:buClr>
-                <a:srgbClr val="FFFFFF"/>
-              </a:buClr>
-              <a:buSzPct val="100000"/>
-              <a:buFont typeface="Muli"/>
-              <a:defRPr sz="2400">
-                <a:solidFill>
-                  <a:srgbClr val="FFFFFF"/>
-                </a:solidFill>
-                <a:latin typeface="Muli"/>
-                <a:ea typeface="Muli"/>
-                <a:cs typeface="Muli"/>
-                <a:sym typeface="Muli"/>
-              </a:defRPr>
-            </a:lvl3pPr>
-            <a:lvl4pPr lvl="3" rtl="0">
-              <a:spcBef>
-                <a:spcPts val="0"/>
-              </a:spcBef>
-              <a:buClr>
-                <a:srgbClr val="FFFFFF"/>
-              </a:buClr>
-              <a:buSzPct val="100000"/>
-              <a:buFont typeface="Muli"/>
-              <a:defRPr sz="2400">
-                <a:solidFill>
-                  <a:srgbClr val="FFFFFF"/>
-                </a:solidFill>
-                <a:latin typeface="Muli"/>
-                <a:ea typeface="Muli"/>
-                <a:cs typeface="Muli"/>
-                <a:sym typeface="Muli"/>
-              </a:defRPr>
-            </a:lvl4pPr>
-            <a:lvl5pPr lvl="4" rtl="0">
-              <a:spcBef>
-                <a:spcPts val="0"/>
-              </a:spcBef>
-              <a:buClr>
-                <a:srgbClr val="FFFFFF"/>
-              </a:buClr>
-              <a:buSzPct val="100000"/>
-              <a:buFont typeface="Muli"/>
-              <a:defRPr sz="2400">
-                <a:solidFill>
-                  <a:srgbClr val="FFFFFF"/>
-                </a:solidFill>
-                <a:latin typeface="Muli"/>
-                <a:ea typeface="Muli"/>
-                <a:cs typeface="Muli"/>
-                <a:sym typeface="Muli"/>
-              </a:defRPr>
-            </a:lvl5pPr>
-            <a:lvl6pPr lvl="5" rtl="0">
-              <a:spcBef>
-                <a:spcPts val="0"/>
-              </a:spcBef>
-              <a:buClr>
-                <a:srgbClr val="FFFFFF"/>
-              </a:buClr>
-              <a:buSzPct val="100000"/>
-              <a:buFont typeface="Muli"/>
-              <a:defRPr sz="2400">
-                <a:solidFill>
-                  <a:srgbClr val="FFFFFF"/>
-                </a:solidFill>
-                <a:latin typeface="Muli"/>
-                <a:ea typeface="Muli"/>
-                <a:cs typeface="Muli"/>
-                <a:sym typeface="Muli"/>
-              </a:defRPr>
-            </a:lvl6pPr>
-            <a:lvl7pPr lvl="6" rtl="0">
-              <a:spcBef>
-                <a:spcPts val="0"/>
-              </a:spcBef>
-              <a:buClr>
-                <a:srgbClr val="FFFFFF"/>
-              </a:buClr>
-              <a:buSzPct val="100000"/>
-              <a:buFont typeface="Muli"/>
-              <a:defRPr sz="2400">
-                <a:solidFill>
-                  <a:srgbClr val="FFFFFF"/>
-                </a:solidFill>
-                <a:latin typeface="Muli"/>
-                <a:ea typeface="Muli"/>
-                <a:cs typeface="Muli"/>
-                <a:sym typeface="Muli"/>
-              </a:defRPr>
-            </a:lvl7pPr>
-            <a:lvl8pPr lvl="7" rtl="0">
-              <a:spcBef>
-                <a:spcPts val="0"/>
-              </a:spcBef>
-              <a:buClr>
-                <a:srgbClr val="FFFFFF"/>
-              </a:buClr>
-              <a:buSzPct val="100000"/>
-              <a:buFont typeface="Muli"/>
-              <a:defRPr sz="2400">
-                <a:solidFill>
-                  <a:srgbClr val="FFFFFF"/>
-                </a:solidFill>
-                <a:latin typeface="Muli"/>
-                <a:ea typeface="Muli"/>
-                <a:cs typeface="Muli"/>
-                <a:sym typeface="Muli"/>
-              </a:defRPr>
-            </a:lvl8pPr>
-            <a:lvl9pPr lvl="8" rtl="0">
-              <a:spcBef>
-                <a:spcPts val="0"/>
-              </a:spcBef>
-              <a:buClr>
-                <a:srgbClr val="FFFFFF"/>
-              </a:buClr>
-              <a:buSzPct val="100000"/>
-              <a:buFont typeface="Muli"/>
-              <a:defRPr sz="2400">
-                <a:solidFill>
-                  <a:srgbClr val="FFFFFF"/>
-                </a:solidFill>
-                <a:latin typeface="Muli"/>
-                <a:ea typeface="Muli"/>
-                <a:cs typeface="Muli"/>
-                <a:sym typeface="Muli"/>
-              </a:defRPr>
-            </a:lvl9pPr>
-          </a:lstStyle>
-          <a:p>
-            <a:endParaRPr/>
-          </a:p>
-        </p:txBody>
-      </p:sp>
-    </p:spTree>
-    <p:extLst>
-      <p:ext uri="{BB962C8B-B14F-4D97-AF65-F5344CB8AC3E}">
-        <p14:creationId xmlns:p14="http://schemas.microsoft.com/office/powerpoint/2010/main" val="4139640427"/>
-      </p:ext>
-    </p:extLst>
-  </p:cSld>
-  <p:clrMapOvr>
-    <a:masterClrMapping/>
-  </p:clrMapOvr>
-</p:sldLayout>
-</file>
-
-<file path=ppt/slideLayouts/slideLayout9.xml><?xml version="1.0" encoding="utf-8"?>
-<p:sldLayout xmlns:a="http://schemas.openxmlformats.org/drawingml/2006/main" xmlns:r="http://schemas.openxmlformats.org/officeDocument/2006/relationships" xmlns:p="http://schemas.openxmlformats.org/presentationml/2006/main" type="twoColTx">
-  <p:cSld name="Title + 2 columns">
-    <p:bg>
-      <p:bgPr>
-        <a:blipFill>
-          <a:blip r:embed="rId2">
-            <a:alphaModFix/>
-          </a:blip>
-          <a:stretch>
-            <a:fillRect/>
-          </a:stretch>
-        </a:blipFill>
-        <a:effectLst/>
-      </p:bgPr>
-    </p:bg>
-    <p:spTree>
-      <p:nvGrpSpPr>
-        <p:cNvPr id="1" name="Shape 30"/>
-        <p:cNvGrpSpPr/>
-        <p:nvPr/>
-      </p:nvGrpSpPr>
-      <p:grpSpPr>
-        <a:xfrm>
-          <a:off x="0" y="0"/>
-          <a:ext cx="0" cy="0"/>
-          <a:chOff x="0" y="0"/>
-          <a:chExt cx="0" cy="0"/>
-        </a:xfrm>
-      </p:grpSpPr>
-      <p:sp>
-        <p:nvSpPr>
-          <p:cNvPr id="31" name="Shape 31"/>
-          <p:cNvSpPr/>
-          <p:nvPr/>
-        </p:nvSpPr>
-        <p:spPr>
-          <a:xfrm>
-            <a:off x="0" y="0"/>
-            <a:ext cx="9144000" cy="5169000"/>
-          </a:xfrm>
-          <a:prstGeom prst="rect">
-            <a:avLst/>
-          </a:prstGeom>
-          <a:solidFill>
-            <a:schemeClr val="tx1">
-              <a:alpha val="26540"/>
-            </a:schemeClr>
-          </a:solidFill>
-          <a:ln>
-            <a:noFill/>
-          </a:ln>
-        </p:spPr>
-        <p:txBody>
-          <a:bodyPr lIns="91425" tIns="91425" rIns="91425" bIns="91425" anchor="ctr" anchorCtr="0">
-            <a:noAutofit/>
-          </a:bodyPr>
-          <a:lstStyle/>
-          <a:p>
-            <a:endParaRPr/>
-          </a:p>
-        </p:txBody>
-      </p:sp>
-      <p:sp>
-        <p:nvSpPr>
-          <p:cNvPr id="32" name="Shape 32"/>
-          <p:cNvSpPr/>
-          <p:nvPr/>
-        </p:nvSpPr>
-        <p:spPr>
-          <a:xfrm>
-            <a:off x="2380350" y="0"/>
-            <a:ext cx="6763800" cy="5143499"/>
-          </a:xfrm>
-          <a:prstGeom prst="rect">
-            <a:avLst/>
-          </a:prstGeom>
-          <a:solidFill>
-            <a:srgbClr val="00B2FF">
-              <a:alpha val="73330"/>
-            </a:srgbClr>
-          </a:solidFill>
-          <a:ln>
-            <a:noFill/>
-          </a:ln>
-        </p:spPr>
-        <p:txBody>
-          <a:bodyPr lIns="91425" tIns="91425" rIns="91425" bIns="91425" anchor="ctr" anchorCtr="0">
-            <a:noAutofit/>
-          </a:bodyPr>
-          <a:lstStyle/>
-          <a:p>
-            <a:endParaRPr/>
-          </a:p>
-        </p:txBody>
-      </p:sp>
-      <p:sp>
-        <p:nvSpPr>
-          <p:cNvPr id="33" name="Shape 33"/>
-          <p:cNvSpPr txBox="1">
-            <a:spLocks noGrp="1"/>
-          </p:cNvSpPr>
-          <p:nvPr>
-            <p:ph type="title"/>
-          </p:nvPr>
-        </p:nvSpPr>
-        <p:spPr>
-          <a:xfrm>
-            <a:off x="2902775" y="302375"/>
-            <a:ext cx="5718600" cy="503099"/>
-          </a:xfrm>
-          <a:prstGeom prst="rect">
-            <a:avLst/>
-          </a:prstGeom>
-        </p:spPr>
-        <p:txBody>
-          <a:bodyPr lIns="91425" tIns="91425" rIns="91425" bIns="91425" anchor="t" anchorCtr="0"/>
-          <a:lstStyle>
-            <a:lvl1pPr lvl="0" rtl="0">
-              <a:spcBef>
-                <a:spcPts val="0"/>
-              </a:spcBef>
-              <a:buNone/>
-              <a:defRPr sz="1800" b="1">
-                <a:solidFill>
-                  <a:srgbClr val="FFFFFF"/>
-                </a:solidFill>
-                <a:latin typeface="Muli"/>
-                <a:ea typeface="Muli"/>
-                <a:cs typeface="Muli"/>
-                <a:sym typeface="Muli"/>
-              </a:defRPr>
-            </a:lvl1pPr>
-            <a:lvl2pPr lvl="1" rtl="0">
-              <a:spcBef>
-                <a:spcPts val="0"/>
-              </a:spcBef>
-              <a:buNone/>
-              <a:defRPr sz="1800" b="1">
-                <a:solidFill>
-                  <a:srgbClr val="FFFFFF"/>
-                </a:solidFill>
-                <a:latin typeface="Muli"/>
-                <a:ea typeface="Muli"/>
-                <a:cs typeface="Muli"/>
-                <a:sym typeface="Muli"/>
-              </a:defRPr>
-            </a:lvl2pPr>
-            <a:lvl3pPr lvl="2" rtl="0">
-              <a:spcBef>
-                <a:spcPts val="0"/>
-              </a:spcBef>
-              <a:buNone/>
-              <a:defRPr sz="1800" b="1">
-                <a:solidFill>
-                  <a:srgbClr val="FFFFFF"/>
-                </a:solidFill>
-                <a:latin typeface="Muli"/>
-                <a:ea typeface="Muli"/>
-                <a:cs typeface="Muli"/>
-                <a:sym typeface="Muli"/>
-              </a:defRPr>
-            </a:lvl3pPr>
-            <a:lvl4pPr lvl="3" rtl="0">
-              <a:spcBef>
-                <a:spcPts val="0"/>
-              </a:spcBef>
-              <a:buNone/>
-              <a:defRPr sz="1800" b="1">
-                <a:solidFill>
-                  <a:srgbClr val="FFFFFF"/>
-                </a:solidFill>
-                <a:latin typeface="Muli"/>
-                <a:ea typeface="Muli"/>
-                <a:cs typeface="Muli"/>
-                <a:sym typeface="Muli"/>
-              </a:defRPr>
-            </a:lvl4pPr>
-            <a:lvl5pPr lvl="4" rtl="0">
-              <a:spcBef>
-                <a:spcPts val="0"/>
-              </a:spcBef>
-              <a:buNone/>
-              <a:defRPr sz="1800" b="1">
-                <a:solidFill>
-                  <a:srgbClr val="FFFFFF"/>
-                </a:solidFill>
-                <a:latin typeface="Muli"/>
-                <a:ea typeface="Muli"/>
-                <a:cs typeface="Muli"/>
-                <a:sym typeface="Muli"/>
-              </a:defRPr>
-            </a:lvl5pPr>
-            <a:lvl6pPr lvl="5" rtl="0">
-              <a:spcBef>
-                <a:spcPts val="0"/>
-              </a:spcBef>
-              <a:buNone/>
-              <a:defRPr sz="1800" b="1">
-                <a:solidFill>
-                  <a:srgbClr val="FFFFFF"/>
-                </a:solidFill>
-                <a:latin typeface="Muli"/>
-                <a:ea typeface="Muli"/>
-                <a:cs typeface="Muli"/>
-                <a:sym typeface="Muli"/>
-              </a:defRPr>
-            </a:lvl6pPr>
-            <a:lvl7pPr lvl="6" rtl="0">
-              <a:spcBef>
-                <a:spcPts val="0"/>
-              </a:spcBef>
-              <a:buNone/>
-              <a:defRPr sz="1800" b="1">
-                <a:solidFill>
-                  <a:srgbClr val="FFFFFF"/>
-                </a:solidFill>
-                <a:latin typeface="Muli"/>
-                <a:ea typeface="Muli"/>
-                <a:cs typeface="Muli"/>
-                <a:sym typeface="Muli"/>
-              </a:defRPr>
-            </a:lvl7pPr>
-            <a:lvl8pPr lvl="7" rtl="0">
-              <a:spcBef>
-                <a:spcPts val="0"/>
-              </a:spcBef>
-              <a:buNone/>
-              <a:defRPr sz="1800" b="1">
-                <a:solidFill>
-                  <a:srgbClr val="FFFFFF"/>
-                </a:solidFill>
-                <a:latin typeface="Muli"/>
-                <a:ea typeface="Muli"/>
-                <a:cs typeface="Muli"/>
-                <a:sym typeface="Muli"/>
-              </a:defRPr>
-            </a:lvl8pPr>
-            <a:lvl9pPr lvl="8" rtl="0">
-              <a:spcBef>
-                <a:spcPts val="0"/>
-              </a:spcBef>
-              <a:buNone/>
-              <a:defRPr sz="1800" b="1">
-                <a:solidFill>
-                  <a:srgbClr val="FFFFFF"/>
-                </a:solidFill>
-                <a:latin typeface="Muli"/>
-                <a:ea typeface="Muli"/>
-                <a:cs typeface="Muli"/>
-                <a:sym typeface="Muli"/>
-              </a:defRPr>
-            </a:lvl9pPr>
-          </a:lstStyle>
-          <a:p>
-            <a:endParaRPr/>
-          </a:p>
-        </p:txBody>
-      </p:sp>
-      <p:sp>
-        <p:nvSpPr>
-          <p:cNvPr id="34" name="Shape 34"/>
-          <p:cNvSpPr txBox="1">
-            <a:spLocks noGrp="1"/>
-          </p:cNvSpPr>
-          <p:nvPr>
-            <p:ph type="body" idx="1"/>
-          </p:nvPr>
-        </p:nvSpPr>
-        <p:spPr>
-          <a:xfrm>
-            <a:off x="2902950" y="1509475"/>
-            <a:ext cx="2780700" cy="3125100"/>
-          </a:xfrm>
-          <a:prstGeom prst="rect">
-            <a:avLst/>
-          </a:prstGeom>
-          <a:noFill/>
-          <a:ln>
-            <a:noFill/>
-          </a:ln>
-        </p:spPr>
-        <p:txBody>
-          <a:bodyPr lIns="91425" tIns="91425" rIns="91425" bIns="91425" anchor="t" anchorCtr="0"/>
-          <a:lstStyle>
-            <a:lvl1pPr lvl="0" rtl="0">
-              <a:spcBef>
-                <a:spcPts val="0"/>
-              </a:spcBef>
-              <a:buClr>
-                <a:srgbClr val="FFFFFF"/>
-              </a:buClr>
-              <a:buSzPct val="100000"/>
-              <a:buFont typeface="Muli"/>
-              <a:buChar char="➜"/>
-              <a:defRPr sz="1800">
-                <a:solidFill>
-                  <a:srgbClr val="FFFFFF"/>
-                </a:solidFill>
-                <a:latin typeface="Muli"/>
-                <a:ea typeface="Muli"/>
-                <a:cs typeface="Muli"/>
-                <a:sym typeface="Muli"/>
-              </a:defRPr>
-            </a:lvl1pPr>
-            <a:lvl2pPr lvl="1" rtl="0">
-              <a:spcBef>
-                <a:spcPts val="0"/>
-              </a:spcBef>
-              <a:buClr>
-                <a:srgbClr val="FFFFFF"/>
-              </a:buClr>
-              <a:buSzPct val="100000"/>
-              <a:buFont typeface="Muli"/>
-              <a:defRPr sz="1800">
-                <a:solidFill>
-                  <a:srgbClr val="FFFFFF"/>
-                </a:solidFill>
-                <a:latin typeface="Muli"/>
-                <a:ea typeface="Muli"/>
-                <a:cs typeface="Muli"/>
-                <a:sym typeface="Muli"/>
-              </a:defRPr>
-            </a:lvl2pPr>
-            <a:lvl3pPr lvl="2" rtl="0">
-              <a:spcBef>
-                <a:spcPts val="0"/>
-              </a:spcBef>
-              <a:buClr>
-                <a:srgbClr val="FFFFFF"/>
-              </a:buClr>
-              <a:buSzPct val="100000"/>
-              <a:buFont typeface="Muli"/>
-              <a:defRPr sz="1800">
-                <a:solidFill>
-                  <a:srgbClr val="FFFFFF"/>
-                </a:solidFill>
-                <a:latin typeface="Muli"/>
-                <a:ea typeface="Muli"/>
-                <a:cs typeface="Muli"/>
-                <a:sym typeface="Muli"/>
-              </a:defRPr>
-            </a:lvl3pPr>
-            <a:lvl4pPr lvl="3" rtl="0">
-              <a:spcBef>
-                <a:spcPts val="0"/>
-              </a:spcBef>
-              <a:buClr>
-                <a:srgbClr val="FFFFFF"/>
-              </a:buClr>
-              <a:buSzPct val="100000"/>
-              <a:buFont typeface="Muli"/>
-              <a:defRPr sz="1800">
-                <a:solidFill>
-                  <a:srgbClr val="FFFFFF"/>
-                </a:solidFill>
-                <a:latin typeface="Muli"/>
-                <a:ea typeface="Muli"/>
-                <a:cs typeface="Muli"/>
-                <a:sym typeface="Muli"/>
-              </a:defRPr>
-            </a:lvl4pPr>
-            <a:lvl5pPr lvl="4" rtl="0">
-              <a:spcBef>
-                <a:spcPts val="0"/>
-              </a:spcBef>
-              <a:buClr>
-                <a:srgbClr val="FFFFFF"/>
-              </a:buClr>
-              <a:buSzPct val="100000"/>
-              <a:buFont typeface="Muli"/>
-              <a:defRPr sz="1800">
-                <a:solidFill>
-                  <a:srgbClr val="FFFFFF"/>
-                </a:solidFill>
-                <a:latin typeface="Muli"/>
-                <a:ea typeface="Muli"/>
-                <a:cs typeface="Muli"/>
-                <a:sym typeface="Muli"/>
-              </a:defRPr>
-            </a:lvl5pPr>
-            <a:lvl6pPr lvl="5" rtl="0">
-              <a:spcBef>
-                <a:spcPts val="0"/>
-              </a:spcBef>
-              <a:buClr>
-                <a:srgbClr val="FFFFFF"/>
-              </a:buClr>
-              <a:buSzPct val="100000"/>
-              <a:buFont typeface="Muli"/>
-              <a:defRPr sz="1800">
-                <a:solidFill>
-                  <a:srgbClr val="FFFFFF"/>
-                </a:solidFill>
-                <a:latin typeface="Muli"/>
-                <a:ea typeface="Muli"/>
-                <a:cs typeface="Muli"/>
-                <a:sym typeface="Muli"/>
-              </a:defRPr>
-            </a:lvl6pPr>
-            <a:lvl7pPr lvl="6" rtl="0">
-              <a:spcBef>
-                <a:spcPts val="0"/>
-              </a:spcBef>
-              <a:buClr>
-                <a:srgbClr val="FFFFFF"/>
-              </a:buClr>
-              <a:buSzPct val="100000"/>
-              <a:buFont typeface="Muli"/>
-              <a:defRPr sz="1800">
-                <a:solidFill>
-                  <a:srgbClr val="FFFFFF"/>
-                </a:solidFill>
-                <a:latin typeface="Muli"/>
-                <a:ea typeface="Muli"/>
-                <a:cs typeface="Muli"/>
-                <a:sym typeface="Muli"/>
-              </a:defRPr>
-            </a:lvl7pPr>
-            <a:lvl8pPr lvl="7" rtl="0">
-              <a:spcBef>
-                <a:spcPts val="0"/>
-              </a:spcBef>
-              <a:buClr>
-                <a:srgbClr val="FFFFFF"/>
-              </a:buClr>
-              <a:buSzPct val="100000"/>
-              <a:buFont typeface="Muli"/>
-              <a:defRPr sz="1800">
-                <a:solidFill>
-                  <a:srgbClr val="FFFFFF"/>
-                </a:solidFill>
-                <a:latin typeface="Muli"/>
-                <a:ea typeface="Muli"/>
-                <a:cs typeface="Muli"/>
-                <a:sym typeface="Muli"/>
-              </a:defRPr>
-            </a:lvl8pPr>
-            <a:lvl9pPr lvl="8" rtl="0">
-              <a:spcBef>
-                <a:spcPts val="0"/>
-              </a:spcBef>
-              <a:buClr>
-                <a:srgbClr val="FFFFFF"/>
-              </a:buClr>
-              <a:buSzPct val="100000"/>
-              <a:buFont typeface="Muli"/>
-              <a:defRPr sz="1800">
-                <a:solidFill>
-                  <a:srgbClr val="FFFFFF"/>
-                </a:solidFill>
-                <a:latin typeface="Muli"/>
-                <a:ea typeface="Muli"/>
-                <a:cs typeface="Muli"/>
-                <a:sym typeface="Muli"/>
-              </a:defRPr>
-            </a:lvl9pPr>
-          </a:lstStyle>
-          <a:p>
-            <a:endParaRPr/>
-          </a:p>
-        </p:txBody>
-      </p:sp>
-      <p:sp>
-        <p:nvSpPr>
-          <p:cNvPr id="35" name="Shape 35"/>
-          <p:cNvSpPr txBox="1">
-            <a:spLocks noGrp="1"/>
-          </p:cNvSpPr>
-          <p:nvPr>
-            <p:ph type="body" idx="2"/>
-          </p:nvPr>
-        </p:nvSpPr>
-        <p:spPr>
-          <a:xfrm>
-            <a:off x="5840728" y="1509475"/>
-            <a:ext cx="2780700" cy="3125100"/>
-          </a:xfrm>
-          <a:prstGeom prst="rect">
-            <a:avLst/>
-          </a:prstGeom>
-          <a:noFill/>
-          <a:ln>
-            <a:noFill/>
-          </a:ln>
-        </p:spPr>
-        <p:txBody>
-          <a:bodyPr lIns="91425" tIns="91425" rIns="91425" bIns="91425" anchor="t" anchorCtr="0"/>
-          <a:lstStyle>
-            <a:lvl1pPr lvl="0" rtl="0">
-              <a:spcBef>
-                <a:spcPts val="0"/>
-              </a:spcBef>
-              <a:buClr>
-                <a:srgbClr val="FFFFFF"/>
-              </a:buClr>
-              <a:buSzPct val="100000"/>
-              <a:buFont typeface="Muli"/>
-              <a:buChar char="➜"/>
-              <a:defRPr sz="1800">
-                <a:solidFill>
-                  <a:srgbClr val="FFFFFF"/>
-                </a:solidFill>
-                <a:latin typeface="Muli"/>
-                <a:ea typeface="Muli"/>
-                <a:cs typeface="Muli"/>
-                <a:sym typeface="Muli"/>
-              </a:defRPr>
-            </a:lvl1pPr>
-            <a:lvl2pPr lvl="1" rtl="0">
-              <a:spcBef>
-                <a:spcPts val="0"/>
-              </a:spcBef>
-              <a:buClr>
-                <a:srgbClr val="FFFFFF"/>
-              </a:buClr>
-              <a:buSzPct val="100000"/>
-              <a:buFont typeface="Muli"/>
-              <a:defRPr sz="1800">
-                <a:solidFill>
-                  <a:srgbClr val="FFFFFF"/>
-                </a:solidFill>
-                <a:latin typeface="Muli"/>
-                <a:ea typeface="Muli"/>
-                <a:cs typeface="Muli"/>
-                <a:sym typeface="Muli"/>
-              </a:defRPr>
-            </a:lvl2pPr>
-            <a:lvl3pPr lvl="2" rtl="0">
-              <a:spcBef>
-                <a:spcPts val="0"/>
-              </a:spcBef>
-              <a:buClr>
-                <a:srgbClr val="FFFFFF"/>
-              </a:buClr>
-              <a:buSzPct val="100000"/>
-              <a:buFont typeface="Muli"/>
-              <a:defRPr sz="1800">
-                <a:solidFill>
-                  <a:srgbClr val="FFFFFF"/>
-                </a:solidFill>
-                <a:latin typeface="Muli"/>
-                <a:ea typeface="Muli"/>
-                <a:cs typeface="Muli"/>
-                <a:sym typeface="Muli"/>
-              </a:defRPr>
-            </a:lvl3pPr>
-            <a:lvl4pPr lvl="3" rtl="0">
-              <a:spcBef>
-                <a:spcPts val="0"/>
-              </a:spcBef>
-              <a:buClr>
-                <a:srgbClr val="FFFFFF"/>
-              </a:buClr>
-              <a:buSzPct val="100000"/>
-              <a:buFont typeface="Muli"/>
-              <a:defRPr sz="1800">
-                <a:solidFill>
-                  <a:srgbClr val="FFFFFF"/>
-                </a:solidFill>
-                <a:latin typeface="Muli"/>
-                <a:ea typeface="Muli"/>
-                <a:cs typeface="Muli"/>
-                <a:sym typeface="Muli"/>
-              </a:defRPr>
-            </a:lvl4pPr>
-            <a:lvl5pPr lvl="4" rtl="0">
-              <a:spcBef>
-                <a:spcPts val="0"/>
-              </a:spcBef>
-              <a:buClr>
-                <a:srgbClr val="FFFFFF"/>
-              </a:buClr>
-              <a:buSzPct val="100000"/>
-              <a:buFont typeface="Muli"/>
-              <a:defRPr sz="1800">
-                <a:solidFill>
-                  <a:srgbClr val="FFFFFF"/>
-                </a:solidFill>
-                <a:latin typeface="Muli"/>
-                <a:ea typeface="Muli"/>
-                <a:cs typeface="Muli"/>
-                <a:sym typeface="Muli"/>
-              </a:defRPr>
-            </a:lvl5pPr>
-            <a:lvl6pPr lvl="5" rtl="0">
-              <a:spcBef>
-                <a:spcPts val="0"/>
-              </a:spcBef>
-              <a:buClr>
-                <a:srgbClr val="FFFFFF"/>
-              </a:buClr>
-              <a:buSzPct val="100000"/>
-              <a:buFont typeface="Muli"/>
-              <a:defRPr sz="1800">
-                <a:solidFill>
-                  <a:srgbClr val="FFFFFF"/>
-                </a:solidFill>
-                <a:latin typeface="Muli"/>
-                <a:ea typeface="Muli"/>
-                <a:cs typeface="Muli"/>
-                <a:sym typeface="Muli"/>
-              </a:defRPr>
-            </a:lvl6pPr>
-            <a:lvl7pPr lvl="6" rtl="0">
-              <a:spcBef>
-                <a:spcPts val="0"/>
-              </a:spcBef>
-              <a:buClr>
-                <a:srgbClr val="FFFFFF"/>
-              </a:buClr>
-              <a:buSzPct val="100000"/>
-              <a:buFont typeface="Muli"/>
-              <a:defRPr sz="1800">
-                <a:solidFill>
-                  <a:srgbClr val="FFFFFF"/>
-                </a:solidFill>
-                <a:latin typeface="Muli"/>
-                <a:ea typeface="Muli"/>
-                <a:cs typeface="Muli"/>
-                <a:sym typeface="Muli"/>
-              </a:defRPr>
-            </a:lvl7pPr>
-            <a:lvl8pPr lvl="7" rtl="0">
-              <a:spcBef>
-                <a:spcPts val="0"/>
-              </a:spcBef>
-              <a:buClr>
-                <a:srgbClr val="FFFFFF"/>
-              </a:buClr>
-              <a:buSzPct val="100000"/>
-              <a:buFont typeface="Muli"/>
-              <a:defRPr sz="1800">
-                <a:solidFill>
-                  <a:srgbClr val="FFFFFF"/>
-                </a:solidFill>
-                <a:latin typeface="Muli"/>
-                <a:ea typeface="Muli"/>
-                <a:cs typeface="Muli"/>
-                <a:sym typeface="Muli"/>
-              </a:defRPr>
-            </a:lvl8pPr>
-            <a:lvl9pPr lvl="8" rtl="0">
-              <a:spcBef>
-                <a:spcPts val="0"/>
-              </a:spcBef>
-              <a:buClr>
-                <a:srgbClr val="FFFFFF"/>
-              </a:buClr>
-              <a:buSzPct val="100000"/>
-              <a:buFont typeface="Muli"/>
-              <a:defRPr sz="1800">
-                <a:solidFill>
-                  <a:srgbClr val="FFFFFF"/>
-                </a:solidFill>
-                <a:latin typeface="Muli"/>
-                <a:ea typeface="Muli"/>
-                <a:cs typeface="Muli"/>
-                <a:sym typeface="Muli"/>
-              </a:defRPr>
-            </a:lvl9pPr>
-          </a:lstStyle>
-          <a:p>
-            <a:endParaRPr/>
-          </a:p>
-        </p:txBody>
-      </p:sp>
-    </p:spTree>
-    <p:extLst>
-      <p:ext uri="{BB962C8B-B14F-4D97-AF65-F5344CB8AC3E}">
-        <p14:creationId xmlns:p14="http://schemas.microsoft.com/office/powerpoint/2010/main" val="3925574557"/>
-      </p:ext>
-    </p:extLst>
-  </p:cSld>
-  <p:clrMapOvr>
-    <a:masterClrMapping/>
-  </p:clrMapOvr>
-</p:sldLayout>
-</file>
-
 <file path=ppt/slideMasters/slideMaster1.xml><?xml version="1.0" encoding="utf-8"?>
 <p:sldMaster xmlns:a="http://schemas.openxmlformats.org/drawingml/2006/main" xmlns:r="http://schemas.openxmlformats.org/officeDocument/2006/relationships" xmlns:p="http://schemas.openxmlformats.org/presentationml/2006/main">
   <p:cSld>
@@ -6789,9 +6382,8 @@
   <p:clrMap bg1="lt1" tx1="dk1" bg2="dk2" tx2="lt2" accent1="accent1" accent2="accent2" accent3="accent3" accent4="accent4" accent5="accent5" accent6="accent6" hlink="hlink" folHlink="folHlink"/>
   <p:sldLayoutIdLst>
     <p:sldLayoutId id="2147483648" r:id="rId1"/>
-    <p:sldLayoutId id="2147483649" r:id="rId2"/>
-    <p:sldLayoutId id="2147483651" r:id="rId3"/>
-    <p:sldLayoutId id="2147483657" r:id="rId4"/>
+    <p:sldLayoutId id="2147483657" r:id="rId2"/>
+    <p:sldLayoutId id="2147483679" r:id="rId3"/>
   </p:sldLayoutIdLst>
   <p:hf sldNum="0" hdr="0" ftr="0" dt="0"/>
   <p:txStyles>
@@ -17129,8 +16721,8 @@
         </p:nvSpPr>
         <p:spPr>
           <a:xfrm>
-            <a:off x="2902775" y="302375"/>
-            <a:ext cx="5718600" cy="503099"/>
+            <a:off x="2902774" y="302375"/>
+            <a:ext cx="6343967" cy="503099"/>
           </a:xfrm>
           <a:prstGeom prst="rect">
             <a:avLst/>
@@ -17142,11 +16734,21 @@
           </a:bodyPr>
           <a:lstStyle/>
           <a:p>
-            <a:pPr lvl="0"/>
             <a:r>
               <a:rPr lang="es-ES" dirty="0"/>
-              <a:t>Fuentes sobre Raspberry Pi </a:t>
+              <a:t>Fuentes </a:t>
             </a:r>
+            <a:r>
+              <a:rPr lang="es-ES" dirty="0" smtClean="0"/>
+              <a:t>información </a:t>
+            </a:r>
+            <a:r>
+              <a:rPr lang="es-ES" dirty="0"/>
+              <a:t>de sobre Raspberry Pi </a:t>
+            </a:r>
+            <a:br>
+              <a:rPr lang="es-ES" dirty="0"/>
+            </a:br>
             <a:endParaRPr lang="en" dirty="0"/>
           </a:p>
         </p:txBody>
@@ -45388,20 +44990,9 @@
           <a:lstStyle/>
           <a:p>
             <a:r>
-              <a:rPr lang="es-ES" dirty="0"/>
-              <a:t>3.2.1 Fuente de información 1 sobre </a:t>
+              <a:rPr lang="es-ES" dirty="0" smtClean="0"/>
+              <a:t>CONCLUSIONES</a:t>
             </a:r>
-            <a:r>
-              <a:rPr lang="es-ES" dirty="0" err="1"/>
-              <a:t>Arduino</a:t>
-            </a:r>
-            <a:r>
-              <a:rPr lang="es-ES" dirty="0"/>
-              <a:t/>
-            </a:r>
-            <a:br>
-              <a:rPr lang="es-ES" dirty="0"/>
-            </a:br>
             <a:endParaRPr lang="es-ES" dirty="0"/>
           </a:p>
         </p:txBody>
@@ -45426,19 +45017,94 @@
           <a:bodyPr/>
           <a:lstStyle/>
           <a:p>
+            <a:pPr>
+              <a:buNone/>
+            </a:pPr>
+            <a:endParaRPr lang="es-ES" sz="2000" dirty="0" smtClean="0"/>
+          </a:p>
+          <a:p>
+            <a:pPr marL="342900" indent="-342900"/>
             <a:r>
-              <a:rPr lang="es-ES" u="sng" dirty="0" smtClean="0">
-                <a:hlinkClick r:id="rId2"/>
-              </a:rPr>
-              <a:t>https</a:t>
+              <a:rPr lang="es-ES" sz="2000" dirty="0" smtClean="0"/>
+              <a:t>Multitud </a:t>
             </a:r>
             <a:r>
-              <a:rPr lang="es-ES" u="sng" dirty="0">
-                <a:hlinkClick r:id="rId2"/>
+              <a:rPr lang="es-ES" sz="2000" dirty="0"/>
+              <a:t>de cursos </a:t>
+            </a:r>
+            <a:r>
+              <a:rPr lang="es-ES" sz="2000" dirty="0" smtClean="0"/>
+              <a:t>online.</a:t>
+            </a:r>
+          </a:p>
+          <a:p>
+            <a:pPr marL="342900" indent="-342900"/>
+            <a:endParaRPr lang="es-ES" sz="2000" dirty="0" smtClean="0"/>
+          </a:p>
+          <a:p>
+            <a:pPr marL="342900" indent="-342900"/>
+            <a:r>
+              <a:rPr lang="es-ES" sz="2000" dirty="0" smtClean="0"/>
+              <a:t>Más </a:t>
+            </a:r>
+            <a:r>
+              <a:rPr lang="es-ES" sz="2000" dirty="0"/>
+              <a:t>cursos gratuitos que de pago. </a:t>
+            </a:r>
+            <a:endParaRPr lang="es-ES" sz="2000" dirty="0" smtClean="0"/>
+          </a:p>
+          <a:p>
+            <a:pPr marL="342900" indent="-342900"/>
+            <a:endParaRPr lang="es-ES" sz="2000" dirty="0" smtClean="0"/>
+          </a:p>
+          <a:p>
+            <a:pPr marL="342900" indent="-342900"/>
+            <a:r>
+              <a:rPr lang="es-ES" sz="2000" dirty="0"/>
+              <a:t>Los cursos </a:t>
+            </a:r>
+            <a:r>
+              <a:rPr lang="es-ES" sz="2000" dirty="0" smtClean="0"/>
+              <a:t>universitarios los que </a:t>
+            </a:r>
+            <a:r>
+              <a:rPr lang="es-ES" sz="2000" dirty="0"/>
+              <a:t>más se centran en la tecnología en </a:t>
+            </a:r>
+            <a:r>
+              <a:rPr lang="es-ES" sz="2000" dirty="0" smtClean="0"/>
+              <a:t>general.</a:t>
+            </a:r>
+            <a:endParaRPr lang="es-ES" sz="2000" dirty="0"/>
+          </a:p>
+          <a:p>
+            <a:pPr marL="342900" indent="-342900"/>
+            <a:endParaRPr lang="es-ES" sz="2000" dirty="0" smtClean="0"/>
+          </a:p>
+          <a:p>
+            <a:pPr marL="342900" indent="-342900"/>
+            <a:r>
+              <a:rPr lang="es-ES" sz="2000" dirty="0" smtClean="0"/>
+              <a:t>De todos los niveles y para todos: </a:t>
+            </a:r>
+            <a:r>
+              <a:rPr lang="es-ES" sz="2000" dirty="0" smtClean="0">
+                <a:solidFill>
+                  <a:schemeClr val="accent1">
+                    <a:lumMod val="50000"/>
+                  </a:schemeClr>
+                </a:solidFill>
               </a:rPr>
-              <a:t>://www.arduino.cc/</a:t>
+              <a:t>tanto niños como adultos</a:t>
             </a:r>
-            <a:endParaRPr lang="es-ES" dirty="0"/>
+            <a:r>
+              <a:rPr lang="es-ES" sz="2000" dirty="0" smtClean="0"/>
+              <a:t>, </a:t>
+            </a:r>
+            <a:r>
+              <a:rPr lang="es-ES" sz="2000" dirty="0"/>
+              <a:t>independientemente de sus conocimientos, puedan desarrollar e implantar una solución con relativa facilidad. </a:t>
+            </a:r>
           </a:p>
           <a:p>
             <a:pPr>
@@ -45447,24 +45113,9 @@
             <a:endParaRPr lang="es-ES" dirty="0" smtClean="0"/>
           </a:p>
           <a:p>
-            <a:r>
-              <a:rPr lang="es-ES" dirty="0" smtClean="0"/>
-              <a:t>Página </a:t>
-            </a:r>
-            <a:r>
-              <a:rPr lang="es-ES" dirty="0"/>
-              <a:t>web oficial de las tarjetas </a:t>
-            </a:r>
-            <a:r>
-              <a:rPr lang="es-ES" dirty="0" err="1"/>
-              <a:t>Arduino</a:t>
-            </a:r>
-            <a:r>
-              <a:rPr lang="es-ES" dirty="0"/>
-              <a:t>. En ella se puede encontrar de todo, desde una tienda online para poder comparar las tarjetas y sus componentes hasta tutoriales y referencias para poder aprender a usarla, también posee un foro de consulta y un blog sobre noticias.</a:t>
-            </a:r>
-          </a:p>
-          <a:p>
+            <a:pPr>
+              <a:buNone/>
+            </a:pPr>
             <a:endParaRPr lang="es-ES" dirty="0"/>
           </a:p>
         </p:txBody>
@@ -45478,7 +45129,7 @@
           <p:nvPr/>
         </p:nvPicPr>
         <p:blipFill>
-          <a:blip r:embed="rId3">
+          <a:blip r:embed="rId2">
             <a:extLst>
               <a:ext uri="{28A0092B-C50C-407E-A947-70E740481C1C}">
                 <a14:useLocalDpi xmlns:a14="http://schemas.microsoft.com/office/drawing/2010/main" val="0"/>
@@ -45513,7 +45164,7 @@
     </p:spTree>
     <p:extLst>
       <p:ext uri="{BB962C8B-B14F-4D97-AF65-F5344CB8AC3E}">
-        <p14:creationId xmlns:p14="http://schemas.microsoft.com/office/powerpoint/2010/main" val="2479399073"/>
+        <p14:creationId xmlns:p14="http://schemas.microsoft.com/office/powerpoint/2010/main" val="1107916228"/>
       </p:ext>
     </p:extLst>
   </p:cSld>
@@ -46000,29 +45651,7 @@
       </p:grpSpPr>
       <p:sp>
         <p:nvSpPr>
-          <p:cNvPr id="2" name="Subtítulo 1"/>
-          <p:cNvSpPr>
-            <a:spLocks noGrp="1"/>
-          </p:cNvSpPr>
-          <p:nvPr>
-            <p:ph type="subTitle" idx="1"/>
-          </p:nvPr>
-        </p:nvSpPr>
-        <p:spPr/>
-        <p:txBody>
-          <a:bodyPr/>
-          <a:lstStyle/>
-          <a:p>
-            <a:r>
-              <a:rPr lang="es-ES" dirty="0"/>
-              <a:t>(documentos)</a:t>
-            </a:r>
-          </a:p>
-        </p:txBody>
-      </p:sp>
-      <p:sp>
-        <p:nvSpPr>
-          <p:cNvPr id="3" name="Título 2"/>
+          <p:cNvPr id="2" name="Título 1"/>
           <p:cNvSpPr>
             <a:spLocks noGrp="1"/>
           </p:cNvSpPr>
@@ -46036,21 +45665,139 @@
           <a:lstStyle/>
           <a:p>
             <a:r>
-              <a:rPr lang="es-ES" dirty="0"/>
-              <a:t>3. Fuentes de </a:t>
-            </a:r>
-            <a:r>
               <a:rPr lang="es-ES" dirty="0" smtClean="0"/>
-              <a:t>información</a:t>
+              <a:t>CONCLUSIONES</a:t>
             </a:r>
             <a:endParaRPr lang="es-ES" dirty="0"/>
           </a:p>
         </p:txBody>
       </p:sp>
+      <p:sp>
+        <p:nvSpPr>
+          <p:cNvPr id="3" name="Marcador de texto 2"/>
+          <p:cNvSpPr>
+            <a:spLocks noGrp="1"/>
+          </p:cNvSpPr>
+          <p:nvPr>
+            <p:ph type="body" idx="1"/>
+          </p:nvPr>
+        </p:nvSpPr>
+        <p:spPr>
+          <a:xfrm>
+            <a:off x="2902950" y="805474"/>
+            <a:ext cx="5718600" cy="3829101"/>
+          </a:xfrm>
+          <a:noFill/>
+          <a:ln>
+            <a:noFill/>
+          </a:ln>
+        </p:spPr>
+        <p:txBody>
+          <a:bodyPr lIns="91425" tIns="91425" rIns="91425" bIns="91425" anchor="t" anchorCtr="0"/>
+          <a:lstStyle/>
+          <a:p>
+            <a:pPr marL="342900" indent="-342900"/>
+            <a:r>
+              <a:rPr lang="es-ES" sz="2000" dirty="0" err="1" smtClean="0"/>
+              <a:t>Arduino</a:t>
+            </a:r>
+            <a:r>
+              <a:rPr lang="es-ES" sz="2000" dirty="0" smtClean="0"/>
+              <a:t> y </a:t>
+            </a:r>
+            <a:r>
+              <a:rPr lang="es-ES" sz="2000" dirty="0" err="1" smtClean="0"/>
+              <a:t>Raspberry</a:t>
+            </a:r>
+            <a:r>
+              <a:rPr lang="es-ES" sz="2000" dirty="0" smtClean="0"/>
+              <a:t> son 2 “gigantes” en el mundo </a:t>
+            </a:r>
+            <a:r>
+              <a:rPr lang="es-ES" sz="2000" dirty="0" err="1" smtClean="0"/>
+              <a:t>IoT</a:t>
+            </a:r>
+            <a:r>
+              <a:rPr lang="es-ES" sz="2000" dirty="0" smtClean="0"/>
+              <a:t>, </a:t>
+            </a:r>
+            <a:r>
+              <a:rPr lang="es-ES" sz="2000" dirty="0"/>
+              <a:t>por lo que numerosas tiendas tecnológicas venden sus productos. </a:t>
+            </a:r>
+          </a:p>
+          <a:p>
+            <a:pPr>
+              <a:buNone/>
+            </a:pPr>
+            <a:endParaRPr lang="es-ES" sz="2000" dirty="0"/>
+          </a:p>
+          <a:p>
+            <a:pPr marL="342900" indent="-342900"/>
+            <a:r>
+              <a:rPr lang="es-ES" sz="2000" dirty="0"/>
+              <a:t>Aunque el software para implementarlo es gratuito, la placa y los demás componentes no.</a:t>
+            </a:r>
+          </a:p>
+          <a:p>
+            <a:pPr>
+              <a:buNone/>
+            </a:pPr>
+            <a:endParaRPr lang="es-ES" sz="2000" dirty="0"/>
+          </a:p>
+          <a:p>
+            <a:pPr>
+              <a:buNone/>
+            </a:pPr>
+            <a:endParaRPr lang="es-ES" sz="2000" dirty="0"/>
+          </a:p>
+        </p:txBody>
+      </p:sp>
+      <p:pic>
+        <p:nvPicPr>
+          <p:cNvPr id="4" name="Picture 11" descr="D:\UNI\FSI\Sorin\dist\imgs\logo-uah.png"/>
+          <p:cNvPicPr>
+            <a:picLocks noChangeAspect="1" noChangeArrowheads="1"/>
+          </p:cNvPicPr>
+          <p:nvPr/>
+        </p:nvPicPr>
+        <p:blipFill>
+          <a:blip r:embed="rId2">
+            <a:extLst>
+              <a:ext uri="{28A0092B-C50C-407E-A947-70E740481C1C}">
+                <a14:useLocalDpi xmlns:a14="http://schemas.microsoft.com/office/drawing/2010/main" val="0"/>
+              </a:ext>
+            </a:extLst>
+          </a:blip>
+          <a:srcRect/>
+          <a:stretch>
+            <a:fillRect/>
+          </a:stretch>
+        </p:blipFill>
+        <p:spPr bwMode="auto">
+          <a:xfrm>
+            <a:off x="188233" y="4504029"/>
+            <a:ext cx="2002517" cy="580082"/>
+          </a:xfrm>
+          <a:prstGeom prst="rect">
+            <a:avLst/>
+          </a:prstGeom>
+          <a:noFill/>
+          <a:extLst>
+            <a:ext uri="{909E8E84-426E-40DD-AFC4-6F175D3DCCD1}">
+              <a14:hiddenFill xmlns:a14="http://schemas.microsoft.com/office/drawing/2010/main">
+                <a:solidFill>
+                  <a:srgbClr val="FFFFFF"/>
+                </a:solidFill>
+              </a14:hiddenFill>
+            </a:ext>
+          </a:extLst>
+        </p:spPr>
+      </p:pic>
     </p:spTree>
     <p:extLst>
       <p:ext uri="{BB962C8B-B14F-4D97-AF65-F5344CB8AC3E}">
-        <p14:creationId xmlns:p14="http://schemas.microsoft.com/office/powerpoint/2010/main" val="3037746626"/>
+        <p14:creationId xmlns:p14="http://schemas.microsoft.com/office/powerpoint/2010/main" val="3722737495"/>
       </p:ext>
     </p:extLst>
   </p:cSld>
@@ -46068,6 +45815,477 @@
 </file>
 
 <file path=ppt/slides/slide21.xml><?xml version="1.0" encoding="utf-8"?>
+<p:sld xmlns:a="http://schemas.openxmlformats.org/drawingml/2006/main" xmlns:r="http://schemas.openxmlformats.org/officeDocument/2006/relationships" xmlns:p="http://schemas.openxmlformats.org/presentationml/2006/main">
+  <p:cSld>
+    <p:spTree>
+      <p:nvGrpSpPr>
+        <p:cNvPr id="1" name=""/>
+        <p:cNvGrpSpPr/>
+        <p:nvPr/>
+      </p:nvGrpSpPr>
+      <p:grpSpPr>
+        <a:xfrm>
+          <a:off x="0" y="0"/>
+          <a:ext cx="0" cy="0"/>
+          <a:chOff x="0" y="0"/>
+          <a:chExt cx="0" cy="0"/>
+        </a:xfrm>
+      </p:grpSpPr>
+      <p:sp>
+        <p:nvSpPr>
+          <p:cNvPr id="2" name="Título 1"/>
+          <p:cNvSpPr>
+            <a:spLocks noGrp="1"/>
+          </p:cNvSpPr>
+          <p:nvPr>
+            <p:ph type="title"/>
+          </p:nvPr>
+        </p:nvSpPr>
+        <p:spPr/>
+        <p:txBody>
+          <a:bodyPr/>
+          <a:lstStyle/>
+          <a:p>
+            <a:r>
+              <a:rPr lang="es-ES" dirty="0" smtClean="0"/>
+              <a:t>CONCLUSIONES</a:t>
+            </a:r>
+            <a:endParaRPr lang="es-ES" dirty="0"/>
+          </a:p>
+        </p:txBody>
+      </p:sp>
+      <p:sp>
+        <p:nvSpPr>
+          <p:cNvPr id="3" name="Marcador de texto 2"/>
+          <p:cNvSpPr>
+            <a:spLocks noGrp="1"/>
+          </p:cNvSpPr>
+          <p:nvPr>
+            <p:ph type="body" idx="1"/>
+          </p:nvPr>
+        </p:nvSpPr>
+        <p:spPr>
+          <a:xfrm>
+            <a:off x="2902950" y="805474"/>
+            <a:ext cx="5718600" cy="3829101"/>
+          </a:xfrm>
+        </p:spPr>
+        <p:txBody>
+          <a:bodyPr/>
+          <a:lstStyle/>
+          <a:p>
+            <a:pPr marL="342900" indent="-342900"/>
+            <a:r>
+              <a:rPr lang="es-ES" sz="2000" dirty="0" smtClean="0"/>
+              <a:t>Comunidad sólidas </a:t>
+            </a:r>
+            <a:r>
+              <a:rPr lang="es-ES" sz="2000" dirty="0"/>
+              <a:t>tanto de desarrolladores como de empresas que diseñan componentes y soluciones finales</a:t>
+            </a:r>
+            <a:r>
+              <a:rPr lang="es-ES" sz="2000" dirty="0" smtClean="0"/>
+              <a:t>.</a:t>
+            </a:r>
+          </a:p>
+          <a:p>
+            <a:pPr>
+              <a:buNone/>
+            </a:pPr>
+            <a:endParaRPr lang="es-ES" sz="2000" dirty="0"/>
+          </a:p>
+          <a:p>
+            <a:pPr marL="342900" indent="-342900"/>
+            <a:r>
+              <a:rPr lang="es-ES" sz="2000" dirty="0"/>
+              <a:t>S</a:t>
+            </a:r>
+            <a:r>
+              <a:rPr lang="es-ES" sz="2000" dirty="0" smtClean="0"/>
+              <a:t>ocios </a:t>
+            </a:r>
+            <a:r>
+              <a:rPr lang="es-ES" sz="2000" dirty="0"/>
+              <a:t>tecnológicos </a:t>
+            </a:r>
+            <a:r>
+              <a:rPr lang="es-ES" sz="2000" dirty="0" smtClean="0"/>
+              <a:t>como </a:t>
+            </a:r>
+            <a:r>
+              <a:rPr lang="es-ES" sz="2000" dirty="0"/>
+              <a:t>Microsoft que está desarrollando versiones específicas de Windows (</a:t>
+            </a:r>
+            <a:r>
+              <a:rPr lang="es-ES" sz="2000" dirty="0" err="1"/>
+              <a:t>IoT</a:t>
+            </a:r>
+            <a:r>
+              <a:rPr lang="es-ES" sz="2000" dirty="0"/>
+              <a:t>) para dar soporte a estas plataformas. </a:t>
+            </a:r>
+          </a:p>
+          <a:p>
+            <a:pPr>
+              <a:buNone/>
+            </a:pPr>
+            <a:endParaRPr lang="es-ES" dirty="0" smtClean="0"/>
+          </a:p>
+          <a:p>
+            <a:pPr>
+              <a:buNone/>
+            </a:pPr>
+            <a:endParaRPr lang="es-ES" dirty="0"/>
+          </a:p>
+        </p:txBody>
+      </p:sp>
+      <p:pic>
+        <p:nvPicPr>
+          <p:cNvPr id="4" name="Picture 11" descr="D:\UNI\FSI\Sorin\dist\imgs\logo-uah.png"/>
+          <p:cNvPicPr>
+            <a:picLocks noChangeAspect="1" noChangeArrowheads="1"/>
+          </p:cNvPicPr>
+          <p:nvPr/>
+        </p:nvPicPr>
+        <p:blipFill>
+          <a:blip r:embed="rId2">
+            <a:extLst>
+              <a:ext uri="{28A0092B-C50C-407E-A947-70E740481C1C}">
+                <a14:useLocalDpi xmlns:a14="http://schemas.microsoft.com/office/drawing/2010/main" val="0"/>
+              </a:ext>
+            </a:extLst>
+          </a:blip>
+          <a:srcRect/>
+          <a:stretch>
+            <a:fillRect/>
+          </a:stretch>
+        </p:blipFill>
+        <p:spPr bwMode="auto">
+          <a:xfrm>
+            <a:off x="188233" y="4504029"/>
+            <a:ext cx="2002517" cy="580082"/>
+          </a:xfrm>
+          <a:prstGeom prst="rect">
+            <a:avLst/>
+          </a:prstGeom>
+          <a:noFill/>
+          <a:extLst>
+            <a:ext uri="{909E8E84-426E-40DD-AFC4-6F175D3DCCD1}">
+              <a14:hiddenFill xmlns:a14="http://schemas.microsoft.com/office/drawing/2010/main">
+                <a:solidFill>
+                  <a:srgbClr val="FFFFFF"/>
+                </a:solidFill>
+              </a14:hiddenFill>
+            </a:ext>
+          </a:extLst>
+        </p:spPr>
+      </p:pic>
+      <p:pic>
+        <p:nvPicPr>
+          <p:cNvPr id="1026" name="Picture 2" descr="http://intelligentsystem.com/wp-content/uploads/2015/06/Windows-10-IoT.png"/>
+          <p:cNvPicPr>
+            <a:picLocks noChangeAspect="1" noChangeArrowheads="1"/>
+          </p:cNvPicPr>
+          <p:nvPr/>
+        </p:nvPicPr>
+        <p:blipFill>
+          <a:blip r:embed="rId3">
+            <a:extLst>
+              <a:ext uri="{28A0092B-C50C-407E-A947-70E740481C1C}">
+                <a14:useLocalDpi xmlns:a14="http://schemas.microsoft.com/office/drawing/2010/main" val="0"/>
+              </a:ext>
+            </a:extLst>
+          </a:blip>
+          <a:srcRect/>
+          <a:stretch>
+            <a:fillRect/>
+          </a:stretch>
+        </p:blipFill>
+        <p:spPr bwMode="auto">
+          <a:xfrm>
+            <a:off x="4576326" y="3581399"/>
+            <a:ext cx="2043549" cy="1426511"/>
+          </a:xfrm>
+          <a:prstGeom prst="rect">
+            <a:avLst/>
+          </a:prstGeom>
+          <a:noFill/>
+          <a:extLst>
+            <a:ext uri="{909E8E84-426E-40DD-AFC4-6F175D3DCCD1}">
+              <a14:hiddenFill xmlns:a14="http://schemas.microsoft.com/office/drawing/2010/main">
+                <a:solidFill>
+                  <a:srgbClr val="FFFFFF"/>
+                </a:solidFill>
+              </a14:hiddenFill>
+            </a:ext>
+          </a:extLst>
+        </p:spPr>
+      </p:pic>
+    </p:spTree>
+    <p:extLst>
+      <p:ext uri="{BB962C8B-B14F-4D97-AF65-F5344CB8AC3E}">
+        <p14:creationId xmlns:p14="http://schemas.microsoft.com/office/powerpoint/2010/main" val="2997248921"/>
+      </p:ext>
+    </p:extLst>
+  </p:cSld>
+  <p:clrMapOvr>
+    <a:masterClrMapping/>
+  </p:clrMapOvr>
+  <p:timing>
+    <p:tnLst>
+      <p:par>
+        <p:cTn id="1" dur="indefinite" restart="never" nodeType="tmRoot"/>
+      </p:par>
+    </p:tnLst>
+  </p:timing>
+</p:sld>
+</file>
+
+<file path=ppt/slides/slide22.xml><?xml version="1.0" encoding="utf-8"?>
+<p:sld xmlns:a="http://schemas.openxmlformats.org/drawingml/2006/main" xmlns:r="http://schemas.openxmlformats.org/officeDocument/2006/relationships" xmlns:p="http://schemas.openxmlformats.org/presentationml/2006/main">
+  <p:cSld>
+    <p:spTree>
+      <p:nvGrpSpPr>
+        <p:cNvPr id="1" name=""/>
+        <p:cNvGrpSpPr/>
+        <p:nvPr/>
+      </p:nvGrpSpPr>
+      <p:grpSpPr>
+        <a:xfrm>
+          <a:off x="0" y="0"/>
+          <a:ext cx="0" cy="0"/>
+          <a:chOff x="0" y="0"/>
+          <a:chExt cx="0" cy="0"/>
+        </a:xfrm>
+      </p:grpSpPr>
+      <p:sp>
+        <p:nvSpPr>
+          <p:cNvPr id="2" name="Título 1"/>
+          <p:cNvSpPr>
+            <a:spLocks noGrp="1"/>
+          </p:cNvSpPr>
+          <p:nvPr>
+            <p:ph type="title"/>
+          </p:nvPr>
+        </p:nvSpPr>
+        <p:spPr/>
+        <p:txBody>
+          <a:bodyPr/>
+          <a:lstStyle/>
+          <a:p>
+            <a:r>
+              <a:rPr lang="es-ES" dirty="0" smtClean="0"/>
+              <a:t>CONCLUSIONES</a:t>
+            </a:r>
+            <a:endParaRPr lang="es-ES" dirty="0"/>
+          </a:p>
+        </p:txBody>
+      </p:sp>
+      <p:sp>
+        <p:nvSpPr>
+          <p:cNvPr id="3" name="Marcador de texto 2"/>
+          <p:cNvSpPr>
+            <a:spLocks noGrp="1"/>
+          </p:cNvSpPr>
+          <p:nvPr>
+            <p:ph type="body" idx="1"/>
+          </p:nvPr>
+        </p:nvSpPr>
+        <p:spPr>
+          <a:xfrm>
+            <a:off x="2902950" y="805474"/>
+            <a:ext cx="5718600" cy="3829101"/>
+          </a:xfrm>
+        </p:spPr>
+        <p:txBody>
+          <a:bodyPr/>
+          <a:lstStyle/>
+          <a:p>
+            <a:r>
+              <a:rPr lang="es-ES" sz="2000" dirty="0"/>
+              <a:t>Todo apunta a que el futuro será de las cosas conectadas </a:t>
+            </a:r>
+            <a:r>
+              <a:rPr lang="es-ES" sz="2000" dirty="0" smtClean="0"/>
+              <a:t> (</a:t>
+            </a:r>
+            <a:r>
+              <a:rPr lang="es-ES" sz="2000" dirty="0" err="1" smtClean="0"/>
+              <a:t>IoT</a:t>
+            </a:r>
+            <a:r>
+              <a:rPr lang="es-ES" sz="2000" dirty="0" smtClean="0"/>
+              <a:t>) </a:t>
+            </a:r>
+            <a:r>
+              <a:rPr lang="es-ES" sz="2000" dirty="0"/>
+              <a:t>y nadie quiere perder </a:t>
+            </a:r>
+            <a:r>
+              <a:rPr lang="es-ES" sz="2000" dirty="0" smtClean="0"/>
+              <a:t>liderazgo ni cuota de mercado.</a:t>
+            </a:r>
+            <a:endParaRPr lang="es-ES" sz="2000" dirty="0"/>
+          </a:p>
+          <a:p>
+            <a:pPr>
+              <a:buNone/>
+            </a:pPr>
+            <a:endParaRPr lang="es-ES" dirty="0" smtClean="0"/>
+          </a:p>
+          <a:p>
+            <a:pPr>
+              <a:buNone/>
+            </a:pPr>
+            <a:endParaRPr lang="es-ES" dirty="0"/>
+          </a:p>
+        </p:txBody>
+      </p:sp>
+      <p:pic>
+        <p:nvPicPr>
+          <p:cNvPr id="4" name="Picture 11" descr="D:\UNI\FSI\Sorin\dist\imgs\logo-uah.png"/>
+          <p:cNvPicPr>
+            <a:picLocks noChangeAspect="1" noChangeArrowheads="1"/>
+          </p:cNvPicPr>
+          <p:nvPr/>
+        </p:nvPicPr>
+        <p:blipFill>
+          <a:blip r:embed="rId2">
+            <a:extLst>
+              <a:ext uri="{28A0092B-C50C-407E-A947-70E740481C1C}">
+                <a14:useLocalDpi xmlns:a14="http://schemas.microsoft.com/office/drawing/2010/main" val="0"/>
+              </a:ext>
+            </a:extLst>
+          </a:blip>
+          <a:srcRect/>
+          <a:stretch>
+            <a:fillRect/>
+          </a:stretch>
+        </p:blipFill>
+        <p:spPr bwMode="auto">
+          <a:xfrm>
+            <a:off x="188233" y="4504029"/>
+            <a:ext cx="2002517" cy="580082"/>
+          </a:xfrm>
+          <a:prstGeom prst="rect">
+            <a:avLst/>
+          </a:prstGeom>
+          <a:noFill/>
+          <a:extLst>
+            <a:ext uri="{909E8E84-426E-40DD-AFC4-6F175D3DCCD1}">
+              <a14:hiddenFill xmlns:a14="http://schemas.microsoft.com/office/drawing/2010/main">
+                <a:solidFill>
+                  <a:srgbClr val="FFFFFF"/>
+                </a:solidFill>
+              </a14:hiddenFill>
+            </a:ext>
+          </a:extLst>
+        </p:spPr>
+      </p:pic>
+      <p:pic>
+        <p:nvPicPr>
+          <p:cNvPr id="5" name="Picture 2" descr="https://upload.wikimedia.org/wikipedia/commons/thumb/8/87/Arduino_Logo.svg/1280px-Arduino_Logo.svg.png"/>
+          <p:cNvPicPr>
+            <a:picLocks noChangeAspect="1" noChangeArrowheads="1"/>
+          </p:cNvPicPr>
+          <p:nvPr/>
+        </p:nvPicPr>
+        <p:blipFill>
+          <a:blip r:embed="rId3">
+            <a:biLevel thresh="25000"/>
+            <a:extLst>
+              <a:ext uri="{28A0092B-C50C-407E-A947-70E740481C1C}">
+                <a14:useLocalDpi xmlns:a14="http://schemas.microsoft.com/office/drawing/2010/main" val="0"/>
+              </a:ext>
+            </a:extLst>
+          </a:blip>
+          <a:srcRect/>
+          <a:stretch>
+            <a:fillRect/>
+          </a:stretch>
+        </p:blipFill>
+        <p:spPr bwMode="auto">
+          <a:xfrm>
+            <a:off x="3854457" y="3003672"/>
+            <a:ext cx="1547118" cy="1052765"/>
+          </a:xfrm>
+          <a:prstGeom prst="rect">
+            <a:avLst/>
+          </a:prstGeom>
+          <a:noFill/>
+          <a:extLst>
+            <a:ext uri="{909E8E84-426E-40DD-AFC4-6F175D3DCCD1}">
+              <a14:hiddenFill xmlns:a14="http://schemas.microsoft.com/office/drawing/2010/main">
+                <a:solidFill>
+                  <a:srgbClr val="FFFFFF"/>
+                </a:solidFill>
+              </a14:hiddenFill>
+            </a:ext>
+          </a:extLst>
+        </p:spPr>
+      </p:pic>
+      <p:pic>
+        <p:nvPicPr>
+          <p:cNvPr id="6" name="Picture 10" descr="C:\Users\Soryn\Desktop\temp\cw22-logo-raspberrypi-2414055.png"/>
+          <p:cNvPicPr>
+            <a:picLocks noChangeAspect="1" noChangeArrowheads="1"/>
+          </p:cNvPicPr>
+          <p:nvPr/>
+        </p:nvPicPr>
+        <p:blipFill>
+          <a:blip r:embed="rId4">
+            <a:extLst>
+              <a:ext uri="{28A0092B-C50C-407E-A947-70E740481C1C}">
+                <a14:useLocalDpi xmlns:a14="http://schemas.microsoft.com/office/drawing/2010/main" val="0"/>
+              </a:ext>
+            </a:extLst>
+          </a:blip>
+          <a:srcRect/>
+          <a:stretch>
+            <a:fillRect/>
+          </a:stretch>
+        </p:blipFill>
+        <p:spPr bwMode="auto">
+          <a:xfrm>
+            <a:off x="6637143" y="2738832"/>
+            <a:ext cx="1582446" cy="1582446"/>
+          </a:xfrm>
+          <a:prstGeom prst="rect">
+            <a:avLst/>
+          </a:prstGeom>
+          <a:noFill/>
+          <a:extLst>
+            <a:ext uri="{909E8E84-426E-40DD-AFC4-6F175D3DCCD1}">
+              <a14:hiddenFill xmlns:a14="http://schemas.microsoft.com/office/drawing/2010/main">
+                <a:solidFill>
+                  <a:srgbClr val="FFFFFF"/>
+                </a:solidFill>
+              </a14:hiddenFill>
+            </a:ext>
+          </a:extLst>
+        </p:spPr>
+      </p:pic>
+    </p:spTree>
+    <p:extLst>
+      <p:ext uri="{BB962C8B-B14F-4D97-AF65-F5344CB8AC3E}">
+        <p14:creationId xmlns:p14="http://schemas.microsoft.com/office/powerpoint/2010/main" val="1322025392"/>
+      </p:ext>
+    </p:extLst>
+  </p:cSld>
+  <p:clrMapOvr>
+    <a:masterClrMapping/>
+  </p:clrMapOvr>
+  <p:timing>
+    <p:tnLst>
+      <p:par>
+        <p:cTn id="1" dur="indefinite" restart="never" nodeType="tmRoot"/>
+      </p:par>
+    </p:tnLst>
+  </p:timing>
+</p:sld>
+</file>
+
+<file path=ppt/slides/slide23.xml><?xml version="1.0" encoding="utf-8"?>
 <p:sld xmlns:a="http://schemas.openxmlformats.org/drawingml/2006/main" xmlns:r="http://schemas.openxmlformats.org/officeDocument/2006/relationships" xmlns:p="http://schemas.openxmlformats.org/presentationml/2006/main">
   <p:cSld>
     <p:spTree>

--- a/TG1/TG1_sync1.david.pptx
+++ b/TG1/TG1_sync1.david.pptx
@@ -6,7 +6,7 @@
     <p:sldMasterId id="2147483669" r:id="rId2"/>
   </p:sldMasterIdLst>
   <p:notesMasterIdLst>
-    <p:notesMasterId r:id="rId26"/>
+    <p:notesMasterId r:id="rId28"/>
   </p:notesMasterIdLst>
   <p:sldIdLst>
     <p:sldId id="256" r:id="rId3"/>
@@ -27,11 +27,13 @@
     <p:sldId id="358" r:id="rId18"/>
     <p:sldId id="359" r:id="rId19"/>
     <p:sldId id="352" r:id="rId20"/>
-    <p:sldId id="360" r:id="rId21"/>
-    <p:sldId id="361" r:id="rId22"/>
-    <p:sldId id="362" r:id="rId23"/>
-    <p:sldId id="363" r:id="rId24"/>
-    <p:sldId id="353" r:id="rId25"/>
+    <p:sldId id="365" r:id="rId21"/>
+    <p:sldId id="364" r:id="rId22"/>
+    <p:sldId id="360" r:id="rId23"/>
+    <p:sldId id="361" r:id="rId24"/>
+    <p:sldId id="362" r:id="rId25"/>
+    <p:sldId id="363" r:id="rId26"/>
+    <p:sldId id="353" r:id="rId27"/>
   </p:sldIdLst>
   <p:sldSz cx="9144000" cy="5143500" type="screen16x9"/>
   <p:notesSz cx="6858000" cy="9144000"/>
@@ -239,7 +241,7 @@
   </p:defaultTextStyle>
   <p:extLst>
     <p:ext uri="{EFAFB233-063F-42B5-8137-9DF3F51BA10A}">
-      <p15:sldGuideLst xmlns:p15="http://schemas.microsoft.com/office/powerpoint/2012/main">
+      <p15:sldGuideLst xmlns:p15="http://schemas.microsoft.com/office/powerpoint/2012/main" xmlns="">
         <p15:guide id="1" orient="horz" pos="1620">
           <p15:clr>
             <a:srgbClr val="A4A3A4"/>
@@ -1049,6 +1051,112 @@
 </file>
 
 <file path=ppt/notesSlides/notesSlide14.xml><?xml version="1.0" encoding="utf-8"?>
+<p:notes xmlns:a="http://schemas.openxmlformats.org/drawingml/2006/main" xmlns:r="http://schemas.openxmlformats.org/officeDocument/2006/relationships" xmlns:p="http://schemas.openxmlformats.org/presentationml/2006/main" showMasterSp="0" showMasterPhAnim="0">
+  <p:cSld>
+    <p:spTree>
+      <p:nvGrpSpPr>
+        <p:cNvPr id="1" name="Shape 137"/>
+        <p:cNvGrpSpPr/>
+        <p:nvPr/>
+      </p:nvGrpSpPr>
+      <p:grpSpPr>
+        <a:xfrm>
+          <a:off x="0" y="0"/>
+          <a:ext cx="0" cy="0"/>
+          <a:chOff x="0" y="0"/>
+          <a:chExt cx="0" cy="0"/>
+        </a:xfrm>
+      </p:grpSpPr>
+      <p:sp>
+        <p:nvSpPr>
+          <p:cNvPr id="138" name="Shape 138"/>
+          <p:cNvSpPr>
+            <a:spLocks noGrp="1" noRot="1" noChangeAspect="1"/>
+          </p:cNvSpPr>
+          <p:nvPr>
+            <p:ph type="sldImg" idx="2"/>
+          </p:nvPr>
+        </p:nvSpPr>
+        <p:spPr>
+          <a:xfrm>
+            <a:off x="381000" y="685800"/>
+            <a:ext cx="6096000" cy="3429000"/>
+          </a:xfrm>
+          <a:custGeom>
+            <a:avLst/>
+            <a:gdLst/>
+            <a:ahLst/>
+            <a:cxnLst/>
+            <a:rect l="0" t="0" r="0" b="0"/>
+            <a:pathLst>
+              <a:path w="120000" h="120000" extrusionOk="0">
+                <a:moveTo>
+                  <a:pt x="0" y="0"/>
+                </a:moveTo>
+                <a:lnTo>
+                  <a:pt x="120000" y="0"/>
+                </a:lnTo>
+                <a:lnTo>
+                  <a:pt x="120000" y="120000"/>
+                </a:lnTo>
+                <a:lnTo>
+                  <a:pt x="0" y="120000"/>
+                </a:lnTo>
+                <a:close/>
+              </a:path>
+            </a:pathLst>
+          </a:custGeom>
+        </p:spPr>
+      </p:sp>
+      <p:sp>
+        <p:nvSpPr>
+          <p:cNvPr id="139" name="Shape 139"/>
+          <p:cNvSpPr txBox="1">
+            <a:spLocks noGrp="1"/>
+          </p:cNvSpPr>
+          <p:nvPr>
+            <p:ph type="body" idx="1"/>
+          </p:nvPr>
+        </p:nvSpPr>
+        <p:spPr>
+          <a:xfrm>
+            <a:off x="685800" y="4343400"/>
+            <a:ext cx="5486399" cy="4114800"/>
+          </a:xfrm>
+          <a:prstGeom prst="rect">
+            <a:avLst/>
+          </a:prstGeom>
+        </p:spPr>
+        <p:txBody>
+          <a:bodyPr lIns="91425" tIns="91425" rIns="91425" bIns="91425" anchor="t" anchorCtr="0">
+            <a:noAutofit/>
+          </a:bodyPr>
+          <a:lstStyle/>
+          <a:p>
+            <a:pPr lvl="0">
+              <a:spcBef>
+                <a:spcPts val="0"/>
+              </a:spcBef>
+              <a:buNone/>
+            </a:pPr>
+            <a:endParaRPr/>
+          </a:p>
+        </p:txBody>
+      </p:sp>
+    </p:spTree>
+    <p:extLst>
+      <p:ext uri="{BB962C8B-B14F-4D97-AF65-F5344CB8AC3E}">
+        <p14:creationId xmlns:p14="http://schemas.microsoft.com/office/powerpoint/2010/main" val="2474276819"/>
+      </p:ext>
+    </p:extLst>
+  </p:cSld>
+  <p:clrMapOvr>
+    <a:masterClrMapping/>
+  </p:clrMapOvr>
+</p:notes>
+</file>
+
+<file path=ppt/notesSlides/notesSlide15.xml><?xml version="1.0" encoding="utf-8"?>
 <p:notes xmlns:a="http://schemas.openxmlformats.org/drawingml/2006/main" xmlns:r="http://schemas.openxmlformats.org/officeDocument/2006/relationships" xmlns:p="http://schemas.openxmlformats.org/presentationml/2006/main" showMasterSp="0" showMasterPhAnim="0">
   <p:cSld>
     <p:spTree>
@@ -8298,10 +8406,7 @@
             </a:endParaRPr>
           </a:p>
           <a:p>
-            <a:pPr lvl="0" rtl="0">
-              <a:spcBef>
-                <a:spcPts val="0"/>
-              </a:spcBef>
+            <a:pPr lvl="0">
               <a:buNone/>
             </a:pPr>
             <a:r>
@@ -8310,13 +8415,43 @@
                   <a:srgbClr val="0070C0"/>
                 </a:solidFill>
               </a:rPr>
-              <a:t>3. CONCLUSIONES</a:t>
+              <a:t>3. </a:t>
+            </a:r>
+            <a:r>
+              <a:rPr lang="en" sz="1600" b="1" dirty="0">
+                <a:solidFill>
+                  <a:srgbClr val="0070C0"/>
+                </a:solidFill>
+              </a:rPr>
+              <a:t>AYUDAS</a:t>
+            </a:r>
+          </a:p>
+          <a:p>
+            <a:pPr lvl="0">
+              <a:buNone/>
+            </a:pPr>
+            <a:endParaRPr lang="en" sz="1600" b="1" dirty="0">
+              <a:solidFill>
+                <a:srgbClr val="0070C0"/>
+              </a:solidFill>
+            </a:endParaRPr>
+          </a:p>
+          <a:p>
+            <a:pPr lvl="0">
+              <a:buNone/>
+            </a:pPr>
+            <a:r>
+              <a:rPr lang="en" sz="1600" b="1" dirty="0">
+                <a:solidFill>
+                  <a:srgbClr val="0070C0"/>
+                </a:solidFill>
+              </a:rPr>
+              <a:t>4. CONCLUSIONES</a:t>
             </a:r>
             <a:endParaRPr lang="en" sz="1600" b="1" dirty="0">
               <a:solidFill>
                 <a:srgbClr val="0070C0"/>
               </a:solidFill>
-              <a:sym typeface="Muli"/>
             </a:endParaRPr>
           </a:p>
         </p:txBody>
@@ -31476,7 +31611,6 @@
               <a:rPr lang="es-ES" sz="1100" dirty="0"/>
               <a:t>explicar lo que es hasta cursos avanzados para programar código </a:t>
             </a:r>
-            <a:endParaRPr lang="es-ES" sz="1100" dirty="0"/>
           </a:p>
         </p:txBody>
       </p:sp>
@@ -31530,7 +31664,6 @@
               <a:rPr lang="es-ES" sz="1100" dirty="0"/>
               <a:t>bien estructurados y completos </a:t>
             </a:r>
-            <a:endParaRPr lang="es-ES" sz="1100" dirty="0"/>
           </a:p>
         </p:txBody>
       </p:sp>
@@ -31584,7 +31717,6 @@
               <a:rPr lang="es-ES" sz="1100" dirty="0"/>
               <a:t>localizan 15 cursos, los cuales se dividen e imparte en vídeos explicativos. </a:t>
             </a:r>
-            <a:endParaRPr lang="es-ES" sz="1100" dirty="0"/>
           </a:p>
           <a:p>
             <a:pPr lvl="0">
@@ -39893,7 +40025,6 @@
               <a:rPr lang="es-ES" sz="1100" dirty="0"/>
               <a:t>materiales para aprender todos los aspectos más técnicos de Arduino </a:t>
             </a:r>
-            <a:endParaRPr lang="es-ES" sz="1100" dirty="0"/>
           </a:p>
         </p:txBody>
       </p:sp>
@@ -44870,10 +45001,7 @@
             </a:endParaRPr>
           </a:p>
           <a:p>
-            <a:pPr lvl="0" rtl="0">
-              <a:spcBef>
-                <a:spcPts val="0"/>
-              </a:spcBef>
+            <a:pPr lvl="0">
               <a:buNone/>
             </a:pPr>
             <a:r>
@@ -44882,13 +45010,43 @@
                   <a:schemeClr val="bg1"/>
                 </a:solidFill>
               </a:rPr>
-              <a:t>3. CONCLUSIONES</a:t>
+              <a:t>3. </a:t>
+            </a:r>
+            <a:r>
+              <a:rPr lang="en" sz="1600" b="1" dirty="0">
+                <a:solidFill>
+                  <a:schemeClr val="bg1"/>
+                </a:solidFill>
+              </a:rPr>
+              <a:t>AYUDAS</a:t>
+            </a:r>
+          </a:p>
+          <a:p>
+            <a:pPr lvl="0">
+              <a:buNone/>
+            </a:pPr>
+            <a:endParaRPr lang="en" sz="1600" b="1" dirty="0">
+              <a:solidFill>
+                <a:srgbClr val="0070C0"/>
+              </a:solidFill>
+            </a:endParaRPr>
+          </a:p>
+          <a:p>
+            <a:pPr lvl="0">
+              <a:buNone/>
+            </a:pPr>
+            <a:r>
+              <a:rPr lang="en" sz="1600" b="1" dirty="0">
+                <a:solidFill>
+                  <a:srgbClr val="0070C0"/>
+                </a:solidFill>
+              </a:rPr>
+              <a:t>4. CONCLUSIONES</a:t>
             </a:r>
             <a:endParaRPr lang="en" sz="1600" b="1" dirty="0">
               <a:solidFill>
-                <a:schemeClr val="bg1"/>
+                <a:srgbClr val="0070C0"/>
               </a:solidFill>
-              <a:sym typeface="Muli"/>
             </a:endParaRPr>
           </a:p>
         </p:txBody>
@@ -44991,7 +45149,7 @@
           <a:p>
             <a:r>
               <a:rPr lang="es-ES" dirty="0" smtClean="0"/>
-              <a:t>CONCLUSIONES</a:t>
+              <a:t>AYUDAS</a:t>
             </a:r>
             <a:endParaRPr lang="es-ES" dirty="0"/>
           </a:p>
@@ -45009,114 +45167,61 @@
         </p:nvSpPr>
         <p:spPr>
           <a:xfrm>
-            <a:off x="2902950" y="805474"/>
-            <a:ext cx="5718600" cy="3829101"/>
+            <a:off x="2902949" y="805474"/>
+            <a:ext cx="5601609" cy="3829101"/>
           </a:xfrm>
         </p:spPr>
         <p:txBody>
           <a:bodyPr/>
           <a:lstStyle/>
           <a:p>
-            <a:pPr>
-              <a:buNone/>
-            </a:pPr>
-            <a:endParaRPr lang="es-ES" sz="2000" dirty="0" smtClean="0"/>
-          </a:p>
-          <a:p>
-            <a:pPr marL="342900" indent="-342900"/>
+            <a:pPr lvl="0"/>
             <a:r>
               <a:rPr lang="es-ES" sz="2000" dirty="0" smtClean="0"/>
-              <a:t>Multitud </a:t>
+              <a:t>Trabajadores </a:t>
             </a:r>
             <a:r>
               <a:rPr lang="es-ES" sz="2000" dirty="0"/>
-              <a:t>de cursos </a:t>
+              <a:t>de empresas (no públicas): 260 €/alumno. </a:t>
             </a:r>
             <a:r>
-              <a:rPr lang="es-ES" sz="2000" dirty="0" smtClean="0"/>
-              <a:t>online.</a:t>
-            </a:r>
-          </a:p>
-          <a:p>
-            <a:pPr marL="342900" indent="-342900"/>
-            <a:endParaRPr lang="es-ES" sz="2000" dirty="0" smtClean="0"/>
-          </a:p>
-          <a:p>
-            <a:pPr marL="342900" indent="-342900"/>
-            <a:r>
-              <a:rPr lang="es-ES" sz="2000" dirty="0" smtClean="0"/>
-              <a:t>Más </a:t>
+              <a:rPr lang="es-ES" sz="2000" dirty="0" err="1"/>
+              <a:t>Bonificable</a:t>
             </a:r>
             <a:r>
               <a:rPr lang="es-ES" sz="2000" dirty="0"/>
-              <a:t>cursos gratuitos que de pago. </a:t>
+              <a:t> por la Fundación Tripartita hasta el 100%. </a:t>
             </a:r>
             <a:endParaRPr lang="es-ES" sz="2000" dirty="0" smtClean="0"/>
           </a:p>
           <a:p>
-            <a:pPr marL="342900" indent="-342900"/>
+            <a:pPr lvl="0"/>
+            <a:endParaRPr lang="es-ES" sz="2000" dirty="0"/>
+          </a:p>
+          <a:p>
+            <a:pPr lvl="0"/>
+            <a:r>
+              <a:rPr lang="es-ES" sz="2000" dirty="0"/>
+              <a:t>Autónomos y trabajadores empresas públicas: 190 €/alumno. </a:t>
+            </a:r>
             <a:endParaRPr lang="es-ES" sz="2000" dirty="0" smtClean="0"/>
           </a:p>
           <a:p>
-            <a:pPr marL="342900" indent="-342900"/>
-            <a:r>
-              <a:rPr lang="es-ES" sz="2000" dirty="0"/>
-              <a:t>Los cursos </a:t>
-            </a:r>
-            <a:r>
-              <a:rPr lang="es-ES" sz="2000" dirty="0" smtClean="0"/>
-              <a:t>universitarios los que </a:t>
-            </a:r>
-            <a:r>
-              <a:rPr lang="es-ES" sz="2000" dirty="0"/>
-              <a:t>más se centran en la tecnología en </a:t>
-            </a:r>
-            <a:r>
-              <a:rPr lang="es-ES" sz="2000" dirty="0" smtClean="0"/>
-              <a:t>general.</a:t>
-            </a:r>
+            <a:pPr lvl="0"/>
             <a:endParaRPr lang="es-ES" sz="2000" dirty="0"/>
           </a:p>
           <a:p>
-            <a:pPr marL="342900" indent="-342900"/>
-            <a:endParaRPr lang="es-ES" sz="2000" dirty="0" smtClean="0"/>
-          </a:p>
-          <a:p>
-            <a:pPr marL="342900" indent="-342900"/>
-            <a:r>
-              <a:rPr lang="es-ES" sz="2000" dirty="0" smtClean="0"/>
-              <a:t>De todos los niveles y para todos: </a:t>
-            </a:r>
-            <a:r>
-              <a:rPr lang="es-ES" sz="2000" dirty="0" smtClean="0">
-                <a:solidFill>
-                  <a:schemeClr val="accent1">
-                    <a:lumMod val="50000"/>
-                  </a:schemeClr>
-                </a:solidFill>
-              </a:rPr>
-              <a:t>tanto niños como adultos</a:t>
-            </a:r>
-            <a:r>
-              <a:rPr lang="es-ES" sz="2000" dirty="0" smtClean="0"/>
-              <a:t>, </a:t>
-            </a:r>
+            <a:pPr lvl="0"/>
             <a:r>
               <a:rPr lang="es-ES" sz="2000" dirty="0"/>
-              <a:t>independientemente de sus conocimientos, puedan desarrollar e implantar una solución con relativa facilidad. </a:t>
+              <a:t>Estudiantes y desempleados: 115 €/alumno </a:t>
             </a:r>
           </a:p>
           <a:p>
             <a:pPr>
               <a:buNone/>
             </a:pPr>
-            <a:endParaRPr lang="es-ES" dirty="0" smtClean="0"/>
-          </a:p>
-          <a:p>
-            <a:pPr>
-              <a:buNone/>
-            </a:pPr>
-            <a:endParaRPr lang="es-ES" dirty="0"/>
+            <a:endParaRPr lang="es-ES" sz="2000" dirty="0" smtClean="0"/>
           </a:p>
         </p:txBody>
       </p:sp>
@@ -45161,10 +45266,51 @@
           </a:extLst>
         </p:spPr>
       </p:pic>
+      <p:pic>
+        <p:nvPicPr>
+          <p:cNvPr id="1028" name="Picture 4" descr="http://aseduco.com/blog1/wp-content/uploads/2013/12/fundacion-tripartita.jpg"/>
+          <p:cNvPicPr>
+            <a:picLocks noChangeAspect="1" noChangeArrowheads="1"/>
+          </p:cNvPicPr>
+          <p:nvPr/>
+        </p:nvPicPr>
+        <p:blipFill>
+          <a:blip r:embed="rId3">
+            <a:extLst>
+              <a:ext uri="{28A0092B-C50C-407E-A947-70E740481C1C}">
+                <a14:useLocalDpi xmlns:a14="http://schemas.microsoft.com/office/drawing/2010/main" val="0"/>
+              </a:ext>
+            </a:extLst>
+          </a:blip>
+          <a:srcRect/>
+          <a:stretch>
+            <a:fillRect/>
+          </a:stretch>
+        </p:blipFill>
+        <p:spPr bwMode="auto">
+          <a:xfrm>
+            <a:off x="188232" y="402847"/>
+            <a:ext cx="1981819" cy="2980351"/>
+          </a:xfrm>
+          <a:prstGeom prst="rect">
+            <a:avLst/>
+          </a:prstGeom>
+          <a:noFill/>
+          <a:extLst>
+            <a:ext uri="{909E8E84-426E-40DD-AFC4-6F175D3DCCD1}">
+              <a14:hiddenFill xmlns:a14="http://schemas.microsoft.com/office/drawing/2010/main">
+                <a:solidFill>
+                  <a:srgbClr val="FFFFFF"/>
+                </a:solidFill>
+              </a14:hiddenFill>
+            </a:ext>
+          </a:extLst>
+        </p:spPr>
+      </p:pic>
     </p:spTree>
     <p:extLst>
       <p:ext uri="{BB962C8B-B14F-4D97-AF65-F5344CB8AC3E}">
-        <p14:creationId xmlns:p14="http://schemas.microsoft.com/office/powerpoint/2010/main" val="1107916228"/>
+        <p14:creationId xmlns:p14="http://schemas.microsoft.com/office/powerpoint/2010/main" val="3789113425"/>
       </p:ext>
     </p:extLst>
   </p:cSld>
@@ -45635,6 +45781,529 @@
 <file path=ppt/slides/slide20.xml><?xml version="1.0" encoding="utf-8"?>
 <p:sld xmlns:a="http://schemas.openxmlformats.org/drawingml/2006/main" xmlns:r="http://schemas.openxmlformats.org/officeDocument/2006/relationships" xmlns:p="http://schemas.openxmlformats.org/presentationml/2006/main">
   <p:cSld>
+    <p:bg>
+      <p:bgPr>
+        <a:blipFill>
+          <a:blip r:embed="rId3">
+            <a:alphaModFix/>
+          </a:blip>
+          <a:stretch>
+            <a:fillRect/>
+          </a:stretch>
+        </a:blipFill>
+        <a:effectLst/>
+      </p:bgPr>
+    </p:bg>
+    <p:spTree>
+      <p:nvGrpSpPr>
+        <p:cNvPr id="1" name="Shape 140"/>
+        <p:cNvGrpSpPr/>
+        <p:nvPr/>
+      </p:nvGrpSpPr>
+      <p:grpSpPr>
+        <a:xfrm>
+          <a:off x="0" y="0"/>
+          <a:ext cx="0" cy="0"/>
+          <a:chOff x="0" y="0"/>
+          <a:chExt cx="0" cy="0"/>
+        </a:xfrm>
+      </p:grpSpPr>
+      <p:sp>
+        <p:nvSpPr>
+          <p:cNvPr id="141" name="Shape 141"/>
+          <p:cNvSpPr/>
+          <p:nvPr/>
+        </p:nvSpPr>
+        <p:spPr>
+          <a:xfrm>
+            <a:off x="1" y="0"/>
+            <a:ext cx="9143999" cy="5143499"/>
+          </a:xfrm>
+          <a:prstGeom prst="rect">
+            <a:avLst/>
+          </a:prstGeom>
+          <a:solidFill>
+            <a:srgbClr val="00B2FF">
+              <a:alpha val="73330"/>
+            </a:srgbClr>
+          </a:solidFill>
+          <a:ln>
+            <a:noFill/>
+          </a:ln>
+        </p:spPr>
+        <p:txBody>
+          <a:bodyPr lIns="91425" tIns="91425" rIns="91425" bIns="91425" anchor="ctr" anchorCtr="0">
+            <a:noAutofit/>
+          </a:bodyPr>
+          <a:lstStyle/>
+          <a:p>
+            <a:endParaRPr/>
+          </a:p>
+        </p:txBody>
+      </p:sp>
+      <p:sp>
+        <p:nvSpPr>
+          <p:cNvPr id="142" name="Shape 142"/>
+          <p:cNvSpPr txBox="1">
+            <a:spLocks noGrp="1"/>
+          </p:cNvSpPr>
+          <p:nvPr>
+            <p:ph type="ctrTitle" idx="4294967295"/>
+          </p:nvPr>
+        </p:nvSpPr>
+        <p:spPr>
+          <a:xfrm>
+            <a:off x="0" y="256417"/>
+            <a:ext cx="3365399" cy="1159799"/>
+          </a:xfrm>
+          <a:prstGeom prst="rect">
+            <a:avLst/>
+          </a:prstGeom>
+        </p:spPr>
+        <p:txBody>
+          <a:bodyPr lIns="91425" tIns="91425" rIns="91425" bIns="91425" anchor="b" anchorCtr="0">
+            <a:noAutofit/>
+          </a:bodyPr>
+          <a:lstStyle/>
+          <a:p>
+            <a:pPr lvl="0" algn="ctr" rtl="0">
+              <a:spcBef>
+                <a:spcPts val="0"/>
+              </a:spcBef>
+              <a:buNone/>
+            </a:pPr>
+            <a:r>
+              <a:rPr lang="en" sz="4800" dirty="0" smtClean="0"/>
+              <a:t>ÍNDICE</a:t>
+            </a:r>
+            <a:endParaRPr lang="en" sz="4800" dirty="0"/>
+          </a:p>
+        </p:txBody>
+      </p:sp>
+      <p:sp>
+        <p:nvSpPr>
+          <p:cNvPr id="143" name="Shape 143"/>
+          <p:cNvSpPr txBox="1">
+            <a:spLocks noGrp="1"/>
+          </p:cNvSpPr>
+          <p:nvPr>
+            <p:ph type="subTitle" idx="4294967295"/>
+          </p:nvPr>
+        </p:nvSpPr>
+        <p:spPr>
+          <a:xfrm>
+            <a:off x="630224" y="1576654"/>
+            <a:ext cx="4843984" cy="3239186"/>
+          </a:xfrm>
+          <a:prstGeom prst="rect">
+            <a:avLst/>
+          </a:prstGeom>
+          <a:noFill/>
+          <a:ln>
+            <a:noFill/>
+          </a:ln>
+        </p:spPr>
+        <p:txBody>
+          <a:bodyPr lIns="91425" tIns="91425" rIns="91425" bIns="91425" anchor="t" anchorCtr="0">
+            <a:noAutofit/>
+          </a:bodyPr>
+          <a:lstStyle/>
+          <a:p>
+            <a:pPr>
+              <a:buNone/>
+            </a:pPr>
+            <a:r>
+              <a:rPr lang="en" sz="1600" b="1" dirty="0">
+                <a:solidFill>
+                  <a:srgbClr val="0070C0"/>
+                </a:solidFill>
+              </a:rPr>
+              <a:t>1. INTRODUCCIÓN A IOT</a:t>
+            </a:r>
+          </a:p>
+          <a:p>
+            <a:pPr lvl="0" rtl="0">
+              <a:spcBef>
+                <a:spcPts val="0"/>
+              </a:spcBef>
+              <a:buNone/>
+            </a:pPr>
+            <a:endParaRPr lang="en" sz="1600" b="1" dirty="0" smtClean="0">
+              <a:solidFill>
+                <a:srgbClr val="FFFFFF"/>
+              </a:solidFill>
+              <a:sym typeface="Muli"/>
+            </a:endParaRPr>
+          </a:p>
+          <a:p>
+            <a:pPr>
+              <a:buNone/>
+            </a:pPr>
+            <a:r>
+              <a:rPr lang="en" sz="1600" b="1" dirty="0">
+                <a:solidFill>
+                  <a:srgbClr val="0070C0"/>
+                </a:solidFill>
+              </a:rPr>
+              <a:t>2. RECURSOS Y FUENTES DE INFORMACIÓN</a:t>
+            </a:r>
+          </a:p>
+          <a:p>
+            <a:pPr lvl="0" rtl="0">
+              <a:spcBef>
+                <a:spcPts val="0"/>
+              </a:spcBef>
+              <a:buNone/>
+            </a:pPr>
+            <a:endParaRPr lang="en" sz="1600" b="1" dirty="0" smtClean="0">
+              <a:solidFill>
+                <a:srgbClr val="0070C0"/>
+              </a:solidFill>
+              <a:sym typeface="Muli"/>
+            </a:endParaRPr>
+          </a:p>
+          <a:p>
+            <a:pPr lvl="0">
+              <a:buNone/>
+            </a:pPr>
+            <a:r>
+              <a:rPr lang="en" sz="1600" b="1" dirty="0" smtClean="0">
+                <a:solidFill>
+                  <a:srgbClr val="0070C0"/>
+                </a:solidFill>
+              </a:rPr>
+              <a:t>3. </a:t>
+            </a:r>
+            <a:r>
+              <a:rPr lang="en" sz="1600" b="1" dirty="0">
+                <a:solidFill>
+                  <a:srgbClr val="0070C0"/>
+                </a:solidFill>
+              </a:rPr>
+              <a:t>AYUDAS</a:t>
+            </a:r>
+          </a:p>
+          <a:p>
+            <a:pPr lvl="0">
+              <a:buNone/>
+            </a:pPr>
+            <a:endParaRPr lang="en" sz="1600" b="1" dirty="0">
+              <a:solidFill>
+                <a:srgbClr val="0070C0"/>
+              </a:solidFill>
+            </a:endParaRPr>
+          </a:p>
+          <a:p>
+            <a:pPr lvl="0">
+              <a:buNone/>
+            </a:pPr>
+            <a:r>
+              <a:rPr lang="en" sz="1600" b="1" dirty="0">
+                <a:solidFill>
+                  <a:schemeClr val="bg1"/>
+                </a:solidFill>
+              </a:rPr>
+              <a:t>4. CONCLUSIONES</a:t>
+            </a:r>
+            <a:endParaRPr lang="en" sz="1600" b="1" dirty="0">
+              <a:solidFill>
+                <a:schemeClr val="bg1"/>
+              </a:solidFill>
+            </a:endParaRPr>
+          </a:p>
+        </p:txBody>
+      </p:sp>
+      <p:pic>
+        <p:nvPicPr>
+          <p:cNvPr id="5" name="Picture 11" descr="D:\UNI\FSI\Sorin\dist\imgs\logo-uah.png"/>
+          <p:cNvPicPr>
+            <a:picLocks noChangeAspect="1" noChangeArrowheads="1"/>
+          </p:cNvPicPr>
+          <p:nvPr/>
+        </p:nvPicPr>
+        <p:blipFill>
+          <a:blip r:embed="rId4">
+            <a:extLst>
+              <a:ext uri="{28A0092B-C50C-407E-A947-70E740481C1C}">
+                <a14:useLocalDpi xmlns:a14="http://schemas.microsoft.com/office/drawing/2010/main" val="0"/>
+              </a:ext>
+            </a:extLst>
+          </a:blip>
+          <a:srcRect/>
+          <a:stretch>
+            <a:fillRect/>
+          </a:stretch>
+        </p:blipFill>
+        <p:spPr bwMode="auto">
+          <a:xfrm>
+            <a:off x="188233" y="4504029"/>
+            <a:ext cx="2002517" cy="580082"/>
+          </a:xfrm>
+          <a:prstGeom prst="rect">
+            <a:avLst/>
+          </a:prstGeom>
+          <a:noFill/>
+          <a:extLst>
+            <a:ext uri="{909E8E84-426E-40DD-AFC4-6F175D3DCCD1}">
+              <a14:hiddenFill xmlns:a14="http://schemas.microsoft.com/office/drawing/2010/main">
+                <a:solidFill>
+                  <a:srgbClr val="FFFFFF"/>
+                </a:solidFill>
+              </a14:hiddenFill>
+            </a:ext>
+          </a:extLst>
+        </p:spPr>
+      </p:pic>
+    </p:spTree>
+    <p:extLst>
+      <p:ext uri="{BB962C8B-B14F-4D97-AF65-F5344CB8AC3E}">
+        <p14:creationId xmlns:p14="http://schemas.microsoft.com/office/powerpoint/2010/main" val="2761681630"/>
+      </p:ext>
+    </p:extLst>
+  </p:cSld>
+  <p:clrMapOvr>
+    <a:masterClrMapping/>
+  </p:clrMapOvr>
+  <p:transition spd="slow">
+    <p:cut/>
+  </p:transition>
+  <p:timing>
+    <p:tnLst>
+      <p:par>
+        <p:cTn id="1" dur="indefinite" restart="never" nodeType="tmRoot"/>
+      </p:par>
+    </p:tnLst>
+  </p:timing>
+</p:sld>
+</file>
+
+<file path=ppt/slides/slide21.xml><?xml version="1.0" encoding="utf-8"?>
+<p:sld xmlns:a="http://schemas.openxmlformats.org/drawingml/2006/main" xmlns:r="http://schemas.openxmlformats.org/officeDocument/2006/relationships" xmlns:p="http://schemas.openxmlformats.org/presentationml/2006/main">
+  <p:cSld>
+    <p:spTree>
+      <p:nvGrpSpPr>
+        <p:cNvPr id="1" name=""/>
+        <p:cNvGrpSpPr/>
+        <p:nvPr/>
+      </p:nvGrpSpPr>
+      <p:grpSpPr>
+        <a:xfrm>
+          <a:off x="0" y="0"/>
+          <a:ext cx="0" cy="0"/>
+          <a:chOff x="0" y="0"/>
+          <a:chExt cx="0" cy="0"/>
+        </a:xfrm>
+      </p:grpSpPr>
+      <p:sp>
+        <p:nvSpPr>
+          <p:cNvPr id="2" name="Título 1"/>
+          <p:cNvSpPr>
+            <a:spLocks noGrp="1"/>
+          </p:cNvSpPr>
+          <p:nvPr>
+            <p:ph type="title"/>
+          </p:nvPr>
+        </p:nvSpPr>
+        <p:spPr/>
+        <p:txBody>
+          <a:bodyPr/>
+          <a:lstStyle/>
+          <a:p>
+            <a:r>
+              <a:rPr lang="es-ES" dirty="0" smtClean="0"/>
+              <a:t>CONCLUSIONES</a:t>
+            </a:r>
+            <a:endParaRPr lang="es-ES" dirty="0"/>
+          </a:p>
+        </p:txBody>
+      </p:sp>
+      <p:sp>
+        <p:nvSpPr>
+          <p:cNvPr id="3" name="Marcador de texto 2"/>
+          <p:cNvSpPr>
+            <a:spLocks noGrp="1"/>
+          </p:cNvSpPr>
+          <p:nvPr>
+            <p:ph type="body" idx="1"/>
+          </p:nvPr>
+        </p:nvSpPr>
+        <p:spPr>
+          <a:xfrm>
+            <a:off x="2902950" y="805474"/>
+            <a:ext cx="5718600" cy="3829101"/>
+          </a:xfrm>
+        </p:spPr>
+        <p:txBody>
+          <a:bodyPr/>
+          <a:lstStyle/>
+          <a:p>
+            <a:pPr>
+              <a:buNone/>
+            </a:pPr>
+            <a:endParaRPr lang="es-ES" sz="2000" dirty="0" smtClean="0"/>
+          </a:p>
+          <a:p>
+            <a:pPr marL="342900" indent="-342900"/>
+            <a:r>
+              <a:rPr lang="es-ES" sz="2000" dirty="0" smtClean="0"/>
+              <a:t>Multitud </a:t>
+            </a:r>
+            <a:r>
+              <a:rPr lang="es-ES" sz="2000" dirty="0"/>
+              <a:t>de cursos </a:t>
+            </a:r>
+            <a:r>
+              <a:rPr lang="es-ES" sz="2000" dirty="0" smtClean="0"/>
+              <a:t>online.</a:t>
+            </a:r>
+          </a:p>
+          <a:p>
+            <a:pPr marL="342900" indent="-342900"/>
+            <a:endParaRPr lang="es-ES" sz="2000" dirty="0" smtClean="0"/>
+          </a:p>
+          <a:p>
+            <a:pPr marL="342900" indent="-342900"/>
+            <a:r>
+              <a:rPr lang="es-ES" sz="2000" dirty="0" smtClean="0"/>
+              <a:t>Más </a:t>
+            </a:r>
+            <a:r>
+              <a:rPr lang="es-ES" sz="2000" dirty="0"/>
+              <a:t>cursos gratuitos que de pago. </a:t>
+            </a:r>
+            <a:endParaRPr lang="es-ES" sz="2000" dirty="0" smtClean="0"/>
+          </a:p>
+          <a:p>
+            <a:pPr marL="342900" indent="-342900"/>
+            <a:endParaRPr lang="es-ES" sz="2000" dirty="0" smtClean="0"/>
+          </a:p>
+          <a:p>
+            <a:pPr marL="342900" indent="-342900"/>
+            <a:r>
+              <a:rPr lang="es-ES" sz="2000" dirty="0"/>
+              <a:t>Los cursos </a:t>
+            </a:r>
+            <a:r>
+              <a:rPr lang="es-ES" sz="2000" dirty="0" smtClean="0"/>
+              <a:t>universitarios los que </a:t>
+            </a:r>
+            <a:r>
+              <a:rPr lang="es-ES" sz="2000" dirty="0"/>
+              <a:t>más se centran en la tecnología en </a:t>
+            </a:r>
+            <a:r>
+              <a:rPr lang="es-ES" sz="2000" dirty="0" smtClean="0"/>
+              <a:t>general.</a:t>
+            </a:r>
+            <a:endParaRPr lang="es-ES" sz="2000" dirty="0"/>
+          </a:p>
+          <a:p>
+            <a:pPr marL="342900" indent="-342900"/>
+            <a:endParaRPr lang="es-ES" sz="2000" dirty="0" smtClean="0"/>
+          </a:p>
+          <a:p>
+            <a:pPr marL="342900" indent="-342900"/>
+            <a:r>
+              <a:rPr lang="es-ES" sz="2000" dirty="0" smtClean="0"/>
+              <a:t>De todos los niveles y para todos: </a:t>
+            </a:r>
+            <a:r>
+              <a:rPr lang="es-ES" sz="2000" dirty="0" smtClean="0">
+                <a:solidFill>
+                  <a:schemeClr val="accent1">
+                    <a:lumMod val="50000"/>
+                  </a:schemeClr>
+                </a:solidFill>
+              </a:rPr>
+              <a:t>tanto niños como adultos</a:t>
+            </a:r>
+            <a:r>
+              <a:rPr lang="es-ES" sz="2000" dirty="0" smtClean="0"/>
+              <a:t>, </a:t>
+            </a:r>
+            <a:r>
+              <a:rPr lang="es-ES" sz="2000" dirty="0"/>
+              <a:t>independientemente de sus conocimientos, puedan desarrollar e implantar una solución con relativa facilidad. </a:t>
+            </a:r>
+          </a:p>
+          <a:p>
+            <a:pPr>
+              <a:buNone/>
+            </a:pPr>
+            <a:endParaRPr lang="es-ES" dirty="0" smtClean="0"/>
+          </a:p>
+          <a:p>
+            <a:pPr>
+              <a:buNone/>
+            </a:pPr>
+            <a:endParaRPr lang="es-ES" dirty="0"/>
+          </a:p>
+        </p:txBody>
+      </p:sp>
+      <p:pic>
+        <p:nvPicPr>
+          <p:cNvPr id="4" name="Picture 11" descr="D:\UNI\FSI\Sorin\dist\imgs\logo-uah.png"/>
+          <p:cNvPicPr>
+            <a:picLocks noChangeAspect="1" noChangeArrowheads="1"/>
+          </p:cNvPicPr>
+          <p:nvPr/>
+        </p:nvPicPr>
+        <p:blipFill>
+          <a:blip r:embed="rId2">
+            <a:extLst>
+              <a:ext uri="{28A0092B-C50C-407E-A947-70E740481C1C}">
+                <a14:useLocalDpi xmlns:a14="http://schemas.microsoft.com/office/drawing/2010/main" val="0"/>
+              </a:ext>
+            </a:extLst>
+          </a:blip>
+          <a:srcRect/>
+          <a:stretch>
+            <a:fillRect/>
+          </a:stretch>
+        </p:blipFill>
+        <p:spPr bwMode="auto">
+          <a:xfrm>
+            <a:off x="188233" y="4504029"/>
+            <a:ext cx="2002517" cy="580082"/>
+          </a:xfrm>
+          <a:prstGeom prst="rect">
+            <a:avLst/>
+          </a:prstGeom>
+          <a:noFill/>
+          <a:extLst>
+            <a:ext uri="{909E8E84-426E-40DD-AFC4-6F175D3DCCD1}">
+              <a14:hiddenFill xmlns:a14="http://schemas.microsoft.com/office/drawing/2010/main">
+                <a:solidFill>
+                  <a:srgbClr val="FFFFFF"/>
+                </a:solidFill>
+              </a14:hiddenFill>
+            </a:ext>
+          </a:extLst>
+        </p:spPr>
+      </p:pic>
+    </p:spTree>
+    <p:extLst>
+      <p:ext uri="{BB962C8B-B14F-4D97-AF65-F5344CB8AC3E}">
+        <p14:creationId xmlns:p14="http://schemas.microsoft.com/office/powerpoint/2010/main" val="1107916228"/>
+      </p:ext>
+    </p:extLst>
+  </p:cSld>
+  <p:clrMapOvr>
+    <a:masterClrMapping/>
+  </p:clrMapOvr>
+  <p:timing>
+    <p:tnLst>
+      <p:par>
+        <p:cTn id="1" dur="indefinite" restart="never" nodeType="tmRoot"/>
+      </p:par>
+    </p:tnLst>
+  </p:timing>
+</p:sld>
+</file>
+
+<file path=ppt/slides/slide22.xml><?xml version="1.0" encoding="utf-8"?>
+<p:sld xmlns:a="http://schemas.openxmlformats.org/drawingml/2006/main" xmlns:r="http://schemas.openxmlformats.org/officeDocument/2006/relationships" xmlns:p="http://schemas.openxmlformats.org/presentationml/2006/main">
+  <p:cSld>
     <p:spTree>
       <p:nvGrpSpPr>
         <p:cNvPr id="1" name=""/>
@@ -45814,7 +46483,7 @@
 </p:sld>
 </file>
 
-<file path=ppt/slides/slide21.xml><?xml version="1.0" encoding="utf-8"?>
+<file path=ppt/slides/slide23.xml><?xml version="1.0" encoding="utf-8"?>
 <p:sld xmlns:a="http://schemas.openxmlformats.org/drawingml/2006/main" xmlns:r="http://schemas.openxmlformats.org/officeDocument/2006/relationships" xmlns:p="http://schemas.openxmlformats.org/presentationml/2006/main">
   <p:cSld>
     <p:spTree>
@@ -46041,7 +46710,7 @@
 </p:sld>
 </file>
 
-<file path=ppt/slides/slide22.xml><?xml version="1.0" encoding="utf-8"?>
+<file path=ppt/slides/slide24.xml><?xml version="1.0" encoding="utf-8"?>
 <p:sld xmlns:a="http://schemas.openxmlformats.org/drawingml/2006/main" xmlns:r="http://schemas.openxmlformats.org/officeDocument/2006/relationships" xmlns:p="http://schemas.openxmlformats.org/presentationml/2006/main">
   <p:cSld>
     <p:spTree>
@@ -46285,7 +46954,7 @@
 </p:sld>
 </file>
 
-<file path=ppt/slides/slide23.xml><?xml version="1.0" encoding="utf-8"?>
+<file path=ppt/slides/slide25.xml><?xml version="1.0" encoding="utf-8"?>
 <p:sld xmlns:a="http://schemas.openxmlformats.org/drawingml/2006/main" xmlns:r="http://schemas.openxmlformats.org/officeDocument/2006/relationships" xmlns:p="http://schemas.openxmlformats.org/presentationml/2006/main">
   <p:cSld>
     <p:spTree>
@@ -46671,8 +47340,52 @@
                 </a:solidFill>
                 <a:sym typeface="Muli"/>
               </a:rPr>
-              <a:t>2. RECURSOS Y FUENTES DE INFORMACIÓN</a:t>
+              <a:t>2. RECURSOS Y FUENTES DE </a:t>
             </a:r>
+            <a:r>
+              <a:rPr lang="en" sz="1600" b="1" dirty="0" smtClean="0">
+                <a:solidFill>
+                  <a:srgbClr val="0070C0"/>
+                </a:solidFill>
+                <a:sym typeface="Muli"/>
+              </a:rPr>
+              <a:t>INFORMACIÓN</a:t>
+            </a:r>
+          </a:p>
+          <a:p>
+            <a:pPr lvl="0" rtl="0">
+              <a:spcBef>
+                <a:spcPts val="0"/>
+              </a:spcBef>
+              <a:buNone/>
+            </a:pPr>
+            <a:endParaRPr lang="en" sz="1600" b="1" dirty="0">
+              <a:solidFill>
+                <a:srgbClr val="0070C0"/>
+              </a:solidFill>
+            </a:endParaRPr>
+          </a:p>
+          <a:p>
+            <a:pPr lvl="0" rtl="0">
+              <a:spcBef>
+                <a:spcPts val="0"/>
+              </a:spcBef>
+              <a:buNone/>
+            </a:pPr>
+            <a:r>
+              <a:rPr lang="en" sz="1600" b="1" dirty="0" smtClean="0">
+                <a:solidFill>
+                  <a:srgbClr val="0070C0"/>
+                </a:solidFill>
+              </a:rPr>
+              <a:t>3. AYUDAS</a:t>
+            </a:r>
+            <a:endParaRPr lang="en" sz="1600" b="1" dirty="0" smtClean="0">
+              <a:solidFill>
+                <a:srgbClr val="0070C0"/>
+              </a:solidFill>
+              <a:sym typeface="Muli"/>
+            </a:endParaRPr>
           </a:p>
           <a:p>
             <a:pPr lvl="0" rtl="0">
@@ -46701,7 +47414,15 @@
                   <a:srgbClr val="0070C0"/>
                 </a:solidFill>
               </a:rPr>
-              <a:t>3. CONCLUSIONES</a:t>
+              <a:t>4. </a:t>
+            </a:r>
+            <a:r>
+              <a:rPr lang="en" sz="1600" b="1" dirty="0" smtClean="0">
+                <a:solidFill>
+                  <a:srgbClr val="0070C0"/>
+                </a:solidFill>
+              </a:rPr>
+              <a:t>CONCLUSIONES</a:t>
             </a:r>
             <a:endParaRPr lang="en" sz="1600" b="1" dirty="0">
               <a:solidFill>
